--- a/方案.pptx
+++ b/方案.pptx
@@ -5,14 +5,26 @@
     <p:sldMasterId id="2147483648" r:id="rId1"/>
   </p:sldMasterIdLst>
   <p:notesMasterIdLst>
-    <p:notesMasterId r:id="rId5"/>
+    <p:notesMasterId r:id="rId10"/>
   </p:notesMasterIdLst>
   <p:handoutMasterIdLst>
-    <p:handoutMasterId r:id="rId6"/>
+    <p:handoutMasterId r:id="rId18"/>
   </p:handoutMasterIdLst>
   <p:sldIdLst>
     <p:sldId id="256" r:id="rId3"/>
     <p:sldId id="257" r:id="rId4"/>
+    <p:sldId id="259" r:id="rId5"/>
+    <p:sldId id="260" r:id="rId6"/>
+    <p:sldId id="261" r:id="rId7"/>
+    <p:sldId id="262" r:id="rId8"/>
+    <p:sldId id="263" r:id="rId9"/>
+    <p:sldId id="264" r:id="rId11"/>
+    <p:sldId id="265" r:id="rId12"/>
+    <p:sldId id="266" r:id="rId13"/>
+    <p:sldId id="267" r:id="rId14"/>
+    <p:sldId id="268" r:id="rId15"/>
+    <p:sldId id="269" r:id="rId16"/>
+    <p:sldId id="270" r:id="rId17"/>
   </p:sldIdLst>
   <p:sldSz cx="12192000" cy="6858000"/>
   <p:notesSz cx="6858000" cy="9144000"/>
@@ -633,6 +645,54 @@
     </a:lvl9pPr>
   </p:notesStyle>
 </p:notesMaster>
+</file>
+
+<file path=ppt/notesSlides/notesSlide1.xml><?xml version="1.0" encoding="utf-8"?>
+<p:notes xmlns:a="http://schemas.openxmlformats.org/drawingml/2006/main" xmlns:r="http://schemas.openxmlformats.org/officeDocument/2006/relationships" xmlns:p="http://schemas.openxmlformats.org/presentationml/2006/main">
+  <p:cSld>
+    <p:spTree>
+      <p:nvGrpSpPr>
+        <p:cNvPr id="1" name=""/>
+        <p:cNvGrpSpPr/>
+        <p:nvPr/>
+      </p:nvGrpSpPr>
+      <p:grpSpPr/>
+      <p:sp>
+        <p:nvSpPr>
+          <p:cNvPr id="2" name="幻灯片图像占位符 1"/>
+          <p:cNvSpPr>
+            <a:spLocks noGrp="1"/>
+          </p:cNvSpPr>
+          <p:nvPr>
+            <p:ph type="sldImg" idx="2"/>
+          </p:nvPr>
+        </p:nvSpPr>
+        <p:spPr/>
+      </p:sp>
+      <p:sp>
+        <p:nvSpPr>
+          <p:cNvPr id="3" name="文本占位符 2"/>
+          <p:cNvSpPr>
+            <a:spLocks noGrp="1"/>
+          </p:cNvSpPr>
+          <p:nvPr>
+            <p:ph type="body" idx="3"/>
+          </p:nvPr>
+        </p:nvSpPr>
+        <p:spPr/>
+        <p:txBody>
+          <a:bodyPr/>
+          <a:p>
+            <a:endParaRPr lang="zh-CN" altLang="en-US"/>
+          </a:p>
+        </p:txBody>
+      </p:sp>
+    </p:spTree>
+  </p:cSld>
+  <p:clrMapOvr>
+    <a:masterClrMapping/>
+  </p:clrMapOvr>
+</p:notes>
 </file>
 
 <file path=ppt/slideLayouts/slideLayout1.xml><?xml version="1.0" encoding="utf-8"?>
@@ -4269,6 +4329,1146 @@
 </p:sld>
 </file>
 
+<file path=ppt/slides/slide10.xml><?xml version="1.0" encoding="utf-8"?>
+<p:sld xmlns:a="http://schemas.openxmlformats.org/drawingml/2006/main" xmlns:r="http://schemas.openxmlformats.org/officeDocument/2006/relationships" xmlns:p="http://schemas.openxmlformats.org/presentationml/2006/main">
+  <p:cSld>
+    <p:spTree>
+      <p:nvGrpSpPr>
+        <p:cNvPr id="1" name=""/>
+        <p:cNvGrpSpPr/>
+        <p:nvPr/>
+      </p:nvGrpSpPr>
+      <p:grpSpPr>
+        <a:xfrm>
+          <a:off x="0" y="0"/>
+          <a:ext cx="0" cy="0"/>
+          <a:chOff x="0" y="0"/>
+          <a:chExt cx="0" cy="0"/>
+        </a:xfrm>
+      </p:grpSpPr>
+      <p:sp>
+        <p:nvSpPr>
+          <p:cNvPr id="2" name="文本框 1"/>
+          <p:cNvSpPr txBox="1"/>
+          <p:nvPr/>
+        </p:nvSpPr>
+        <p:spPr>
+          <a:xfrm>
+            <a:off x="60960" y="65405"/>
+            <a:ext cx="11892280" cy="460375"/>
+          </a:xfrm>
+          <a:prstGeom prst="rect">
+            <a:avLst/>
+          </a:prstGeom>
+          <a:noFill/>
+        </p:spPr>
+        <p:txBody>
+          <a:bodyPr wrap="square" rtlCol="0">
+            <a:spAutoFit/>
+          </a:bodyPr>
+          <a:p>
+            <a:r>
+              <a:rPr lang="en-US" altLang="zh-CN" sz="2400" b="1">
+                <a:solidFill>
+                  <a:srgbClr val="C00000"/>
+                </a:solidFill>
+                <a:latin typeface="Times New Roman" panose="02020603050405020304" charset="0"/>
+                <a:cs typeface="Times New Roman" panose="02020603050405020304" charset="0"/>
+              </a:rPr>
+              <a:t>Taming the Long-Tail: Efficient Reasoning RL Training with Adaptive Drafter</a:t>
+            </a:r>
+            <a:r>
+              <a:rPr lang="zh-CN" altLang="en-US" sz="1600" b="1">
+                <a:solidFill>
+                  <a:srgbClr val="C00000"/>
+                </a:solidFill>
+                <a:latin typeface="Times New Roman" panose="02020603050405020304" charset="0"/>
+                <a:cs typeface="Times New Roman" panose="02020603050405020304" charset="0"/>
+              </a:rPr>
+              <a:t>（</a:t>
+            </a:r>
+            <a:r>
+              <a:rPr lang="en-US" altLang="zh-CN" sz="1600" b="1">
+                <a:solidFill>
+                  <a:srgbClr val="C00000"/>
+                </a:solidFill>
+                <a:latin typeface="Times New Roman" panose="02020603050405020304" charset="0"/>
+                <a:cs typeface="Times New Roman" panose="02020603050405020304" charset="0"/>
+              </a:rPr>
+              <a:t>ASPLOS 2026</a:t>
+            </a:r>
+            <a:r>
+              <a:rPr lang="zh-CN" altLang="en-US" sz="1600" b="1">
+                <a:solidFill>
+                  <a:srgbClr val="C00000"/>
+                </a:solidFill>
+                <a:latin typeface="Times New Roman" panose="02020603050405020304" charset="0"/>
+                <a:cs typeface="Times New Roman" panose="02020603050405020304" charset="0"/>
+              </a:rPr>
+              <a:t>）</a:t>
+            </a:r>
+            <a:endParaRPr lang="zh-CN" altLang="en-US" sz="1600" b="1">
+              <a:solidFill>
+                <a:srgbClr val="C00000"/>
+              </a:solidFill>
+              <a:latin typeface="Times New Roman" panose="02020603050405020304" charset="0"/>
+              <a:cs typeface="Times New Roman" panose="02020603050405020304" charset="0"/>
+            </a:endParaRPr>
+          </a:p>
+        </p:txBody>
+      </p:sp>
+      <p:pic>
+        <p:nvPicPr>
+          <p:cNvPr id="3" name="图片 2"/>
+          <p:cNvPicPr>
+            <a:picLocks noChangeAspect="1"/>
+          </p:cNvPicPr>
+          <p:nvPr/>
+        </p:nvPicPr>
+        <p:blipFill>
+          <a:blip r:embed="rId1"/>
+          <a:srcRect b="43843"/>
+          <a:stretch>
+            <a:fillRect/>
+          </a:stretch>
+        </p:blipFill>
+        <p:spPr>
+          <a:xfrm>
+            <a:off x="26035" y="835025"/>
+            <a:ext cx="6271260" cy="5409565"/>
+          </a:xfrm>
+          <a:prstGeom prst="rect">
+            <a:avLst/>
+          </a:prstGeom>
+        </p:spPr>
+      </p:pic>
+      <p:pic>
+        <p:nvPicPr>
+          <p:cNvPr id="5" name="图片 4"/>
+          <p:cNvPicPr>
+            <a:picLocks noChangeAspect="1"/>
+          </p:cNvPicPr>
+          <p:nvPr/>
+        </p:nvPicPr>
+        <p:blipFill>
+          <a:blip r:embed="rId1"/>
+          <a:srcRect t="57411"/>
+          <a:stretch>
+            <a:fillRect/>
+          </a:stretch>
+        </p:blipFill>
+        <p:spPr>
+          <a:xfrm>
+            <a:off x="6332220" y="941070"/>
+            <a:ext cx="5852160" cy="3828415"/>
+          </a:xfrm>
+          <a:prstGeom prst="rect">
+            <a:avLst/>
+          </a:prstGeom>
+        </p:spPr>
+      </p:pic>
+    </p:spTree>
+    <p:custDataLst>
+      <p:tags r:id="rId2"/>
+    </p:custDataLst>
+  </p:cSld>
+  <p:clrMapOvr>
+    <a:masterClrMapping/>
+  </p:clrMapOvr>
+</p:sld>
+</file>
+
+<file path=ppt/slides/slide11.xml><?xml version="1.0" encoding="utf-8"?>
+<p:sld xmlns:a="http://schemas.openxmlformats.org/drawingml/2006/main" xmlns:r="http://schemas.openxmlformats.org/officeDocument/2006/relationships" xmlns:p="http://schemas.openxmlformats.org/presentationml/2006/main">
+  <p:cSld>
+    <p:spTree>
+      <p:nvGrpSpPr>
+        <p:cNvPr id="1" name=""/>
+        <p:cNvGrpSpPr/>
+        <p:nvPr/>
+      </p:nvGrpSpPr>
+      <p:grpSpPr>
+        <a:xfrm>
+          <a:off x="0" y="0"/>
+          <a:ext cx="0" cy="0"/>
+          <a:chOff x="0" y="0"/>
+          <a:chExt cx="0" cy="0"/>
+        </a:xfrm>
+      </p:grpSpPr>
+      <p:sp>
+        <p:nvSpPr>
+          <p:cNvPr id="2" name="文本框 1"/>
+          <p:cNvSpPr txBox="1"/>
+          <p:nvPr/>
+        </p:nvSpPr>
+        <p:spPr>
+          <a:xfrm>
+            <a:off x="60960" y="65405"/>
+            <a:ext cx="11892280" cy="460375"/>
+          </a:xfrm>
+          <a:prstGeom prst="rect">
+            <a:avLst/>
+          </a:prstGeom>
+          <a:noFill/>
+        </p:spPr>
+        <p:txBody>
+          <a:bodyPr wrap="square" rtlCol="0">
+            <a:spAutoFit/>
+          </a:bodyPr>
+          <a:p>
+            <a:r>
+              <a:rPr lang="en-US" altLang="zh-CN" sz="2400" b="1">
+                <a:solidFill>
+                  <a:srgbClr val="C00000"/>
+                </a:solidFill>
+                <a:latin typeface="Times New Roman" panose="02020603050405020304" charset="0"/>
+                <a:cs typeface="Times New Roman" panose="02020603050405020304" charset="0"/>
+              </a:rPr>
+              <a:t>Taming the Long-Tail: Efficient Reasoning RL Training with Adaptive Drafter</a:t>
+            </a:r>
+            <a:r>
+              <a:rPr lang="zh-CN" altLang="en-US" sz="1600" b="1">
+                <a:solidFill>
+                  <a:srgbClr val="C00000"/>
+                </a:solidFill>
+                <a:latin typeface="Times New Roman" panose="02020603050405020304" charset="0"/>
+                <a:cs typeface="Times New Roman" panose="02020603050405020304" charset="0"/>
+              </a:rPr>
+              <a:t>（</a:t>
+            </a:r>
+            <a:r>
+              <a:rPr lang="en-US" altLang="zh-CN" sz="1600" b="1">
+                <a:solidFill>
+                  <a:srgbClr val="C00000"/>
+                </a:solidFill>
+                <a:latin typeface="Times New Roman" panose="02020603050405020304" charset="0"/>
+                <a:cs typeface="Times New Roman" panose="02020603050405020304" charset="0"/>
+              </a:rPr>
+              <a:t>ASPLOS 2026</a:t>
+            </a:r>
+            <a:r>
+              <a:rPr lang="zh-CN" altLang="en-US" sz="1600" b="1">
+                <a:solidFill>
+                  <a:srgbClr val="C00000"/>
+                </a:solidFill>
+                <a:latin typeface="Times New Roman" panose="02020603050405020304" charset="0"/>
+                <a:cs typeface="Times New Roman" panose="02020603050405020304" charset="0"/>
+              </a:rPr>
+              <a:t>）</a:t>
+            </a:r>
+            <a:endParaRPr lang="zh-CN" altLang="en-US" sz="1600" b="1">
+              <a:solidFill>
+                <a:srgbClr val="C00000"/>
+              </a:solidFill>
+              <a:latin typeface="Times New Roman" panose="02020603050405020304" charset="0"/>
+              <a:cs typeface="Times New Roman" panose="02020603050405020304" charset="0"/>
+            </a:endParaRPr>
+          </a:p>
+        </p:txBody>
+      </p:sp>
+      <p:pic>
+        <p:nvPicPr>
+          <p:cNvPr id="7" name="图片 6"/>
+          <p:cNvPicPr>
+            <a:picLocks noChangeAspect="1"/>
+          </p:cNvPicPr>
+          <p:nvPr/>
+        </p:nvPicPr>
+        <p:blipFill>
+          <a:blip r:embed="rId1"/>
+          <a:stretch>
+            <a:fillRect/>
+          </a:stretch>
+        </p:blipFill>
+        <p:spPr>
+          <a:xfrm>
+            <a:off x="60960" y="671830"/>
+            <a:ext cx="5149215" cy="3175000"/>
+          </a:xfrm>
+          <a:prstGeom prst="rect">
+            <a:avLst/>
+          </a:prstGeom>
+        </p:spPr>
+      </p:pic>
+      <p:pic>
+        <p:nvPicPr>
+          <p:cNvPr id="8" name="图片 7"/>
+          <p:cNvPicPr>
+            <a:picLocks noChangeAspect="1"/>
+          </p:cNvPicPr>
+          <p:nvPr/>
+        </p:nvPicPr>
+        <p:blipFill>
+          <a:blip r:embed="rId2"/>
+          <a:stretch>
+            <a:fillRect/>
+          </a:stretch>
+        </p:blipFill>
+        <p:spPr>
+          <a:xfrm>
+            <a:off x="107950" y="4013835"/>
+            <a:ext cx="5096510" cy="2136775"/>
+          </a:xfrm>
+          <a:prstGeom prst="rect">
+            <a:avLst/>
+          </a:prstGeom>
+        </p:spPr>
+      </p:pic>
+      <p:pic>
+        <p:nvPicPr>
+          <p:cNvPr id="9" name="图片 8"/>
+          <p:cNvPicPr>
+            <a:picLocks noChangeAspect="1"/>
+          </p:cNvPicPr>
+          <p:nvPr/>
+        </p:nvPicPr>
+        <p:blipFill>
+          <a:blip r:embed="rId3"/>
+          <a:stretch>
+            <a:fillRect/>
+          </a:stretch>
+        </p:blipFill>
+        <p:spPr>
+          <a:xfrm>
+            <a:off x="5956300" y="675005"/>
+            <a:ext cx="4516120" cy="3431540"/>
+          </a:xfrm>
+          <a:prstGeom prst="rect">
+            <a:avLst/>
+          </a:prstGeom>
+        </p:spPr>
+      </p:pic>
+      <p:pic>
+        <p:nvPicPr>
+          <p:cNvPr id="10" name="图片 9"/>
+          <p:cNvPicPr>
+            <a:picLocks noChangeAspect="1"/>
+          </p:cNvPicPr>
+          <p:nvPr/>
+        </p:nvPicPr>
+        <p:blipFill>
+          <a:blip r:embed="rId4"/>
+          <a:stretch>
+            <a:fillRect/>
+          </a:stretch>
+        </p:blipFill>
+        <p:spPr>
+          <a:xfrm>
+            <a:off x="5956300" y="4166235"/>
+            <a:ext cx="4459605" cy="2592070"/>
+          </a:xfrm>
+          <a:prstGeom prst="rect">
+            <a:avLst/>
+          </a:prstGeom>
+        </p:spPr>
+      </p:pic>
+    </p:spTree>
+    <p:custDataLst>
+      <p:tags r:id="rId5"/>
+    </p:custDataLst>
+  </p:cSld>
+  <p:clrMapOvr>
+    <a:masterClrMapping/>
+  </p:clrMapOvr>
+</p:sld>
+</file>
+
+<file path=ppt/slides/slide12.xml><?xml version="1.0" encoding="utf-8"?>
+<p:sld xmlns:a="http://schemas.openxmlformats.org/drawingml/2006/main" xmlns:r="http://schemas.openxmlformats.org/officeDocument/2006/relationships" xmlns:p="http://schemas.openxmlformats.org/presentationml/2006/main">
+  <p:cSld>
+    <p:spTree>
+      <p:nvGrpSpPr>
+        <p:cNvPr id="1" name=""/>
+        <p:cNvGrpSpPr/>
+        <p:nvPr/>
+      </p:nvGrpSpPr>
+      <p:grpSpPr>
+        <a:xfrm>
+          <a:off x="0" y="0"/>
+          <a:ext cx="0" cy="0"/>
+          <a:chOff x="0" y="0"/>
+          <a:chExt cx="0" cy="0"/>
+        </a:xfrm>
+      </p:grpSpPr>
+      <p:sp>
+        <p:nvSpPr>
+          <p:cNvPr id="2" name="文本框 1"/>
+          <p:cNvSpPr txBox="1"/>
+          <p:nvPr/>
+        </p:nvSpPr>
+        <p:spPr>
+          <a:xfrm>
+            <a:off x="60960" y="65405"/>
+            <a:ext cx="11892280" cy="460375"/>
+          </a:xfrm>
+          <a:prstGeom prst="rect">
+            <a:avLst/>
+          </a:prstGeom>
+          <a:noFill/>
+        </p:spPr>
+        <p:txBody>
+          <a:bodyPr wrap="square" rtlCol="0">
+            <a:spAutoFit/>
+          </a:bodyPr>
+          <a:p>
+            <a:r>
+              <a:rPr lang="en-US" altLang="zh-CN" sz="2400" b="1">
+                <a:solidFill>
+                  <a:srgbClr val="C00000"/>
+                </a:solidFill>
+                <a:latin typeface="Times New Roman" panose="02020603050405020304" charset="0"/>
+                <a:cs typeface="Times New Roman" panose="02020603050405020304" charset="0"/>
+              </a:rPr>
+              <a:t>Taming the Long-Tail: Efficient Reasoning RL Training with Adaptive Drafter</a:t>
+            </a:r>
+            <a:r>
+              <a:rPr lang="zh-CN" altLang="en-US" sz="1600" b="1">
+                <a:solidFill>
+                  <a:srgbClr val="C00000"/>
+                </a:solidFill>
+                <a:latin typeface="Times New Roman" panose="02020603050405020304" charset="0"/>
+                <a:cs typeface="Times New Roman" panose="02020603050405020304" charset="0"/>
+              </a:rPr>
+              <a:t>（</a:t>
+            </a:r>
+            <a:r>
+              <a:rPr lang="en-US" altLang="zh-CN" sz="1600" b="1">
+                <a:solidFill>
+                  <a:srgbClr val="C00000"/>
+                </a:solidFill>
+                <a:latin typeface="Times New Roman" panose="02020603050405020304" charset="0"/>
+                <a:cs typeface="Times New Roman" panose="02020603050405020304" charset="0"/>
+              </a:rPr>
+              <a:t>ASPLOS 2026</a:t>
+            </a:r>
+            <a:r>
+              <a:rPr lang="zh-CN" altLang="en-US" sz="1600" b="1">
+                <a:solidFill>
+                  <a:srgbClr val="C00000"/>
+                </a:solidFill>
+                <a:latin typeface="Times New Roman" panose="02020603050405020304" charset="0"/>
+                <a:cs typeface="Times New Roman" panose="02020603050405020304" charset="0"/>
+              </a:rPr>
+              <a:t>）</a:t>
+            </a:r>
+            <a:endParaRPr lang="zh-CN" altLang="en-US" sz="1600" b="1">
+              <a:solidFill>
+                <a:srgbClr val="C00000"/>
+              </a:solidFill>
+              <a:latin typeface="Times New Roman" panose="02020603050405020304" charset="0"/>
+              <a:cs typeface="Times New Roman" panose="02020603050405020304" charset="0"/>
+            </a:endParaRPr>
+          </a:p>
+        </p:txBody>
+      </p:sp>
+      <p:sp>
+        <p:nvSpPr>
+          <p:cNvPr id="3" name="文本框 2"/>
+          <p:cNvSpPr txBox="1"/>
+          <p:nvPr/>
+        </p:nvSpPr>
+        <p:spPr>
+          <a:xfrm>
+            <a:off x="638810" y="1472565"/>
+            <a:ext cx="11035030" cy="2249170"/>
+          </a:xfrm>
+          <a:prstGeom prst="rect">
+            <a:avLst/>
+          </a:prstGeom>
+          <a:noFill/>
+        </p:spPr>
+        <p:txBody>
+          <a:bodyPr wrap="square" rtlCol="0">
+            <a:spAutoFit/>
+          </a:bodyPr>
+          <a:p>
+            <a:pPr>
+              <a:lnSpc>
+                <a:spcPct val="130000"/>
+              </a:lnSpc>
+            </a:pPr>
+            <a:r>
+              <a:rPr lang="zh-CN" altLang="en-US" b="1">
+                <a:latin typeface="Times New Roman" panose="02020603050405020304" charset="0"/>
+                <a:cs typeface="Times New Roman" panose="02020603050405020304" charset="0"/>
+              </a:rPr>
+              <a:t>虽然项目本身是基于</a:t>
+            </a:r>
+            <a:r>
+              <a:rPr lang="en-US" altLang="zh-CN" b="1">
+                <a:latin typeface="Times New Roman" panose="02020603050405020304" charset="0"/>
+                <a:cs typeface="Times New Roman" panose="02020603050405020304" charset="0"/>
+              </a:rPr>
+              <a:t>verl</a:t>
+            </a:r>
+            <a:r>
+              <a:rPr lang="zh-CN" altLang="en-US" b="1">
+                <a:latin typeface="Times New Roman" panose="02020603050405020304" charset="0"/>
+                <a:cs typeface="Times New Roman" panose="02020603050405020304" charset="0"/>
+              </a:rPr>
+              <a:t>进行修改的，但</a:t>
+            </a:r>
+            <a:endParaRPr lang="zh-CN" altLang="en-US" b="1">
+              <a:latin typeface="Times New Roman" panose="02020603050405020304" charset="0"/>
+              <a:cs typeface="Times New Roman" panose="02020603050405020304" charset="0"/>
+            </a:endParaRPr>
+          </a:p>
+          <a:p>
+            <a:pPr marL="285750" indent="-285750">
+              <a:lnSpc>
+                <a:spcPct val="130000"/>
+              </a:lnSpc>
+              <a:buFont typeface="Arial" panose="020B0604020202020204" pitchFamily="34" charset="0"/>
+              <a:buChar char="•"/>
+            </a:pPr>
+            <a:r>
+              <a:rPr lang="en-US" altLang="zh-CN">
+                <a:latin typeface="Times New Roman" panose="02020603050405020304" charset="0"/>
+                <a:cs typeface="Times New Roman" panose="02020603050405020304" charset="0"/>
+              </a:rPr>
+              <a:t>RL </a:t>
+            </a:r>
+            <a:r>
+              <a:rPr lang="zh-CN" altLang="en-US">
+                <a:latin typeface="Times New Roman" panose="02020603050405020304" charset="0"/>
+                <a:cs typeface="Times New Roman" panose="02020603050405020304" charset="0"/>
+              </a:rPr>
+              <a:t>算法逻辑（</a:t>
+            </a:r>
+            <a:r>
+              <a:rPr lang="en-US" altLang="zh-CN">
+                <a:latin typeface="Times New Roman" panose="02020603050405020304" charset="0"/>
+                <a:cs typeface="Times New Roman" panose="02020603050405020304" charset="0"/>
+              </a:rPr>
+              <a:t>Loss </a:t>
+            </a:r>
+            <a:r>
+              <a:rPr lang="zh-CN" altLang="en-US">
+                <a:latin typeface="Times New Roman" panose="02020603050405020304" charset="0"/>
+                <a:cs typeface="Times New Roman" panose="02020603050405020304" charset="0"/>
+              </a:rPr>
+              <a:t>计算、</a:t>
+            </a:r>
+            <a:r>
+              <a:rPr lang="en-US" altLang="zh-CN">
+                <a:latin typeface="Times New Roman" panose="02020603050405020304" charset="0"/>
+                <a:cs typeface="Times New Roman" panose="02020603050405020304" charset="0"/>
+              </a:rPr>
+              <a:t>Reward </a:t>
+            </a:r>
+            <a:r>
+              <a:rPr lang="zh-CN" altLang="en-US">
+                <a:latin typeface="Times New Roman" panose="02020603050405020304" charset="0"/>
+                <a:cs typeface="Times New Roman" panose="02020603050405020304" charset="0"/>
+              </a:rPr>
+              <a:t>计算）：修改量极小，基本复用。</a:t>
+            </a:r>
+            <a:endParaRPr lang="en-US" altLang="zh-CN">
+              <a:latin typeface="Times New Roman" panose="02020603050405020304" charset="0"/>
+              <a:cs typeface="Times New Roman" panose="02020603050405020304" charset="0"/>
+            </a:endParaRPr>
+          </a:p>
+          <a:p>
+            <a:pPr marL="285750" indent="-285750">
+              <a:lnSpc>
+                <a:spcPct val="130000"/>
+              </a:lnSpc>
+              <a:buFont typeface="Arial" panose="020B0604020202020204" pitchFamily="34" charset="0"/>
+              <a:buChar char="•"/>
+            </a:pPr>
+            <a:r>
+              <a:rPr lang="zh-CN" altLang="en-US">
+                <a:latin typeface="Times New Roman" panose="02020603050405020304" charset="0"/>
+                <a:cs typeface="Times New Roman" panose="02020603050405020304" charset="0"/>
+              </a:rPr>
+              <a:t>调度与通信（</a:t>
+            </a:r>
+            <a:r>
+              <a:rPr lang="en-US" altLang="zh-CN">
+                <a:latin typeface="Times New Roman" panose="02020603050405020304" charset="0"/>
+                <a:cs typeface="Times New Roman" panose="02020603050405020304" charset="0"/>
+              </a:rPr>
+              <a:t>Coordinator, ZeroMQ</a:t>
+            </a:r>
+            <a:r>
+              <a:rPr lang="zh-CN" altLang="en-US">
+                <a:latin typeface="Times New Roman" panose="02020603050405020304" charset="0"/>
+                <a:cs typeface="Times New Roman" panose="02020603050405020304" charset="0"/>
+              </a:rPr>
+              <a:t>）：新增代码量中等，主要是逻辑控制。</a:t>
+            </a:r>
+            <a:endParaRPr lang="en-US" altLang="zh-CN">
+              <a:latin typeface="Times New Roman" panose="02020603050405020304" charset="0"/>
+              <a:cs typeface="Times New Roman" panose="02020603050405020304" charset="0"/>
+            </a:endParaRPr>
+          </a:p>
+          <a:p>
+            <a:pPr marL="285750" indent="-285750">
+              <a:lnSpc>
+                <a:spcPct val="130000"/>
+              </a:lnSpc>
+              <a:buFont typeface="Arial" panose="020B0604020202020204" pitchFamily="34" charset="0"/>
+              <a:buChar char="•"/>
+            </a:pPr>
+            <a:r>
+              <a:rPr lang="zh-CN" altLang="en-US">
+                <a:latin typeface="Times New Roman" panose="02020603050405020304" charset="0"/>
+                <a:cs typeface="Times New Roman" panose="02020603050405020304" charset="0"/>
+              </a:rPr>
+              <a:t>推理引擎（</a:t>
+            </a:r>
+            <a:r>
+              <a:rPr lang="en-US" altLang="zh-CN">
+                <a:latin typeface="Times New Roman" panose="02020603050405020304" charset="0"/>
+                <a:cs typeface="Times New Roman" panose="02020603050405020304" charset="0"/>
+              </a:rPr>
+              <a:t>SGLang </a:t>
+            </a:r>
+            <a:r>
+              <a:rPr lang="zh-CN" altLang="en-US">
+                <a:latin typeface="Times New Roman" panose="02020603050405020304" charset="0"/>
+                <a:cs typeface="Times New Roman" panose="02020603050405020304" charset="0"/>
+              </a:rPr>
+              <a:t>集成、</a:t>
+            </a:r>
+            <a:r>
+              <a:rPr lang="en-US" altLang="zh-CN">
+                <a:latin typeface="Times New Roman" panose="02020603050405020304" charset="0"/>
+                <a:cs typeface="Times New Roman" panose="02020603050405020304" charset="0"/>
+              </a:rPr>
+              <a:t>CUDAGraph </a:t>
+            </a:r>
+            <a:r>
+              <a:rPr lang="zh-CN" altLang="en-US">
+                <a:latin typeface="Times New Roman" panose="02020603050405020304" charset="0"/>
+                <a:cs typeface="Times New Roman" panose="02020603050405020304" charset="0"/>
+              </a:rPr>
+              <a:t>策略、</a:t>
+            </a:r>
+            <a:r>
+              <a:rPr lang="en-US" altLang="zh-CN">
+                <a:latin typeface="Times New Roman" panose="02020603050405020304" charset="0"/>
+                <a:cs typeface="Times New Roman" panose="02020603050405020304" charset="0"/>
+              </a:rPr>
+              <a:t>MAB </a:t>
+            </a:r>
+            <a:r>
+              <a:rPr lang="zh-CN" altLang="en-US">
+                <a:latin typeface="Times New Roman" panose="02020603050405020304" charset="0"/>
+                <a:cs typeface="Times New Roman" panose="02020603050405020304" charset="0"/>
+              </a:rPr>
+              <a:t>算法）：修改量大，需要深入修改</a:t>
+            </a:r>
+            <a:r>
+              <a:rPr lang="en-US" altLang="zh-CN">
+                <a:latin typeface="Times New Roman" panose="02020603050405020304" charset="0"/>
+                <a:cs typeface="Times New Roman" panose="02020603050405020304" charset="0"/>
+              </a:rPr>
+              <a:t> Rollout </a:t>
+            </a:r>
+            <a:r>
+              <a:rPr lang="zh-CN" altLang="en-US">
+                <a:latin typeface="Times New Roman" panose="02020603050405020304" charset="0"/>
+                <a:cs typeface="Times New Roman" panose="02020603050405020304" charset="0"/>
+              </a:rPr>
+              <a:t>阶段的底层代码。</a:t>
+            </a:r>
+            <a:endParaRPr lang="en-US" altLang="zh-CN">
+              <a:latin typeface="Times New Roman" panose="02020603050405020304" charset="0"/>
+              <a:cs typeface="Times New Roman" panose="02020603050405020304" charset="0"/>
+            </a:endParaRPr>
+          </a:p>
+          <a:p>
+            <a:pPr marL="285750" indent="-285750">
+              <a:lnSpc>
+                <a:spcPct val="130000"/>
+              </a:lnSpc>
+              <a:buFont typeface="Arial" panose="020B0604020202020204" pitchFamily="34" charset="0"/>
+              <a:buChar char="•"/>
+            </a:pPr>
+            <a:r>
+              <a:rPr lang="zh-CN" altLang="en-US">
+                <a:latin typeface="Times New Roman" panose="02020603050405020304" charset="0"/>
+                <a:cs typeface="Times New Roman" panose="02020603050405020304" charset="0"/>
+              </a:rPr>
+              <a:t>草稿训练（</a:t>
+            </a:r>
+            <a:r>
+              <a:rPr lang="en-US" altLang="zh-CN">
+                <a:latin typeface="Times New Roman" panose="02020603050405020304" charset="0"/>
+                <a:cs typeface="Times New Roman" panose="02020603050405020304" charset="0"/>
+              </a:rPr>
+              <a:t>Spot Trainer</a:t>
+            </a:r>
+            <a:r>
+              <a:rPr lang="zh-CN" altLang="en-US">
+                <a:latin typeface="Times New Roman" panose="02020603050405020304" charset="0"/>
+                <a:cs typeface="Times New Roman" panose="02020603050405020304" charset="0"/>
+              </a:rPr>
+              <a:t>）：新增代码量大，相当于嵌入了一个独立的训练程序。</a:t>
+            </a:r>
+            <a:endParaRPr lang="zh-CN" altLang="en-US">
+              <a:latin typeface="Times New Roman" panose="02020603050405020304" charset="0"/>
+              <a:cs typeface="Times New Roman" panose="02020603050405020304" charset="0"/>
+            </a:endParaRPr>
+          </a:p>
+        </p:txBody>
+      </p:sp>
+    </p:spTree>
+    <p:custDataLst>
+      <p:tags r:id="rId1"/>
+    </p:custDataLst>
+  </p:cSld>
+  <p:clrMapOvr>
+    <a:masterClrMapping/>
+  </p:clrMapOvr>
+</p:sld>
+</file>
+
+<file path=ppt/slides/slide13.xml><?xml version="1.0" encoding="utf-8"?>
+<p:sld xmlns:a="http://schemas.openxmlformats.org/drawingml/2006/main" xmlns:r="http://schemas.openxmlformats.org/officeDocument/2006/relationships" xmlns:p="http://schemas.openxmlformats.org/presentationml/2006/main">
+  <p:cSld>
+    <p:spTree>
+      <p:nvGrpSpPr>
+        <p:cNvPr id="1" name=""/>
+        <p:cNvGrpSpPr/>
+        <p:nvPr/>
+      </p:nvGrpSpPr>
+      <p:grpSpPr>
+        <a:xfrm>
+          <a:off x="0" y="0"/>
+          <a:ext cx="0" cy="0"/>
+          <a:chOff x="0" y="0"/>
+          <a:chExt cx="0" cy="0"/>
+        </a:xfrm>
+      </p:grpSpPr>
+      <p:sp>
+        <p:nvSpPr>
+          <p:cNvPr id="4" name="文本框 3"/>
+          <p:cNvSpPr txBox="1"/>
+          <p:nvPr/>
+        </p:nvSpPr>
+        <p:spPr>
+          <a:xfrm>
+            <a:off x="60960" y="65405"/>
+            <a:ext cx="11892280" cy="460375"/>
+          </a:xfrm>
+          <a:prstGeom prst="rect">
+            <a:avLst/>
+          </a:prstGeom>
+          <a:noFill/>
+        </p:spPr>
+        <p:txBody>
+          <a:bodyPr wrap="square" rtlCol="0">
+            <a:spAutoFit/>
+          </a:bodyPr>
+          <a:p>
+            <a:pPr algn="l">
+              <a:buClrTx/>
+              <a:buSzTx/>
+              <a:buFontTx/>
+            </a:pPr>
+            <a:r>
+              <a:rPr lang="en-US" altLang="zh-CN" sz="2400" b="1">
+                <a:solidFill>
+                  <a:srgbClr val="C00000"/>
+                </a:solidFill>
+                <a:latin typeface="Times New Roman" panose="02020603050405020304" charset="0"/>
+                <a:cs typeface="Times New Roman" panose="02020603050405020304" charset="0"/>
+              </a:rPr>
+              <a:t>History Rhymes: Accelerating LLM Reinforcement Learning with RhymeRL</a:t>
+            </a:r>
+            <a:endParaRPr lang="en-US" altLang="zh-CN" sz="2400" b="1">
+              <a:solidFill>
+                <a:srgbClr val="C00000"/>
+              </a:solidFill>
+              <a:latin typeface="Times New Roman" panose="02020603050405020304" charset="0"/>
+              <a:cs typeface="Times New Roman" panose="02020603050405020304" charset="0"/>
+            </a:endParaRPr>
+          </a:p>
+        </p:txBody>
+      </p:sp>
+      <p:sp>
+        <p:nvSpPr>
+          <p:cNvPr id="5" name="文本框 4"/>
+          <p:cNvSpPr txBox="1"/>
+          <p:nvPr/>
+        </p:nvSpPr>
+        <p:spPr>
+          <a:xfrm>
+            <a:off x="294005" y="852805"/>
+            <a:ext cx="11436985" cy="2011045"/>
+          </a:xfrm>
+          <a:prstGeom prst="rect">
+            <a:avLst/>
+          </a:prstGeom>
+          <a:noFill/>
+        </p:spPr>
+        <p:txBody>
+          <a:bodyPr wrap="square" rtlCol="0">
+            <a:spAutoFit/>
+          </a:bodyPr>
+          <a:p>
+            <a:pPr algn="just">
+              <a:lnSpc>
+                <a:spcPct val="130000"/>
+              </a:lnSpc>
+            </a:pPr>
+            <a:r>
+              <a:rPr lang="en-US" altLang="zh-CN" sz="1600" b="1">
+                <a:latin typeface="Times New Roman" panose="02020603050405020304" charset="0"/>
+                <a:cs typeface="Times New Roman" panose="02020603050405020304" charset="0"/>
+              </a:rPr>
+              <a:t>Rollout </a:t>
+            </a:r>
+            <a:r>
+              <a:rPr lang="zh-CN" altLang="en-US" sz="1600" b="1">
+                <a:latin typeface="Times New Roman" panose="02020603050405020304" charset="0"/>
+                <a:cs typeface="Times New Roman" panose="02020603050405020304" charset="0"/>
+              </a:rPr>
+              <a:t>阶段是性能瓶颈，其根本原因在于</a:t>
+            </a:r>
+            <a:r>
+              <a:rPr lang="en-US" altLang="zh-CN" sz="1600" b="1">
+                <a:latin typeface="Times New Roman" panose="02020603050405020304" charset="0"/>
+                <a:cs typeface="Times New Roman" panose="02020603050405020304" charset="0"/>
+              </a:rPr>
+              <a:t> LLM </a:t>
+            </a:r>
+            <a:r>
+              <a:rPr lang="zh-CN" altLang="en-US" sz="1600" b="1">
+                <a:latin typeface="Times New Roman" panose="02020603050405020304" charset="0"/>
+                <a:cs typeface="Times New Roman" panose="02020603050405020304" charset="0"/>
+              </a:rPr>
+              <a:t>的自回归（</a:t>
+            </a:r>
+            <a:r>
+              <a:rPr lang="en-US" altLang="zh-CN" sz="1600" b="1">
+                <a:latin typeface="Times New Roman" panose="02020603050405020304" charset="0"/>
+                <a:cs typeface="Times New Roman" panose="02020603050405020304" charset="0"/>
+              </a:rPr>
+              <a:t>Autoregressive</a:t>
+            </a:r>
+            <a:r>
+              <a:rPr lang="zh-CN" altLang="en-US" sz="1600" b="1">
+                <a:latin typeface="Times New Roman" panose="02020603050405020304" charset="0"/>
+                <a:cs typeface="Times New Roman" panose="02020603050405020304" charset="0"/>
+              </a:rPr>
+              <a:t>）解码机制</a:t>
+            </a:r>
+            <a:r>
+              <a:rPr lang="zh-CN" altLang="en-US" sz="1600">
+                <a:latin typeface="Times New Roman" panose="02020603050405020304" charset="0"/>
+                <a:cs typeface="Times New Roman" panose="02020603050405020304" charset="0"/>
+              </a:rPr>
+              <a:t>。在标准解码流程中，生成每一个新</a:t>
+            </a:r>
+            <a:r>
+              <a:rPr lang="en-US" altLang="zh-CN" sz="1600">
+                <a:latin typeface="Times New Roman" panose="02020603050405020304" charset="0"/>
+                <a:cs typeface="Times New Roman" panose="02020603050405020304" charset="0"/>
+              </a:rPr>
+              <a:t> token </a:t>
+            </a:r>
+            <a:r>
+              <a:rPr lang="zh-CN" altLang="en-US" sz="1600">
+                <a:latin typeface="Times New Roman" panose="02020603050405020304" charset="0"/>
+                <a:cs typeface="Times New Roman" panose="02020603050405020304" charset="0"/>
+              </a:rPr>
+              <a:t>都需要模型完整地进行一次前向传播，这其中包含了对庞大的</a:t>
+            </a:r>
+            <a:r>
+              <a:rPr lang="en-US" altLang="zh-CN" sz="1600">
+                <a:latin typeface="Times New Roman" panose="02020603050405020304" charset="0"/>
+                <a:cs typeface="Times New Roman" panose="02020603050405020304" charset="0"/>
+              </a:rPr>
+              <a:t> KV Cache </a:t>
+            </a:r>
+            <a:r>
+              <a:rPr lang="zh-CN" altLang="en-US" sz="1600">
+                <a:latin typeface="Times New Roman" panose="02020603050405020304" charset="0"/>
+                <a:cs typeface="Times New Roman" panose="02020603050405020304" charset="0"/>
+              </a:rPr>
+              <a:t>的读操作。因此，解码过程的效率瓶颈并非来自于</a:t>
+            </a:r>
+            <a:r>
+              <a:rPr lang="en-US" altLang="zh-CN" sz="1600">
+                <a:latin typeface="Times New Roman" panose="02020603050405020304" charset="0"/>
+                <a:cs typeface="Times New Roman" panose="02020603050405020304" charset="0"/>
+              </a:rPr>
+              <a:t> GPU </a:t>
+            </a:r>
+            <a:r>
+              <a:rPr lang="zh-CN" altLang="en-US" sz="1600">
+                <a:latin typeface="Times New Roman" panose="02020603050405020304" charset="0"/>
+                <a:cs typeface="Times New Roman" panose="02020603050405020304" charset="0"/>
+              </a:rPr>
+              <a:t>的计算能力，而是内存带宽</a:t>
+            </a:r>
+            <a:r>
+              <a:rPr lang="en-US" altLang="zh-CN" sz="1600">
+                <a:latin typeface="Times New Roman" panose="02020603050405020304" charset="0"/>
+                <a:cs typeface="Times New Roman" panose="02020603050405020304" charset="0"/>
+              </a:rPr>
+              <a:t> (Memory Bandwidth)</a:t>
+            </a:r>
+            <a:r>
+              <a:rPr lang="zh-CN" altLang="en-US" sz="1600">
+                <a:latin typeface="Times New Roman" panose="02020603050405020304" charset="0"/>
+                <a:cs typeface="Times New Roman" panose="02020603050405020304" charset="0"/>
+              </a:rPr>
+              <a:t>。这种逐个</a:t>
+            </a:r>
+            <a:r>
+              <a:rPr lang="en-US" altLang="zh-CN" sz="1600">
+                <a:latin typeface="Times New Roman" panose="02020603050405020304" charset="0"/>
+                <a:cs typeface="Times New Roman" panose="02020603050405020304" charset="0"/>
+              </a:rPr>
+              <a:t> token </a:t>
+            </a:r>
+            <a:r>
+              <a:rPr lang="zh-CN" altLang="en-US" sz="1600">
+                <a:latin typeface="Times New Roman" panose="02020603050405020304" charset="0"/>
+                <a:cs typeface="Times New Roman" panose="02020603050405020304" charset="0"/>
+              </a:rPr>
+              <a:t>生成的串行模式，极大地限制了硬件资源的利用率。</a:t>
+            </a:r>
+            <a:endParaRPr lang="zh-CN" altLang="en-US" sz="1600">
+              <a:latin typeface="Times New Roman" panose="02020603050405020304" charset="0"/>
+              <a:cs typeface="Times New Roman" panose="02020603050405020304" charset="0"/>
+            </a:endParaRPr>
+          </a:p>
+          <a:p>
+            <a:pPr algn="just">
+              <a:lnSpc>
+                <a:spcPct val="130000"/>
+              </a:lnSpc>
+            </a:pPr>
+            <a:endParaRPr lang="en-US" altLang="zh-CN" sz="1600">
+              <a:latin typeface="Times New Roman" panose="02020603050405020304" charset="0"/>
+              <a:cs typeface="Times New Roman" panose="02020603050405020304" charset="0"/>
+            </a:endParaRPr>
+          </a:p>
+          <a:p>
+            <a:pPr algn="just">
+              <a:lnSpc>
+                <a:spcPct val="130000"/>
+              </a:lnSpc>
+            </a:pPr>
+            <a:r>
+              <a:rPr lang="en-US" altLang="zh-CN" sz="1600">
+                <a:latin typeface="Times New Roman" panose="02020603050405020304" charset="0"/>
+                <a:cs typeface="Times New Roman" panose="02020603050405020304" charset="0"/>
+              </a:rPr>
+              <a:t>​ </a:t>
+            </a:r>
+            <a:r>
+              <a:rPr lang="zh-CN" altLang="en-US" sz="1600">
+                <a:latin typeface="Times New Roman" panose="02020603050405020304" charset="0"/>
+                <a:cs typeface="Times New Roman" panose="02020603050405020304" charset="0"/>
+              </a:rPr>
+              <a:t>推测解码（</a:t>
+            </a:r>
+            <a:r>
+              <a:rPr lang="en-US" altLang="zh-CN" sz="1600">
+                <a:latin typeface="Times New Roman" panose="02020603050405020304" charset="0"/>
+                <a:cs typeface="Times New Roman" panose="02020603050405020304" charset="0"/>
+              </a:rPr>
+              <a:t>Speculative Decoding</a:t>
+            </a:r>
+            <a:r>
+              <a:rPr lang="zh-CN" altLang="en-US" sz="1600">
+                <a:latin typeface="Times New Roman" panose="02020603050405020304" charset="0"/>
+                <a:cs typeface="Times New Roman" panose="02020603050405020304" charset="0"/>
+              </a:rPr>
+              <a:t>）是一种旨在打破这一瓶颈的通用加速技术。其核心思想是将</a:t>
+            </a:r>
+            <a:r>
+              <a:rPr lang="en-US" altLang="zh-CN" sz="1600">
+                <a:latin typeface="Times New Roman" panose="02020603050405020304" charset="0"/>
+                <a:cs typeface="Times New Roman" panose="02020603050405020304" charset="0"/>
+              </a:rPr>
+              <a:t> token </a:t>
+            </a:r>
+            <a:r>
+              <a:rPr lang="zh-CN" altLang="en-US" sz="1600">
+                <a:latin typeface="Times New Roman" panose="02020603050405020304" charset="0"/>
+                <a:cs typeface="Times New Roman" panose="02020603050405020304" charset="0"/>
+              </a:rPr>
+              <a:t>生成过程从</a:t>
+            </a:r>
+            <a:r>
+              <a:rPr lang="en-US" altLang="zh-CN" sz="1600">
+                <a:latin typeface="Times New Roman" panose="02020603050405020304" charset="0"/>
+                <a:cs typeface="Times New Roman" panose="02020603050405020304" charset="0"/>
+              </a:rPr>
+              <a:t>“</a:t>
+            </a:r>
+            <a:r>
+              <a:rPr lang="zh-CN" altLang="en-US" sz="1600">
+                <a:latin typeface="Times New Roman" panose="02020603050405020304" charset="0"/>
+                <a:cs typeface="Times New Roman" panose="02020603050405020304" charset="0"/>
+              </a:rPr>
+              <a:t>一次生成一个</a:t>
+            </a:r>
+            <a:r>
+              <a:rPr lang="en-US" altLang="zh-CN" sz="1600">
+                <a:latin typeface="Times New Roman" panose="02020603050405020304" charset="0"/>
+                <a:cs typeface="Times New Roman" panose="02020603050405020304" charset="0"/>
+              </a:rPr>
+              <a:t>”</a:t>
+            </a:r>
+            <a:r>
+              <a:rPr lang="zh-CN" altLang="en-US" sz="1600">
+                <a:latin typeface="Times New Roman" panose="02020603050405020304" charset="0"/>
+                <a:cs typeface="Times New Roman" panose="02020603050405020304" charset="0"/>
+              </a:rPr>
+              <a:t>转变为</a:t>
+            </a:r>
+            <a:r>
+              <a:rPr lang="en-US" altLang="zh-CN" sz="1600">
+                <a:latin typeface="Times New Roman" panose="02020603050405020304" charset="0"/>
+                <a:cs typeface="Times New Roman" panose="02020603050405020304" charset="0"/>
+              </a:rPr>
+              <a:t>“</a:t>
+            </a:r>
+            <a:r>
+              <a:rPr lang="zh-CN" altLang="en-US" sz="1600">
+                <a:latin typeface="Times New Roman" panose="02020603050405020304" charset="0"/>
+                <a:cs typeface="Times New Roman" panose="02020603050405020304" charset="0"/>
+              </a:rPr>
+              <a:t>一次验证多个</a:t>
+            </a:r>
+            <a:r>
+              <a:rPr lang="en-US" altLang="zh-CN" sz="1600">
+                <a:latin typeface="Times New Roman" panose="02020603050405020304" charset="0"/>
+                <a:cs typeface="Times New Roman" panose="02020603050405020304" charset="0"/>
+              </a:rPr>
+              <a:t>”</a:t>
+            </a:r>
+            <a:r>
+              <a:rPr lang="zh-CN" altLang="en-US" sz="1600">
+                <a:latin typeface="Times New Roman" panose="02020603050405020304" charset="0"/>
+                <a:cs typeface="Times New Roman" panose="02020603050405020304" charset="0"/>
+              </a:rPr>
+              <a:t>。</a:t>
+            </a:r>
+            <a:endParaRPr lang="zh-CN" altLang="en-US" sz="1600">
+              <a:latin typeface="Times New Roman" panose="02020603050405020304" charset="0"/>
+              <a:cs typeface="Times New Roman" panose="02020603050405020304" charset="0"/>
+            </a:endParaRPr>
+          </a:p>
+        </p:txBody>
+      </p:sp>
+      <p:pic>
+        <p:nvPicPr>
+          <p:cNvPr id="6" name="图片 5"/>
+          <p:cNvPicPr>
+            <a:picLocks noChangeAspect="1"/>
+          </p:cNvPicPr>
+          <p:nvPr/>
+        </p:nvPicPr>
+        <p:blipFill>
+          <a:blip r:embed="rId1"/>
+          <a:stretch>
+            <a:fillRect/>
+          </a:stretch>
+        </p:blipFill>
+        <p:spPr>
+          <a:xfrm>
+            <a:off x="2747010" y="2807335"/>
+            <a:ext cx="6697345" cy="3880485"/>
+          </a:xfrm>
+          <a:prstGeom prst="rect">
+            <a:avLst/>
+          </a:prstGeom>
+        </p:spPr>
+      </p:pic>
+    </p:spTree>
+    <p:custDataLst>
+      <p:tags r:id="rId2"/>
+    </p:custDataLst>
+  </p:cSld>
+  <p:clrMapOvr>
+    <a:masterClrMapping/>
+  </p:clrMapOvr>
+</p:sld>
+</file>
+
+<file path=ppt/slides/slide14.xml><?xml version="1.0" encoding="utf-8"?>
+<p:sld xmlns:a="http://schemas.openxmlformats.org/drawingml/2006/main" xmlns:r="http://schemas.openxmlformats.org/officeDocument/2006/relationships" xmlns:p="http://schemas.openxmlformats.org/presentationml/2006/main">
+  <p:cSld>
+    <p:spTree>
+      <p:nvGrpSpPr>
+        <p:cNvPr id="1" name=""/>
+        <p:cNvGrpSpPr/>
+        <p:nvPr/>
+      </p:nvGrpSpPr>
+      <p:grpSpPr>
+        <a:xfrm>
+          <a:off x="0" y="0"/>
+          <a:ext cx="0" cy="0"/>
+          <a:chOff x="0" y="0"/>
+          <a:chExt cx="0" cy="0"/>
+        </a:xfrm>
+      </p:grpSpPr>
+      <p:sp>
+        <p:nvSpPr>
+          <p:cNvPr id="4" name="文本框 3"/>
+          <p:cNvSpPr txBox="1"/>
+          <p:nvPr/>
+        </p:nvSpPr>
+        <p:spPr>
+          <a:xfrm>
+            <a:off x="60960" y="65405"/>
+            <a:ext cx="11892280" cy="460375"/>
+          </a:xfrm>
+          <a:prstGeom prst="rect">
+            <a:avLst/>
+          </a:prstGeom>
+          <a:noFill/>
+        </p:spPr>
+        <p:txBody>
+          <a:bodyPr wrap="square" rtlCol="0">
+            <a:spAutoFit/>
+          </a:bodyPr>
+          <a:p>
+            <a:pPr algn="l">
+              <a:buClrTx/>
+              <a:buSzTx/>
+              <a:buFontTx/>
+            </a:pPr>
+            <a:r>
+              <a:rPr lang="en-US" altLang="zh-CN" sz="2400" b="1">
+                <a:solidFill>
+                  <a:srgbClr val="C00000"/>
+                </a:solidFill>
+                <a:latin typeface="Times New Roman" panose="02020603050405020304" charset="0"/>
+                <a:cs typeface="Times New Roman" panose="02020603050405020304" charset="0"/>
+              </a:rPr>
+              <a:t>History Rhymes: Accelerating LLM Reinforcement Learning with RhymeRL</a:t>
+            </a:r>
+            <a:endParaRPr lang="en-US" altLang="zh-CN" sz="2400" b="1">
+              <a:solidFill>
+                <a:srgbClr val="C00000"/>
+              </a:solidFill>
+              <a:latin typeface="Times New Roman" panose="02020603050405020304" charset="0"/>
+              <a:cs typeface="Times New Roman" panose="02020603050405020304" charset="0"/>
+            </a:endParaRPr>
+          </a:p>
+        </p:txBody>
+      </p:sp>
+    </p:spTree>
+    <p:custDataLst>
+      <p:tags r:id="rId1"/>
+    </p:custDataLst>
+  </p:cSld>
+  <p:clrMapOvr>
+    <a:masterClrMapping/>
+  </p:clrMapOvr>
+</p:sld>
+</file>
+
 <file path=ppt/slides/slide2.xml><?xml version="1.0" encoding="utf-8"?>
 <p:sld xmlns:a="http://schemas.openxmlformats.org/drawingml/2006/main" xmlns:r="http://schemas.openxmlformats.org/officeDocument/2006/relationships" xmlns:p="http://schemas.openxmlformats.org/presentationml/2006/main">
   <p:cSld>
@@ -5058,6 +6258,4163 @@
           </a:fontRef>
         </p:style>
       </p:cxnSp>
+    </p:spTree>
+    <p:custDataLst>
+      <p:tags r:id="rId1"/>
+    </p:custDataLst>
+  </p:cSld>
+  <p:clrMapOvr>
+    <a:masterClrMapping/>
+  </p:clrMapOvr>
+</p:sld>
+</file>
+
+<file path=ppt/slides/slide3.xml><?xml version="1.0" encoding="utf-8"?>
+<p:sld xmlns:a="http://schemas.openxmlformats.org/drawingml/2006/main" xmlns:r="http://schemas.openxmlformats.org/officeDocument/2006/relationships" xmlns:p="http://schemas.openxmlformats.org/presentationml/2006/main">
+  <p:cSld>
+    <p:spTree>
+      <p:nvGrpSpPr>
+        <p:cNvPr id="1" name=""/>
+        <p:cNvGrpSpPr/>
+        <p:nvPr/>
+      </p:nvGrpSpPr>
+      <p:grpSpPr>
+        <a:xfrm>
+          <a:off x="0" y="0"/>
+          <a:ext cx="0" cy="0"/>
+          <a:chOff x="0" y="0"/>
+          <a:chExt cx="0" cy="0"/>
+        </a:xfrm>
+      </p:grpSpPr>
+      <p:sp>
+        <p:nvSpPr>
+          <p:cNvPr id="4" name="文本框 3"/>
+          <p:cNvSpPr txBox="1"/>
+          <p:nvPr/>
+        </p:nvSpPr>
+        <p:spPr>
+          <a:xfrm>
+            <a:off x="41275" y="943610"/>
+            <a:ext cx="11890375" cy="755015"/>
+          </a:xfrm>
+          <a:prstGeom prst="rect">
+            <a:avLst/>
+          </a:prstGeom>
+          <a:noFill/>
+        </p:spPr>
+        <p:txBody>
+          <a:bodyPr wrap="square" rtlCol="0">
+            <a:spAutoFit/>
+          </a:bodyPr>
+          <a:p>
+            <a:pPr algn="just">
+              <a:lnSpc>
+                <a:spcPct val="120000"/>
+              </a:lnSpc>
+            </a:pPr>
+            <a:r>
+              <a:rPr lang="zh-CN" altLang="en-US" sz="1200" b="1">
+                <a:latin typeface="Times New Roman" panose="02020603050405020304" charset="0"/>
+                <a:cs typeface="Times New Roman" panose="02020603050405020304" charset="0"/>
+              </a:rPr>
+              <a:t>挑战</a:t>
+            </a:r>
+            <a:r>
+              <a:rPr lang="en-US" altLang="zh-CN" sz="1200" b="1">
+                <a:latin typeface="Times New Roman" panose="02020603050405020304" charset="0"/>
+                <a:cs typeface="Times New Roman" panose="02020603050405020304" charset="0"/>
+              </a:rPr>
+              <a:t> 1</a:t>
+            </a:r>
+            <a:r>
+              <a:rPr lang="zh-CN" altLang="en-US" sz="1200" b="1">
+                <a:latin typeface="Times New Roman" panose="02020603050405020304" charset="0"/>
+                <a:cs typeface="Times New Roman" panose="02020603050405020304" charset="0"/>
+              </a:rPr>
+              <a:t>：如何支持异步权重同步？</a:t>
+            </a:r>
+            <a:r>
+              <a:rPr lang="en-US" altLang="zh-CN" sz="1200" b="1">
+                <a:latin typeface="Times New Roman" panose="02020603050405020304" charset="0"/>
+                <a:cs typeface="Times New Roman" panose="02020603050405020304" charset="0"/>
+              </a:rPr>
+              <a:t> </a:t>
+            </a:r>
+            <a:r>
+              <a:rPr lang="zh-CN" altLang="en-US" sz="1200">
+                <a:latin typeface="Times New Roman" panose="02020603050405020304" charset="0"/>
+                <a:cs typeface="Times New Roman" panose="02020603050405020304" charset="0"/>
+              </a:rPr>
+              <a:t>异步拉取权重会争抢</a:t>
+            </a:r>
+            <a:r>
+              <a:rPr lang="en-US" altLang="zh-CN" sz="1200">
+                <a:latin typeface="Times New Roman" panose="02020603050405020304" charset="0"/>
+                <a:cs typeface="Times New Roman" panose="02020603050405020304" charset="0"/>
+              </a:rPr>
+              <a:t> GPU </a:t>
+            </a:r>
+            <a:r>
+              <a:rPr lang="zh-CN" altLang="en-US" sz="1200">
+                <a:latin typeface="Times New Roman" panose="02020603050405020304" charset="0"/>
+                <a:cs typeface="Times New Roman" panose="02020603050405020304" charset="0"/>
+              </a:rPr>
+              <a:t>显存和计算资源。需要在不增加</a:t>
+            </a:r>
+            <a:r>
+              <a:rPr lang="en-US" altLang="zh-CN" sz="1200">
+                <a:latin typeface="Times New Roman" panose="02020603050405020304" charset="0"/>
+                <a:cs typeface="Times New Roman" panose="02020603050405020304" charset="0"/>
+              </a:rPr>
+              <a:t> GPU </a:t>
+            </a:r>
+            <a:r>
+              <a:rPr lang="zh-CN" altLang="en-US" sz="1200">
+                <a:latin typeface="Times New Roman" panose="02020603050405020304" charset="0"/>
+                <a:cs typeface="Times New Roman" panose="02020603050405020304" charset="0"/>
+              </a:rPr>
+              <a:t>显存负担、不阻塞</a:t>
+            </a:r>
+            <a:r>
+              <a:rPr lang="en-US" altLang="zh-CN" sz="1200">
+                <a:latin typeface="Times New Roman" panose="02020603050405020304" charset="0"/>
+                <a:cs typeface="Times New Roman" panose="02020603050405020304" charset="0"/>
+              </a:rPr>
+              <a:t> Actor </a:t>
+            </a:r>
+            <a:r>
+              <a:rPr lang="zh-CN" altLang="en-US" sz="1200">
+                <a:latin typeface="Times New Roman" panose="02020603050405020304" charset="0"/>
+                <a:cs typeface="Times New Roman" panose="02020603050405020304" charset="0"/>
+              </a:rPr>
+              <a:t>训练的情况下实现同步。</a:t>
+            </a:r>
+            <a:endParaRPr lang="en-US" altLang="zh-CN" sz="1200">
+              <a:latin typeface="Times New Roman" panose="02020603050405020304" charset="0"/>
+              <a:cs typeface="Times New Roman" panose="02020603050405020304" charset="0"/>
+            </a:endParaRPr>
+          </a:p>
+          <a:p>
+            <a:pPr algn="just">
+              <a:lnSpc>
+                <a:spcPct val="120000"/>
+              </a:lnSpc>
+            </a:pPr>
+            <a:r>
+              <a:rPr lang="zh-CN" altLang="en-US" sz="1200" b="1">
+                <a:latin typeface="Times New Roman" panose="02020603050405020304" charset="0"/>
+                <a:cs typeface="Times New Roman" panose="02020603050405020304" charset="0"/>
+              </a:rPr>
+              <a:t>挑战</a:t>
+            </a:r>
+            <a:r>
+              <a:rPr lang="en-US" altLang="zh-CN" sz="1200" b="1">
+                <a:latin typeface="Times New Roman" panose="02020603050405020304" charset="0"/>
+                <a:cs typeface="Times New Roman" panose="02020603050405020304" charset="0"/>
+              </a:rPr>
+              <a:t> 2</a:t>
+            </a:r>
+            <a:r>
+              <a:rPr lang="zh-CN" altLang="en-US" sz="1200" b="1">
+                <a:latin typeface="Times New Roman" panose="02020603050405020304" charset="0"/>
+                <a:cs typeface="Times New Roman" panose="02020603050405020304" charset="0"/>
+              </a:rPr>
+              <a:t>：如何解决单体采样模型内的长尾问题？</a:t>
+            </a:r>
+            <a:r>
+              <a:rPr lang="en-US" altLang="zh-CN" sz="1200" b="1">
+                <a:latin typeface="Times New Roman" panose="02020603050405020304" charset="0"/>
+                <a:cs typeface="Times New Roman" panose="02020603050405020304" charset="0"/>
+              </a:rPr>
+              <a:t> </a:t>
+            </a:r>
+            <a:r>
+              <a:rPr lang="zh-CN" altLang="en-US" sz="1200">
+                <a:latin typeface="Times New Roman" panose="02020603050405020304" charset="0"/>
+                <a:cs typeface="Times New Roman" panose="02020603050405020304" charset="0"/>
+              </a:rPr>
+              <a:t>当某个采样副本只剩下极少数长尾轨迹时，利用率依然很低。我们需要一种动态机制将这些零散轨迹</a:t>
+            </a:r>
+            <a:r>
+              <a:rPr lang="en-US" altLang="zh-CN" sz="1200">
+                <a:latin typeface="Times New Roman" panose="02020603050405020304" charset="0"/>
+                <a:cs typeface="Times New Roman" panose="02020603050405020304" charset="0"/>
+              </a:rPr>
+              <a:t>“</a:t>
+            </a:r>
+            <a:r>
+              <a:rPr lang="zh-CN" altLang="en-US" sz="1200">
+                <a:latin typeface="Times New Roman" panose="02020603050405020304" charset="0"/>
+                <a:cs typeface="Times New Roman" panose="02020603050405020304" charset="0"/>
+              </a:rPr>
+              <a:t>重新打包</a:t>
+            </a:r>
+            <a:r>
+              <a:rPr lang="en-US" altLang="zh-CN" sz="1200">
+                <a:latin typeface="Times New Roman" panose="02020603050405020304" charset="0"/>
+                <a:cs typeface="Times New Roman" panose="02020603050405020304" charset="0"/>
+              </a:rPr>
+              <a:t>”</a:t>
+            </a:r>
+            <a:r>
+              <a:rPr lang="zh-CN" altLang="en-US" sz="1200">
+                <a:latin typeface="Times New Roman" panose="02020603050405020304" charset="0"/>
+                <a:cs typeface="Times New Roman" panose="02020603050405020304" charset="0"/>
+              </a:rPr>
+              <a:t>整合。</a:t>
+            </a:r>
+            <a:endParaRPr lang="zh-CN" altLang="en-US" sz="1200">
+              <a:latin typeface="Times New Roman" panose="02020603050405020304" charset="0"/>
+              <a:cs typeface="Times New Roman" panose="02020603050405020304" charset="0"/>
+            </a:endParaRPr>
+          </a:p>
+          <a:p>
+            <a:pPr algn="just">
+              <a:lnSpc>
+                <a:spcPct val="120000"/>
+              </a:lnSpc>
+            </a:pPr>
+            <a:r>
+              <a:rPr lang="zh-CN" altLang="en-US" sz="1200" b="1">
+                <a:latin typeface="Times New Roman" panose="02020603050405020304" charset="0"/>
+                <a:cs typeface="Times New Roman" panose="02020603050405020304" charset="0"/>
+              </a:rPr>
+              <a:t>挑战</a:t>
+            </a:r>
+            <a:r>
+              <a:rPr lang="en-US" altLang="zh-CN" sz="1200" b="1">
+                <a:latin typeface="Times New Roman" panose="02020603050405020304" charset="0"/>
+                <a:cs typeface="Times New Roman" panose="02020603050405020304" charset="0"/>
+              </a:rPr>
+              <a:t> 3</a:t>
+            </a:r>
+            <a:r>
+              <a:rPr lang="zh-CN" altLang="en-US" sz="1200" b="1">
+                <a:latin typeface="Times New Roman" panose="02020603050405020304" charset="0"/>
+                <a:cs typeface="Times New Roman" panose="02020603050405020304" charset="0"/>
+              </a:rPr>
+              <a:t>：如何确保大规模训练的健壮性？</a:t>
+            </a:r>
+            <a:r>
+              <a:rPr lang="en-US" altLang="zh-CN" sz="1200">
+                <a:latin typeface="Times New Roman" panose="02020603050405020304" charset="0"/>
+                <a:cs typeface="Times New Roman" panose="02020603050405020304" charset="0"/>
+              </a:rPr>
+              <a:t> </a:t>
+            </a:r>
+            <a:r>
+              <a:rPr lang="zh-CN" altLang="en-US" sz="1200">
+                <a:latin typeface="Times New Roman" panose="02020603050405020304" charset="0"/>
+                <a:cs typeface="Times New Roman" panose="02020603050405020304" charset="0"/>
+              </a:rPr>
+              <a:t>在千卡规模下，硬件故障不可避免。我们需要隔离组件故障，避免单点失败导致整个任务重启。</a:t>
+            </a:r>
+            <a:endParaRPr lang="zh-CN" altLang="en-US" sz="1200">
+              <a:latin typeface="Times New Roman" panose="02020603050405020304" charset="0"/>
+              <a:cs typeface="Times New Roman" panose="02020603050405020304" charset="0"/>
+            </a:endParaRPr>
+          </a:p>
+        </p:txBody>
+      </p:sp>
+      <p:sp>
+        <p:nvSpPr>
+          <p:cNvPr id="6" name="文本框 5"/>
+          <p:cNvSpPr txBox="1"/>
+          <p:nvPr/>
+        </p:nvSpPr>
+        <p:spPr>
+          <a:xfrm>
+            <a:off x="95885" y="3622040"/>
+            <a:ext cx="11919585" cy="3009900"/>
+          </a:xfrm>
+          <a:prstGeom prst="rect">
+            <a:avLst/>
+          </a:prstGeom>
+          <a:noFill/>
+        </p:spPr>
+        <p:txBody>
+          <a:bodyPr wrap="square" rtlCol="0">
+            <a:noAutofit/>
+          </a:bodyPr>
+          <a:p>
+            <a:pPr algn="l">
+              <a:lnSpc>
+                <a:spcPct val="130000"/>
+              </a:lnSpc>
+            </a:pPr>
+            <a:r>
+              <a:rPr lang="zh-CN" altLang="en-US" b="1">
+                <a:latin typeface="Times New Roman" panose="02020603050405020304" charset="0"/>
+                <a:cs typeface="Times New Roman" panose="02020603050405020304" charset="0"/>
+              </a:rPr>
+              <a:t>一、</a:t>
+            </a:r>
+            <a:r>
+              <a:rPr lang="zh-CN" altLang="en-US" b="1">
+                <a:latin typeface="Times New Roman" panose="02020603050405020304" charset="0"/>
+                <a:cs typeface="Times New Roman" panose="02020603050405020304" charset="0"/>
+              </a:rPr>
+              <a:t>监控长尾问题</a:t>
+            </a:r>
+            <a:endParaRPr lang="zh-CN" altLang="en-US" b="1">
+              <a:latin typeface="Times New Roman" panose="02020603050405020304" charset="0"/>
+              <a:cs typeface="Times New Roman" panose="02020603050405020304" charset="0"/>
+            </a:endParaRPr>
+          </a:p>
+          <a:p>
+            <a:pPr algn="l">
+              <a:lnSpc>
+                <a:spcPct val="130000"/>
+              </a:lnSpc>
+            </a:pPr>
+            <a:r>
+              <a:rPr lang="zh-CN" altLang="en-US" sz="1400">
+                <a:latin typeface="Times New Roman" panose="02020603050405020304" charset="0"/>
+                <a:cs typeface="Times New Roman" panose="02020603050405020304" charset="0"/>
+              </a:rPr>
+              <a:t>传统的做法是看“剩余请求数”，但这需要手动设阈值（这种方法需要大量离线</a:t>
+            </a:r>
+            <a:r>
+              <a:rPr lang="en-US" altLang="zh-CN" sz="1400">
+                <a:latin typeface="Times New Roman" panose="02020603050405020304" charset="0"/>
+                <a:cs typeface="Times New Roman" panose="02020603050405020304" charset="0"/>
+              </a:rPr>
+              <a:t> Profiling </a:t>
+            </a:r>
+            <a:r>
+              <a:rPr lang="zh-CN" altLang="en-US" sz="1400">
+                <a:latin typeface="Times New Roman" panose="02020603050405020304" charset="0"/>
+                <a:cs typeface="Times New Roman" panose="02020603050405020304" charset="0"/>
+              </a:rPr>
+              <a:t>且难以适应动态变化）</a:t>
+            </a:r>
+            <a:r>
+              <a:rPr lang="zh-CN" altLang="en-US" sz="1400">
+                <a:latin typeface="Times New Roman" panose="02020603050405020304" charset="0"/>
+                <a:cs typeface="Times New Roman" panose="02020603050405020304" charset="0"/>
+              </a:rPr>
+              <a:t>。</a:t>
+            </a:r>
+            <a:endParaRPr lang="zh-CN" altLang="en-US" sz="1400">
+              <a:latin typeface="Times New Roman" panose="02020603050405020304" charset="0"/>
+              <a:cs typeface="Times New Roman" panose="02020603050405020304" charset="0"/>
+            </a:endParaRPr>
+          </a:p>
+          <a:p>
+            <a:pPr algn="l">
+              <a:lnSpc>
+                <a:spcPct val="130000"/>
+              </a:lnSpc>
+            </a:pPr>
+            <a:r>
+              <a:rPr lang="zh-CN" altLang="en-US" sz="1400" b="1">
+                <a:latin typeface="Times New Roman" panose="02020603050405020304" charset="0"/>
+                <a:cs typeface="Times New Roman" panose="02020603050405020304" charset="0"/>
+              </a:rPr>
+              <a:t>选择</a:t>
+            </a:r>
+            <a:r>
+              <a:rPr lang="en-US" altLang="zh-CN" sz="1400" b="1">
+                <a:latin typeface="Times New Roman" panose="02020603050405020304" charset="0"/>
+                <a:cs typeface="Times New Roman" panose="02020603050405020304" charset="0"/>
+              </a:rPr>
+              <a:t> KVCache </a:t>
+            </a:r>
+            <a:r>
+              <a:rPr lang="zh-CN" altLang="en-US" sz="1400" b="1">
+                <a:latin typeface="Times New Roman" panose="02020603050405020304" charset="0"/>
+                <a:cs typeface="Times New Roman" panose="02020603050405020304" charset="0"/>
+              </a:rPr>
+              <a:t>的原因</a:t>
+            </a:r>
+            <a:endParaRPr lang="zh-CN" altLang="en-US" sz="1400" b="1">
+              <a:latin typeface="Times New Roman" panose="02020603050405020304" charset="0"/>
+              <a:cs typeface="Times New Roman" panose="02020603050405020304" charset="0"/>
+            </a:endParaRPr>
+          </a:p>
+          <a:p>
+            <a:pPr algn="l">
+              <a:lnSpc>
+                <a:spcPct val="130000"/>
+              </a:lnSpc>
+            </a:pPr>
+            <a:r>
+              <a:rPr lang="zh-CN" altLang="en-US" sz="1400">
+                <a:latin typeface="Times New Roman" panose="02020603050405020304" charset="0"/>
+                <a:cs typeface="Times New Roman" panose="02020603050405020304" charset="0"/>
+              </a:rPr>
+              <a:t>LLM 的解码（Decoding）过程是内存受限（Memory-bound）的，KVCache 容量是限制并行解码 Batch Size 的主要瓶颈 。当 Batch Size 很小（即长尾阶段）时，解码延迟与较大 Batch Size 时几乎相同，导致 GPU 计算资源浪费 。</a:t>
+            </a:r>
+            <a:endParaRPr lang="zh-CN" altLang="en-US" sz="1400">
+              <a:latin typeface="Times New Roman" panose="02020603050405020304" charset="0"/>
+              <a:cs typeface="Times New Roman" panose="02020603050405020304" charset="0"/>
+            </a:endParaRPr>
+          </a:p>
+          <a:p>
+            <a:pPr algn="l">
+              <a:lnSpc>
+                <a:spcPct val="130000"/>
+              </a:lnSpc>
+            </a:pPr>
+            <a:r>
+              <a:rPr lang="zh-CN" altLang="en-US" sz="1400" b="1">
+                <a:latin typeface="Times New Roman" panose="02020603050405020304" charset="0"/>
+                <a:cs typeface="Times New Roman" panose="02020603050405020304" charset="0"/>
+              </a:rPr>
+              <a:t>监控逻辑（生命周期分析）</a:t>
+            </a:r>
+            <a:endParaRPr lang="zh-CN" altLang="en-US" sz="1400" b="1">
+              <a:latin typeface="Times New Roman" panose="02020603050405020304" charset="0"/>
+              <a:cs typeface="Times New Roman" panose="02020603050405020304" charset="0"/>
+            </a:endParaRPr>
+          </a:p>
+          <a:p>
+            <a:pPr algn="l">
+              <a:lnSpc>
+                <a:spcPct val="130000"/>
+              </a:lnSpc>
+            </a:pPr>
+            <a:r>
+              <a:rPr lang="en-US" altLang="zh-CN" sz="1400">
+                <a:latin typeface="Times New Roman" panose="02020603050405020304" charset="0"/>
+                <a:cs typeface="Times New Roman" panose="02020603050405020304" charset="0"/>
+              </a:rPr>
+              <a:t>Laminar </a:t>
+            </a:r>
+            <a:r>
+              <a:rPr lang="zh-CN" altLang="en-US" sz="1400">
+                <a:latin typeface="Times New Roman" panose="02020603050405020304" charset="0"/>
+                <a:cs typeface="Times New Roman" panose="02020603050405020304" charset="0"/>
+              </a:rPr>
+              <a:t>观察到</a:t>
+            </a:r>
+            <a:r>
+              <a:rPr lang="en-US" altLang="zh-CN" sz="1400">
+                <a:latin typeface="Times New Roman" panose="02020603050405020304" charset="0"/>
+                <a:cs typeface="Times New Roman" panose="02020603050405020304" charset="0"/>
+              </a:rPr>
+              <a:t> Rollout </a:t>
+            </a:r>
+            <a:r>
+              <a:rPr lang="zh-CN" altLang="en-US" sz="1400">
+                <a:latin typeface="Times New Roman" panose="02020603050405020304" charset="0"/>
+                <a:cs typeface="Times New Roman" panose="02020603050405020304" charset="0"/>
+              </a:rPr>
+              <a:t>的</a:t>
+            </a:r>
+            <a:r>
+              <a:rPr lang="en-US" altLang="zh-CN" sz="1400">
+                <a:latin typeface="Times New Roman" panose="02020603050405020304" charset="0"/>
+                <a:cs typeface="Times New Roman" panose="02020603050405020304" charset="0"/>
+              </a:rPr>
+              <a:t> KVCache </a:t>
+            </a:r>
+            <a:r>
+              <a:rPr lang="zh-CN" altLang="en-US" sz="1400">
+                <a:latin typeface="Times New Roman" panose="02020603050405020304" charset="0"/>
+                <a:cs typeface="Times New Roman" panose="02020603050405020304" charset="0"/>
+              </a:rPr>
+              <a:t>使用率呈现特定的生命周期</a:t>
+            </a:r>
+            <a:endParaRPr lang="zh-CN" altLang="en-US" sz="1400">
+              <a:latin typeface="Times New Roman" panose="02020603050405020304" charset="0"/>
+              <a:cs typeface="Times New Roman" panose="02020603050405020304" charset="0"/>
+            </a:endParaRPr>
+          </a:p>
+          <a:p>
+            <a:pPr algn="l">
+              <a:lnSpc>
+                <a:spcPct val="130000"/>
+              </a:lnSpc>
+            </a:pPr>
+            <a:r>
+              <a:rPr lang="en-US" altLang="zh-CN" sz="1400">
+                <a:latin typeface="Times New Roman" panose="02020603050405020304" charset="0"/>
+                <a:cs typeface="Times New Roman" panose="02020603050405020304" charset="0"/>
+              </a:rPr>
+              <a:t>1. </a:t>
+            </a:r>
+            <a:r>
+              <a:rPr lang="zh-CN" altLang="en-US" sz="1400">
+                <a:latin typeface="Times New Roman" panose="02020603050405020304" charset="0"/>
+                <a:cs typeface="Times New Roman" panose="02020603050405020304" charset="0"/>
+              </a:rPr>
+              <a:t>上升期：</a:t>
+            </a:r>
+            <a:r>
+              <a:rPr lang="en-US" altLang="zh-CN" sz="1400">
+                <a:latin typeface="Times New Roman" panose="02020603050405020304" charset="0"/>
+                <a:cs typeface="Times New Roman" panose="02020603050405020304" charset="0"/>
+              </a:rPr>
+              <a:t> </a:t>
+            </a:r>
+            <a:r>
+              <a:rPr lang="zh-CN" altLang="en-US" sz="1400">
+                <a:latin typeface="Times New Roman" panose="02020603050405020304" charset="0"/>
+                <a:cs typeface="Times New Roman" panose="02020603050405020304" charset="0"/>
+              </a:rPr>
+              <a:t>随着生成开始，使用率迅速上升至阈值</a:t>
+            </a:r>
+            <a:r>
+              <a:rPr lang="en-US" altLang="zh-CN" sz="1400">
+                <a:latin typeface="Times New Roman" panose="02020603050405020304" charset="0"/>
+                <a:cs typeface="Times New Roman" panose="02020603050405020304" charset="0"/>
+              </a:rPr>
+              <a:t> $C_{max}$</a:t>
+            </a:r>
+            <a:r>
+              <a:rPr lang="zh-CN" altLang="en-US" sz="1400">
+                <a:latin typeface="Times New Roman" panose="02020603050405020304" charset="0"/>
+                <a:cs typeface="Times New Roman" panose="02020603050405020304" charset="0"/>
+              </a:rPr>
+              <a:t>（例如</a:t>
+            </a:r>
+            <a:r>
+              <a:rPr lang="en-US" altLang="zh-CN" sz="1400">
+                <a:latin typeface="Times New Roman" panose="02020603050405020304" charset="0"/>
+                <a:cs typeface="Times New Roman" panose="02020603050405020304" charset="0"/>
+              </a:rPr>
+              <a:t> 99%</a:t>
+            </a:r>
+            <a:r>
+              <a:rPr lang="zh-CN" altLang="en-US" sz="1400">
+                <a:latin typeface="Times New Roman" panose="02020603050405020304" charset="0"/>
+                <a:cs typeface="Times New Roman" panose="02020603050405020304" charset="0"/>
+              </a:rPr>
+              <a:t>）。</a:t>
+            </a:r>
+            <a:endParaRPr lang="zh-CN" altLang="en-US" sz="1400">
+              <a:latin typeface="Times New Roman" panose="02020603050405020304" charset="0"/>
+              <a:cs typeface="Times New Roman" panose="02020603050405020304" charset="0"/>
+            </a:endParaRPr>
+          </a:p>
+          <a:p>
+            <a:pPr algn="l">
+              <a:lnSpc>
+                <a:spcPct val="130000"/>
+              </a:lnSpc>
+            </a:pPr>
+            <a:r>
+              <a:rPr lang="en-US" altLang="zh-CN" sz="1400">
+                <a:latin typeface="Times New Roman" panose="02020603050405020304" charset="0"/>
+                <a:cs typeface="Times New Roman" panose="02020603050405020304" charset="0"/>
+              </a:rPr>
+              <a:t>2. </a:t>
+            </a:r>
+            <a:r>
+              <a:rPr lang="zh-CN" altLang="en-US" sz="1400">
+                <a:latin typeface="Times New Roman" panose="02020603050405020304" charset="0"/>
+                <a:cs typeface="Times New Roman" panose="02020603050405020304" charset="0"/>
+              </a:rPr>
+              <a:t>稳定期：</a:t>
+            </a:r>
+            <a:r>
+              <a:rPr lang="en-US" altLang="zh-CN" sz="1400">
+                <a:latin typeface="Times New Roman" panose="02020603050405020304" charset="0"/>
+                <a:cs typeface="Times New Roman" panose="02020603050405020304" charset="0"/>
+              </a:rPr>
+              <a:t> </a:t>
+            </a:r>
+            <a:r>
+              <a:rPr lang="zh-CN" altLang="en-US" sz="1400">
+                <a:latin typeface="Times New Roman" panose="02020603050405020304" charset="0"/>
+                <a:cs typeface="Times New Roman" panose="02020603050405020304" charset="0"/>
+              </a:rPr>
+              <a:t>只要还有</a:t>
+            </a:r>
+            <a:r>
+              <a:rPr lang="en-US" altLang="zh-CN" sz="1400">
+                <a:latin typeface="Times New Roman" panose="02020603050405020304" charset="0"/>
+                <a:cs typeface="Times New Roman" panose="02020603050405020304" charset="0"/>
+              </a:rPr>
+              <a:t>“</a:t>
+            </a:r>
+            <a:r>
+              <a:rPr lang="zh-CN" altLang="en-US" sz="1400">
+                <a:latin typeface="Times New Roman" panose="02020603050405020304" charset="0"/>
+                <a:cs typeface="Times New Roman" panose="02020603050405020304" charset="0"/>
+              </a:rPr>
+              <a:t>等待中的轨迹（</a:t>
+            </a:r>
+            <a:r>
+              <a:rPr lang="en-US" altLang="zh-CN" sz="1400">
+                <a:latin typeface="Times New Roman" panose="02020603050405020304" charset="0"/>
+                <a:cs typeface="Times New Roman" panose="02020603050405020304" charset="0"/>
+              </a:rPr>
+              <a:t>Waiting Trajectories</a:t>
+            </a:r>
+            <a:r>
+              <a:rPr lang="zh-CN" altLang="en-US" sz="1400">
+                <a:latin typeface="Times New Roman" panose="02020603050405020304" charset="0"/>
+                <a:cs typeface="Times New Roman" panose="02020603050405020304" charset="0"/>
+              </a:rPr>
+              <a:t>）</a:t>
+            </a:r>
+            <a:r>
+              <a:rPr lang="en-US" altLang="zh-CN" sz="1400">
+                <a:latin typeface="Times New Roman" panose="02020603050405020304" charset="0"/>
+                <a:cs typeface="Times New Roman" panose="02020603050405020304" charset="0"/>
+              </a:rPr>
+              <a:t>”</a:t>
+            </a:r>
+            <a:r>
+              <a:rPr lang="zh-CN" altLang="en-US" sz="1400">
+                <a:latin typeface="Times New Roman" panose="02020603050405020304" charset="0"/>
+                <a:cs typeface="Times New Roman" panose="02020603050405020304" charset="0"/>
+              </a:rPr>
+              <a:t>，新任务会填补空缺，使用率保持在峰值。</a:t>
+            </a:r>
+            <a:endParaRPr lang="zh-CN" altLang="en-US" sz="1400">
+              <a:latin typeface="Times New Roman" panose="02020603050405020304" charset="0"/>
+              <a:cs typeface="Times New Roman" panose="02020603050405020304" charset="0"/>
+            </a:endParaRPr>
+          </a:p>
+          <a:p>
+            <a:pPr algn="l">
+              <a:lnSpc>
+                <a:spcPct val="130000"/>
+              </a:lnSpc>
+            </a:pPr>
+            <a:r>
+              <a:rPr lang="en-US" altLang="zh-CN" sz="1400">
+                <a:latin typeface="Times New Roman" panose="02020603050405020304" charset="0"/>
+                <a:cs typeface="Times New Roman" panose="02020603050405020304" charset="0"/>
+              </a:rPr>
+              <a:t>3. </a:t>
+            </a:r>
+            <a:r>
+              <a:rPr lang="zh-CN" altLang="en-US" sz="1400">
+                <a:latin typeface="Times New Roman" panose="02020603050405020304" charset="0"/>
+                <a:cs typeface="Times New Roman" panose="02020603050405020304" charset="0"/>
+              </a:rPr>
+              <a:t>下降期：</a:t>
+            </a:r>
+            <a:r>
+              <a:rPr lang="en-US" altLang="zh-CN" sz="1400">
+                <a:latin typeface="Times New Roman" panose="02020603050405020304" charset="0"/>
+                <a:cs typeface="Times New Roman" panose="02020603050405020304" charset="0"/>
+              </a:rPr>
+              <a:t> </a:t>
+            </a:r>
+            <a:r>
+              <a:rPr lang="zh-CN" altLang="en-US" sz="1400">
+                <a:latin typeface="Times New Roman" panose="02020603050405020304" charset="0"/>
+                <a:cs typeface="Times New Roman" panose="02020603050405020304" charset="0"/>
+              </a:rPr>
+              <a:t>当没有等待中的任务，且运行中的任务逐渐完成时，</a:t>
+            </a:r>
+            <a:r>
+              <a:rPr lang="en-US" altLang="zh-CN" sz="1400">
+                <a:latin typeface="Times New Roman" panose="02020603050405020304" charset="0"/>
+                <a:cs typeface="Times New Roman" panose="02020603050405020304" charset="0"/>
+              </a:rPr>
+              <a:t>KVCache </a:t>
+            </a:r>
+            <a:r>
+              <a:rPr lang="zh-CN" altLang="en-US" sz="1400">
+                <a:latin typeface="Times New Roman" panose="02020603050405020304" charset="0"/>
+                <a:cs typeface="Times New Roman" panose="02020603050405020304" charset="0"/>
+              </a:rPr>
+              <a:t>使用率开始下降。这个下降阶段即标志着节点进入了</a:t>
+            </a:r>
+            <a:r>
+              <a:rPr lang="en-US" altLang="zh-CN" sz="1400">
+                <a:latin typeface="Times New Roman" panose="02020603050405020304" charset="0"/>
+                <a:cs typeface="Times New Roman" panose="02020603050405020304" charset="0"/>
+              </a:rPr>
+              <a:t>“</a:t>
+            </a:r>
+            <a:r>
+              <a:rPr lang="zh-CN" altLang="en-US" sz="1400">
+                <a:latin typeface="Times New Roman" panose="02020603050405020304" charset="0"/>
+                <a:cs typeface="Times New Roman" panose="02020603050405020304" charset="0"/>
+              </a:rPr>
+              <a:t>长尾</a:t>
+            </a:r>
+            <a:r>
+              <a:rPr lang="en-US" altLang="zh-CN" sz="1400">
+                <a:latin typeface="Times New Roman" panose="02020603050405020304" charset="0"/>
+                <a:cs typeface="Times New Roman" panose="02020603050405020304" charset="0"/>
+              </a:rPr>
+              <a:t>”</a:t>
+            </a:r>
+            <a:r>
+              <a:rPr lang="zh-CN" altLang="en-US" sz="1400">
+                <a:latin typeface="Times New Roman" panose="02020603050405020304" charset="0"/>
+                <a:cs typeface="Times New Roman" panose="02020603050405020304" charset="0"/>
+              </a:rPr>
+              <a:t>或</a:t>
+            </a:r>
+            <a:r>
+              <a:rPr lang="en-US" altLang="zh-CN" sz="1400">
+                <a:latin typeface="Times New Roman" panose="02020603050405020304" charset="0"/>
+                <a:cs typeface="Times New Roman" panose="02020603050405020304" charset="0"/>
+              </a:rPr>
+              <a:t>“</a:t>
+            </a:r>
+            <a:r>
+              <a:rPr lang="zh-CN" altLang="en-US" sz="1400">
+                <a:latin typeface="Times New Roman" panose="02020603050405020304" charset="0"/>
+                <a:cs typeface="Times New Roman" panose="02020603050405020304" charset="0"/>
+              </a:rPr>
+              <a:t>闲置</a:t>
+            </a:r>
+            <a:r>
+              <a:rPr lang="en-US" altLang="zh-CN" sz="1400">
+                <a:latin typeface="Times New Roman" panose="02020603050405020304" charset="0"/>
+                <a:cs typeface="Times New Roman" panose="02020603050405020304" charset="0"/>
+              </a:rPr>
+              <a:t>”</a:t>
+            </a:r>
+            <a:r>
+              <a:rPr lang="zh-CN" altLang="en-US" sz="1400">
+                <a:latin typeface="Times New Roman" panose="02020603050405020304" charset="0"/>
+                <a:cs typeface="Times New Roman" panose="02020603050405020304" charset="0"/>
+              </a:rPr>
+              <a:t>状态</a:t>
+            </a:r>
+            <a:r>
+              <a:rPr lang="en-US" altLang="zh-CN" sz="1400">
+                <a:latin typeface="Times New Roman" panose="02020603050405020304" charset="0"/>
+                <a:cs typeface="Times New Roman" panose="02020603050405020304" charset="0"/>
+              </a:rPr>
+              <a:t> 8</a:t>
+            </a:r>
+            <a:r>
+              <a:rPr lang="zh-CN" altLang="en-US" sz="1400">
+                <a:latin typeface="Times New Roman" panose="02020603050405020304" charset="0"/>
+                <a:cs typeface="Times New Roman" panose="02020603050405020304" charset="0"/>
+              </a:rPr>
+              <a:t>。</a:t>
+            </a:r>
+            <a:endParaRPr lang="zh-CN" altLang="en-US" sz="1400">
+              <a:latin typeface="Times New Roman" panose="02020603050405020304" charset="0"/>
+              <a:cs typeface="Times New Roman" panose="02020603050405020304" charset="0"/>
+            </a:endParaRPr>
+          </a:p>
+        </p:txBody>
+      </p:sp>
+      <p:pic>
+        <p:nvPicPr>
+          <p:cNvPr id="8" name="图片 7"/>
+          <p:cNvPicPr>
+            <a:picLocks noChangeAspect="1"/>
+          </p:cNvPicPr>
+          <p:nvPr/>
+        </p:nvPicPr>
+        <p:blipFill>
+          <a:blip r:embed="rId1"/>
+          <a:stretch>
+            <a:fillRect/>
+          </a:stretch>
+        </p:blipFill>
+        <p:spPr>
+          <a:xfrm>
+            <a:off x="5795645" y="1824355"/>
+            <a:ext cx="5735955" cy="2183765"/>
+          </a:xfrm>
+          <a:prstGeom prst="rect">
+            <a:avLst/>
+          </a:prstGeom>
+        </p:spPr>
+      </p:pic>
+      <p:sp>
+        <p:nvSpPr>
+          <p:cNvPr id="2" name="文本框 1"/>
+          <p:cNvSpPr txBox="1"/>
+          <p:nvPr/>
+        </p:nvSpPr>
+        <p:spPr>
+          <a:xfrm>
+            <a:off x="41275" y="51435"/>
+            <a:ext cx="10831830" cy="460375"/>
+          </a:xfrm>
+          <a:prstGeom prst="rect">
+            <a:avLst/>
+          </a:prstGeom>
+          <a:noFill/>
+        </p:spPr>
+        <p:txBody>
+          <a:bodyPr wrap="square" rtlCol="0">
+            <a:spAutoFit/>
+          </a:bodyPr>
+          <a:p>
+            <a:r>
+              <a:rPr lang="en-US" altLang="zh-CN" sz="2400" b="1">
+                <a:solidFill>
+                  <a:srgbClr val="C00000"/>
+                </a:solidFill>
+                <a:latin typeface="Times New Roman" panose="02020603050405020304" charset="0"/>
+                <a:cs typeface="Times New Roman" panose="02020603050405020304" charset="0"/>
+              </a:rPr>
+              <a:t>Laminar: A Scalable Asynchronous RL Post-Training Framework</a:t>
+            </a:r>
+            <a:endParaRPr lang="en-US" altLang="zh-CN" sz="2400" b="1">
+              <a:solidFill>
+                <a:srgbClr val="C00000"/>
+              </a:solidFill>
+              <a:latin typeface="Times New Roman" panose="02020603050405020304" charset="0"/>
+              <a:cs typeface="Times New Roman" panose="02020603050405020304" charset="0"/>
+            </a:endParaRPr>
+          </a:p>
+        </p:txBody>
+      </p:sp>
+    </p:spTree>
+    <p:custDataLst>
+      <p:tags r:id="rId2"/>
+    </p:custDataLst>
+  </p:cSld>
+  <p:clrMapOvr>
+    <a:masterClrMapping/>
+  </p:clrMapOvr>
+</p:sld>
+</file>
+
+<file path=ppt/slides/slide4.xml><?xml version="1.0" encoding="utf-8"?>
+<p:sld xmlns:a="http://schemas.openxmlformats.org/drawingml/2006/main" xmlns:r="http://schemas.openxmlformats.org/officeDocument/2006/relationships" xmlns:p="http://schemas.openxmlformats.org/presentationml/2006/main">
+  <p:cSld>
+    <p:spTree>
+      <p:nvGrpSpPr>
+        <p:cNvPr id="1" name=""/>
+        <p:cNvGrpSpPr/>
+        <p:nvPr/>
+      </p:nvGrpSpPr>
+      <p:grpSpPr>
+        <a:xfrm>
+          <a:off x="0" y="0"/>
+          <a:ext cx="0" cy="0"/>
+          <a:chOff x="0" y="0"/>
+          <a:chExt cx="0" cy="0"/>
+        </a:xfrm>
+      </p:grpSpPr>
+      <p:sp>
+        <p:nvSpPr>
+          <p:cNvPr id="6" name="文本框 5"/>
+          <p:cNvSpPr txBox="1"/>
+          <p:nvPr/>
+        </p:nvSpPr>
+        <p:spPr>
+          <a:xfrm>
+            <a:off x="174625" y="807720"/>
+            <a:ext cx="11846560" cy="1594485"/>
+          </a:xfrm>
+          <a:prstGeom prst="rect">
+            <a:avLst/>
+          </a:prstGeom>
+          <a:noFill/>
+        </p:spPr>
+        <p:txBody>
+          <a:bodyPr wrap="square" rtlCol="0">
+            <a:noAutofit/>
+          </a:bodyPr>
+          <a:p>
+            <a:pPr algn="l">
+              <a:lnSpc>
+                <a:spcPct val="130000"/>
+              </a:lnSpc>
+              <a:buClrTx/>
+              <a:buSzTx/>
+              <a:buFontTx/>
+              <a:buNone/>
+            </a:pPr>
+            <a:r>
+              <a:rPr lang="zh-CN" altLang="en-US" sz="1400">
+                <a:latin typeface="Times New Roman" panose="02020603050405020304" charset="0"/>
+                <a:cs typeface="Times New Roman" panose="02020603050405020304" charset="0"/>
+              </a:rPr>
+              <a:t>判定长尾/闲置的具体标准Rollout Manager 判定一个节点“陷入长尾问题”（即可以被 Repack/合并）需同时满足以下两个条件：</a:t>
+            </a:r>
+            <a:endParaRPr lang="zh-CN" altLang="en-US" sz="1400">
+              <a:latin typeface="Times New Roman" panose="02020603050405020304" charset="0"/>
+              <a:cs typeface="Times New Roman" panose="02020603050405020304" charset="0"/>
+            </a:endParaRPr>
+          </a:p>
+          <a:p>
+            <a:pPr algn="l">
+              <a:lnSpc>
+                <a:spcPct val="130000"/>
+              </a:lnSpc>
+              <a:buClrTx/>
+              <a:buSzTx/>
+              <a:buFontTx/>
+              <a:buNone/>
+            </a:pPr>
+            <a:r>
+              <a:rPr lang="en-US" altLang="zh-CN" sz="1400">
+                <a:latin typeface="Times New Roman" panose="02020603050405020304" charset="0"/>
+                <a:cs typeface="Times New Roman" panose="02020603050405020304" charset="0"/>
+              </a:rPr>
+              <a:t>1. </a:t>
+            </a:r>
+            <a:r>
+              <a:rPr lang="zh-CN" altLang="en-US" sz="1400">
+                <a:latin typeface="Times New Roman" panose="02020603050405020304" charset="0"/>
+                <a:cs typeface="Times New Roman" panose="02020603050405020304" charset="0"/>
+              </a:rPr>
+              <a:t>处于下降阶段： 当前 KVCache 使用率（C_{used}）不再增加，且低于最大阈值（C_{max}）。</a:t>
+            </a:r>
+            <a:endParaRPr lang="zh-CN" altLang="en-US" sz="1400">
+              <a:latin typeface="Times New Roman" panose="02020603050405020304" charset="0"/>
+              <a:cs typeface="Times New Roman" panose="02020603050405020304" charset="0"/>
+            </a:endParaRPr>
+          </a:p>
+          <a:p>
+            <a:pPr algn="l">
+              <a:lnSpc>
+                <a:spcPct val="130000"/>
+              </a:lnSpc>
+              <a:buClrTx/>
+              <a:buSzTx/>
+              <a:buFontTx/>
+              <a:buNone/>
+            </a:pPr>
+            <a:r>
+              <a:rPr lang="en-US" altLang="zh-CN" sz="1400">
+                <a:latin typeface="Times New Roman" panose="02020603050405020304" charset="0"/>
+                <a:cs typeface="Times New Roman" panose="02020603050405020304" charset="0"/>
+              </a:rPr>
+              <a:t>2. </a:t>
+            </a:r>
+            <a:r>
+              <a:rPr lang="zh-CN" altLang="en-US" sz="1400">
+                <a:latin typeface="Times New Roman" panose="02020603050405020304" charset="0"/>
+                <a:cs typeface="Times New Roman" panose="02020603050405020304" charset="0"/>
+              </a:rPr>
+              <a:t>任务数低于 Roofline 阈值：剩余的正在生成的轨迹数量（N_{reqs}）小于设定的上限 B。</a:t>
+            </a:r>
+            <a:endParaRPr lang="zh-CN" altLang="en-US" sz="1400">
+              <a:latin typeface="Times New Roman" panose="02020603050405020304" charset="0"/>
+              <a:cs typeface="Times New Roman" panose="02020603050405020304" charset="0"/>
+            </a:endParaRPr>
+          </a:p>
+          <a:p>
+            <a:pPr marL="285750" indent="-285750" algn="l">
+              <a:lnSpc>
+                <a:spcPct val="130000"/>
+              </a:lnSpc>
+              <a:buClrTx/>
+              <a:buSzTx/>
+              <a:buFont typeface="Arial" panose="020B0604020202020204" pitchFamily="34" charset="0"/>
+              <a:buChar char="•"/>
+            </a:pPr>
+            <a:r>
+              <a:rPr lang="zh-CN" altLang="en-US" sz="1400">
+                <a:latin typeface="Times New Roman" panose="02020603050405020304" charset="0"/>
+                <a:cs typeface="Times New Roman" panose="02020603050405020304" charset="0"/>
+              </a:rPr>
+              <a:t>B的定义： B</a:t>
+            </a:r>
+            <a:r>
+              <a:rPr lang="en-US" altLang="zh-CN" sz="1400">
+                <a:latin typeface="Times New Roman" panose="02020603050405020304" charset="0"/>
+                <a:cs typeface="Times New Roman" panose="02020603050405020304" charset="0"/>
+              </a:rPr>
+              <a:t> </a:t>
+            </a:r>
+            <a:r>
+              <a:rPr lang="zh-CN" altLang="en-US" sz="1400">
+                <a:latin typeface="Times New Roman" panose="02020603050405020304" charset="0"/>
+                <a:cs typeface="Times New Roman" panose="02020603050405020304" charset="0"/>
+              </a:rPr>
+              <a:t>是基于 </a:t>
+            </a:r>
+            <a:r>
+              <a:rPr lang="zh-CN" altLang="en-US" sz="1400" b="1">
+                <a:latin typeface="Times New Roman" panose="02020603050405020304" charset="0"/>
+                <a:cs typeface="Times New Roman" panose="02020603050405020304" charset="0"/>
+              </a:rPr>
+              <a:t>Roofline Model </a:t>
+            </a:r>
+            <a:r>
+              <a:rPr lang="zh-CN" altLang="en-US" sz="1400">
+                <a:latin typeface="Times New Roman" panose="02020603050405020304" charset="0"/>
+                <a:cs typeface="Times New Roman" panose="02020603050405020304" charset="0"/>
+              </a:rPr>
+              <a:t>计算出的 Batch Size 上限。当 Batch Size 小于B时，解码操作完全受内存带宽限制，增加 Batch Size 几乎不会增加延迟。因此，运行少于 B 个任务被视为“GPU 未充分利用” 。</a:t>
+            </a:r>
+            <a:r>
+              <a:rPr lang="zh-CN" altLang="en-US" sz="1400" b="1">
+                <a:latin typeface="Times New Roman" panose="02020603050405020304" charset="0"/>
+                <a:cs typeface="Times New Roman" panose="02020603050405020304" charset="0"/>
+              </a:rPr>
+              <a:t>但论文没给出</a:t>
+            </a:r>
+            <a:r>
+              <a:rPr lang="en-US" altLang="zh-CN" sz="1400" b="1">
+                <a:latin typeface="Times New Roman" panose="02020603050405020304" charset="0"/>
+                <a:cs typeface="Times New Roman" panose="02020603050405020304" charset="0"/>
+              </a:rPr>
+              <a:t>B</a:t>
+            </a:r>
+            <a:r>
+              <a:rPr lang="zh-CN" altLang="en-US" sz="1400" b="1">
+                <a:latin typeface="Times New Roman" panose="02020603050405020304" charset="0"/>
+                <a:cs typeface="Times New Roman" panose="02020603050405020304" charset="0"/>
+              </a:rPr>
+              <a:t>的计算公式。</a:t>
+            </a:r>
+            <a:endParaRPr lang="zh-CN" altLang="en-US" sz="1400" b="1">
+              <a:latin typeface="Times New Roman" panose="02020603050405020304" charset="0"/>
+              <a:cs typeface="Times New Roman" panose="02020603050405020304" charset="0"/>
+            </a:endParaRPr>
+          </a:p>
+        </p:txBody>
+      </p:sp>
+      <p:sp>
+        <p:nvSpPr>
+          <p:cNvPr id="7" name="文本框 6"/>
+          <p:cNvSpPr txBox="1"/>
+          <p:nvPr/>
+        </p:nvSpPr>
+        <p:spPr>
+          <a:xfrm>
+            <a:off x="351155" y="2607310"/>
+            <a:ext cx="4999355" cy="521970"/>
+          </a:xfrm>
+          <a:prstGeom prst="rect">
+            <a:avLst/>
+          </a:prstGeom>
+          <a:noFill/>
+        </p:spPr>
+        <p:txBody>
+          <a:bodyPr wrap="square" rtlCol="0">
+            <a:spAutoFit/>
+          </a:bodyPr>
+          <a:p>
+            <a:r>
+              <a:rPr lang="zh-CN" altLang="en-US" sz="1400" b="1">
+                <a:latin typeface="Times New Roman" panose="02020603050405020304" charset="0"/>
+                <a:cs typeface="Times New Roman" panose="02020603050405020304" charset="0"/>
+                <a:sym typeface="+mn-ea"/>
+              </a:rPr>
+              <a:t>Roofline Model</a:t>
+            </a:r>
+            <a:r>
+              <a:rPr lang="zh-CN" altLang="en-US" sz="1400">
+                <a:latin typeface="Times New Roman" panose="02020603050405020304" charset="0"/>
+                <a:cs typeface="Times New Roman" panose="02020603050405020304" charset="0"/>
+                <a:sym typeface="+mn-ea"/>
+              </a:rPr>
+              <a:t>，计</a:t>
+            </a:r>
+            <a:r>
+              <a:rPr lang="zh-CN" altLang="en-US" sz="1400"/>
+              <a:t>算机系统性能分析模型</a:t>
+            </a:r>
+            <a:endParaRPr lang="zh-CN" altLang="en-US" sz="1400"/>
+          </a:p>
+          <a:p>
+            <a:endParaRPr lang="zh-CN" altLang="en-US" sz="1400"/>
+          </a:p>
+        </p:txBody>
+      </p:sp>
+      <p:pic>
+        <p:nvPicPr>
+          <p:cNvPr id="10" name="图片 9"/>
+          <p:cNvPicPr>
+            <a:picLocks noChangeAspect="1"/>
+          </p:cNvPicPr>
+          <p:nvPr/>
+        </p:nvPicPr>
+        <p:blipFill>
+          <a:blip r:embed="rId1"/>
+          <a:srcRect l="6209" t="8287" r="5658" b="8306"/>
+          <a:stretch>
+            <a:fillRect/>
+          </a:stretch>
+        </p:blipFill>
+        <p:spPr>
+          <a:xfrm>
+            <a:off x="3388360" y="3051810"/>
+            <a:ext cx="5415280" cy="3719830"/>
+          </a:xfrm>
+          <a:prstGeom prst="rect">
+            <a:avLst/>
+          </a:prstGeom>
+        </p:spPr>
+      </p:pic>
+      <p:sp>
+        <p:nvSpPr>
+          <p:cNvPr id="11" name="文本框 10"/>
+          <p:cNvSpPr txBox="1"/>
+          <p:nvPr/>
+        </p:nvSpPr>
+        <p:spPr>
+          <a:xfrm>
+            <a:off x="6754495" y="6407150"/>
+            <a:ext cx="5267325" cy="306705"/>
+          </a:xfrm>
+          <a:prstGeom prst="rect">
+            <a:avLst/>
+          </a:prstGeom>
+          <a:noFill/>
+        </p:spPr>
+        <p:txBody>
+          <a:bodyPr wrap="square" rtlCol="0">
+            <a:spAutoFit/>
+          </a:bodyPr>
+          <a:p>
+            <a:r>
+              <a:rPr lang="en-US" altLang="zh-CN" sz="1400" b="1">
+                <a:latin typeface="Times New Roman" panose="02020603050405020304" charset="0"/>
+                <a:cs typeface="Times New Roman" panose="02020603050405020304" charset="0"/>
+              </a:rPr>
+              <a:t>FLOPs / Byte: </a:t>
+            </a:r>
+            <a:r>
+              <a:rPr lang="zh-CN" altLang="en-US" sz="1400" b="1">
+                <a:latin typeface="Times New Roman" panose="02020603050405020304" charset="0"/>
+                <a:cs typeface="Times New Roman" panose="02020603050405020304" charset="0"/>
+              </a:rPr>
+              <a:t>每从内存搬运</a:t>
+            </a:r>
+            <a:r>
+              <a:rPr lang="en-US" altLang="zh-CN" sz="1400" b="1">
+                <a:latin typeface="Times New Roman" panose="02020603050405020304" charset="0"/>
+                <a:cs typeface="Times New Roman" panose="02020603050405020304" charset="0"/>
+              </a:rPr>
+              <a:t> 1 </a:t>
+            </a:r>
+            <a:r>
+              <a:rPr lang="zh-CN" altLang="en-US" sz="1400" b="1">
+                <a:latin typeface="Times New Roman" panose="02020603050405020304" charset="0"/>
+                <a:cs typeface="Times New Roman" panose="02020603050405020304" charset="0"/>
+              </a:rPr>
+              <a:t>字节数据，能进行多少次浮点运算</a:t>
+            </a:r>
+            <a:endParaRPr lang="zh-CN" altLang="en-US" sz="1400" b="1">
+              <a:latin typeface="Times New Roman" panose="02020603050405020304" charset="0"/>
+              <a:cs typeface="Times New Roman" panose="02020603050405020304" charset="0"/>
+            </a:endParaRPr>
+          </a:p>
+        </p:txBody>
+      </p:sp>
+      <p:sp>
+        <p:nvSpPr>
+          <p:cNvPr id="12" name="文本框 11"/>
+          <p:cNvSpPr txBox="1"/>
+          <p:nvPr/>
+        </p:nvSpPr>
+        <p:spPr>
+          <a:xfrm>
+            <a:off x="1544320" y="3855085"/>
+            <a:ext cx="2750820" cy="521970"/>
+          </a:xfrm>
+          <a:prstGeom prst="rect">
+            <a:avLst/>
+          </a:prstGeom>
+          <a:noFill/>
+        </p:spPr>
+        <p:txBody>
+          <a:bodyPr wrap="square" rtlCol="0">
+            <a:spAutoFit/>
+          </a:bodyPr>
+          <a:p>
+            <a:pPr algn="l">
+              <a:buClrTx/>
+              <a:buSzTx/>
+              <a:buFontTx/>
+            </a:pPr>
+            <a:r>
+              <a:rPr lang="en-US" altLang="zh-CN" sz="1400" b="1">
+                <a:latin typeface="Times New Roman" panose="02020603050405020304" charset="0"/>
+                <a:cs typeface="Times New Roman" panose="02020603050405020304" charset="0"/>
+              </a:rPr>
+              <a:t>FLOPs/s</a:t>
+            </a:r>
+            <a:r>
+              <a:rPr lang="zh-CN" altLang="en-US" sz="1400" b="1">
+                <a:latin typeface="Times New Roman" panose="02020603050405020304" charset="0"/>
+                <a:cs typeface="Times New Roman" panose="02020603050405020304" charset="0"/>
+              </a:rPr>
+              <a:t>。即每秒进行的浮点运算次数。</a:t>
+            </a:r>
+            <a:endParaRPr lang="zh-CN" altLang="en-US" sz="1400" b="1">
+              <a:latin typeface="Times New Roman" panose="02020603050405020304" charset="0"/>
+              <a:cs typeface="Times New Roman" panose="02020603050405020304" charset="0"/>
+            </a:endParaRPr>
+          </a:p>
+        </p:txBody>
+      </p:sp>
+      <p:sp>
+        <p:nvSpPr>
+          <p:cNvPr id="2" name="文本框 1"/>
+          <p:cNvSpPr txBox="1"/>
+          <p:nvPr/>
+        </p:nvSpPr>
+        <p:spPr>
+          <a:xfrm>
+            <a:off x="41275" y="51435"/>
+            <a:ext cx="10831830" cy="460375"/>
+          </a:xfrm>
+          <a:prstGeom prst="rect">
+            <a:avLst/>
+          </a:prstGeom>
+          <a:noFill/>
+        </p:spPr>
+        <p:txBody>
+          <a:bodyPr wrap="square" rtlCol="0">
+            <a:spAutoFit/>
+          </a:bodyPr>
+          <a:p>
+            <a:r>
+              <a:rPr lang="en-US" altLang="zh-CN" sz="2400" b="1">
+                <a:solidFill>
+                  <a:srgbClr val="C00000"/>
+                </a:solidFill>
+                <a:latin typeface="Times New Roman" panose="02020603050405020304" charset="0"/>
+                <a:cs typeface="Times New Roman" panose="02020603050405020304" charset="0"/>
+              </a:rPr>
+              <a:t>Laminar: A Scalable Asynchronous RL Post-Training Framework</a:t>
+            </a:r>
+            <a:endParaRPr lang="en-US" altLang="zh-CN" sz="2400" b="1">
+              <a:solidFill>
+                <a:srgbClr val="C00000"/>
+              </a:solidFill>
+              <a:latin typeface="Times New Roman" panose="02020603050405020304" charset="0"/>
+              <a:cs typeface="Times New Roman" panose="02020603050405020304" charset="0"/>
+            </a:endParaRPr>
+          </a:p>
+        </p:txBody>
+      </p:sp>
+    </p:spTree>
+    <p:custDataLst>
+      <p:tags r:id="rId2"/>
+    </p:custDataLst>
+  </p:cSld>
+  <p:clrMapOvr>
+    <a:masterClrMapping/>
+  </p:clrMapOvr>
+</p:sld>
+</file>
+
+<file path=ppt/slides/slide5.xml><?xml version="1.0" encoding="utf-8"?>
+<p:sld xmlns:a="http://schemas.openxmlformats.org/drawingml/2006/main" xmlns:r="http://schemas.openxmlformats.org/officeDocument/2006/relationships" xmlns:p="http://schemas.openxmlformats.org/presentationml/2006/main">
+  <p:cSld>
+    <p:spTree>
+      <p:nvGrpSpPr>
+        <p:cNvPr id="1" name=""/>
+        <p:cNvGrpSpPr/>
+        <p:nvPr/>
+      </p:nvGrpSpPr>
+      <p:grpSpPr>
+        <a:xfrm>
+          <a:off x="0" y="0"/>
+          <a:ext cx="0" cy="0"/>
+          <a:chOff x="0" y="0"/>
+          <a:chExt cx="0" cy="0"/>
+        </a:xfrm>
+      </p:grpSpPr>
+      <p:sp>
+        <p:nvSpPr>
+          <p:cNvPr id="4" name="文本框 3"/>
+          <p:cNvSpPr txBox="1"/>
+          <p:nvPr/>
+        </p:nvSpPr>
+        <p:spPr>
+          <a:xfrm>
+            <a:off x="174625" y="570230"/>
+            <a:ext cx="11846560" cy="1329690"/>
+          </a:xfrm>
+          <a:prstGeom prst="rect">
+            <a:avLst/>
+          </a:prstGeom>
+          <a:noFill/>
+        </p:spPr>
+        <p:txBody>
+          <a:bodyPr wrap="square" rtlCol="0">
+            <a:noAutofit/>
+          </a:bodyPr>
+          <a:p>
+            <a:pPr algn="l">
+              <a:lnSpc>
+                <a:spcPct val="130000"/>
+              </a:lnSpc>
+              <a:buClrTx/>
+              <a:buSzTx/>
+              <a:buFontTx/>
+            </a:pPr>
+            <a:r>
+              <a:rPr lang="zh-CN" altLang="en-US" sz="1800" b="1">
+                <a:latin typeface="Times New Roman" panose="02020603050405020304" charset="0"/>
+                <a:cs typeface="Times New Roman" panose="02020603050405020304" charset="0"/>
+              </a:rPr>
+              <a:t>二、处理长尾问题</a:t>
+            </a:r>
+            <a:r>
+              <a:rPr lang="en-US" altLang="zh-CN" sz="1800" b="1">
+                <a:latin typeface="Times New Roman" panose="02020603050405020304" charset="0"/>
+                <a:cs typeface="Times New Roman" panose="02020603050405020304" charset="0"/>
+              </a:rPr>
+              <a:t>——Repack Mechanism</a:t>
+            </a:r>
+            <a:endParaRPr lang="en-US" altLang="zh-CN" sz="1800" b="1">
+              <a:latin typeface="Times New Roman" panose="02020603050405020304" charset="0"/>
+              <a:cs typeface="Times New Roman" panose="02020603050405020304" charset="0"/>
+            </a:endParaRPr>
+          </a:p>
+          <a:p>
+            <a:pPr algn="l">
+              <a:lnSpc>
+                <a:spcPct val="130000"/>
+              </a:lnSpc>
+            </a:pPr>
+            <a:r>
+              <a:rPr lang="en-US" altLang="zh-CN" sz="1400">
+                <a:latin typeface="Times New Roman" panose="02020603050405020304" charset="0"/>
+                <a:cs typeface="Times New Roman" panose="02020603050405020304" charset="0"/>
+              </a:rPr>
+              <a:t>Source Rollouts</a:t>
+            </a:r>
+            <a:r>
+              <a:rPr lang="zh-CN" altLang="en-US" sz="1400">
+                <a:latin typeface="Times New Roman" panose="02020603050405020304" charset="0"/>
+                <a:cs typeface="Times New Roman" panose="02020603050405020304" charset="0"/>
+              </a:rPr>
+              <a:t>（源副本）：</a:t>
+            </a:r>
+            <a:r>
+              <a:rPr lang="en-US" altLang="zh-CN" sz="1400">
+                <a:latin typeface="Times New Roman" panose="02020603050405020304" charset="0"/>
+                <a:cs typeface="Times New Roman" panose="02020603050405020304" charset="0"/>
+              </a:rPr>
+              <a:t> </a:t>
+            </a:r>
+            <a:r>
+              <a:rPr lang="zh-CN" altLang="en-US" sz="1400">
+                <a:latin typeface="Times New Roman" panose="02020603050405020304" charset="0"/>
+                <a:cs typeface="Times New Roman" panose="02020603050405020304" charset="0"/>
+              </a:rPr>
+              <a:t>那些被判定为处于长尾阶段、</a:t>
+            </a:r>
+            <a:r>
+              <a:rPr lang="en-US" altLang="zh-CN" sz="1400">
+                <a:latin typeface="Times New Roman" panose="02020603050405020304" charset="0"/>
+                <a:cs typeface="Times New Roman" panose="02020603050405020304" charset="0"/>
+              </a:rPr>
+              <a:t>GPU </a:t>
+            </a:r>
+            <a:r>
+              <a:rPr lang="zh-CN" altLang="en-US" sz="1400">
+                <a:latin typeface="Times New Roman" panose="02020603050405020304" charset="0"/>
+                <a:cs typeface="Times New Roman" panose="02020603050405020304" charset="0"/>
+              </a:rPr>
+              <a:t>未跑满的副本，它们是需要被清空并释放的对象</a:t>
+            </a:r>
+            <a:r>
+              <a:rPr lang="en-US" altLang="zh-CN" sz="1400">
+                <a:latin typeface="Times New Roman" panose="02020603050405020304" charset="0"/>
+                <a:cs typeface="Times New Roman" panose="02020603050405020304" charset="0"/>
+              </a:rPr>
+              <a:t> </a:t>
+            </a:r>
+            <a:r>
+              <a:rPr lang="zh-CN" altLang="en-US" sz="1400">
+                <a:latin typeface="Times New Roman" panose="02020603050405020304" charset="0"/>
+                <a:cs typeface="Times New Roman" panose="02020603050405020304" charset="0"/>
+              </a:rPr>
+              <a:t>。</a:t>
+            </a:r>
+            <a:endParaRPr lang="en-US" altLang="zh-CN" sz="1400">
+              <a:latin typeface="Times New Roman" panose="02020603050405020304" charset="0"/>
+              <a:cs typeface="Times New Roman" panose="02020603050405020304" charset="0"/>
+            </a:endParaRPr>
+          </a:p>
+          <a:p>
+            <a:pPr algn="l">
+              <a:lnSpc>
+                <a:spcPct val="130000"/>
+              </a:lnSpc>
+            </a:pPr>
+            <a:r>
+              <a:rPr lang="en-US" altLang="zh-CN" sz="1400">
+                <a:latin typeface="Times New Roman" panose="02020603050405020304" charset="0"/>
+                <a:cs typeface="Times New Roman" panose="02020603050405020304" charset="0"/>
+              </a:rPr>
+              <a:t>Destination Rollouts</a:t>
+            </a:r>
+            <a:r>
+              <a:rPr lang="zh-CN" altLang="en-US" sz="1400">
+                <a:latin typeface="Times New Roman" panose="02020603050405020304" charset="0"/>
+                <a:cs typeface="Times New Roman" panose="02020603050405020304" charset="0"/>
+              </a:rPr>
+              <a:t>（目标副本）：</a:t>
+            </a:r>
+            <a:r>
+              <a:rPr lang="en-US" altLang="zh-CN" sz="1400">
+                <a:latin typeface="Times New Roman" panose="02020603050405020304" charset="0"/>
+                <a:cs typeface="Times New Roman" panose="02020603050405020304" charset="0"/>
+              </a:rPr>
+              <a:t> </a:t>
+            </a:r>
+            <a:r>
+              <a:rPr lang="zh-CN" altLang="en-US" sz="1400">
+                <a:latin typeface="Times New Roman" panose="02020603050405020304" charset="0"/>
+                <a:cs typeface="Times New Roman" panose="02020603050405020304" charset="0"/>
+              </a:rPr>
+              <a:t>同样处于低负载状态，但被选作</a:t>
+            </a:r>
+            <a:r>
+              <a:rPr lang="en-US" altLang="zh-CN" sz="1400">
+                <a:latin typeface="Times New Roman" panose="02020603050405020304" charset="0"/>
+                <a:cs typeface="Times New Roman" panose="02020603050405020304" charset="0"/>
+              </a:rPr>
+              <a:t>“</a:t>
+            </a:r>
+            <a:r>
+              <a:rPr lang="zh-CN" altLang="en-US" sz="1400">
+                <a:latin typeface="Times New Roman" panose="02020603050405020304" charset="0"/>
+                <a:cs typeface="Times New Roman" panose="02020603050405020304" charset="0"/>
+              </a:rPr>
+              <a:t>容器</a:t>
+            </a:r>
+            <a:r>
+              <a:rPr lang="en-US" altLang="zh-CN" sz="1400">
+                <a:latin typeface="Times New Roman" panose="02020603050405020304" charset="0"/>
+                <a:cs typeface="Times New Roman" panose="02020603050405020304" charset="0"/>
+              </a:rPr>
+              <a:t>”</a:t>
+            </a:r>
+            <a:r>
+              <a:rPr lang="zh-CN" altLang="en-US" sz="1400">
+                <a:latin typeface="Times New Roman" panose="02020603050405020304" charset="0"/>
+                <a:cs typeface="Times New Roman" panose="02020603050405020304" charset="0"/>
+              </a:rPr>
+              <a:t>来接收来自源副本的任务，以便将它们打包成更大、效率更高的</a:t>
+            </a:r>
+            <a:r>
+              <a:rPr lang="en-US" altLang="zh-CN" sz="1400">
+                <a:latin typeface="Times New Roman" panose="02020603050405020304" charset="0"/>
+                <a:cs typeface="Times New Roman" panose="02020603050405020304" charset="0"/>
+              </a:rPr>
+              <a:t> Batch </a:t>
+            </a:r>
+            <a:r>
+              <a:rPr lang="zh-CN" altLang="en-US" sz="1400">
+                <a:latin typeface="Times New Roman" panose="02020603050405020304" charset="0"/>
+                <a:cs typeface="Times New Roman" panose="02020603050405020304" charset="0"/>
+              </a:rPr>
+              <a:t>。</a:t>
+            </a:r>
+            <a:endParaRPr lang="zh-CN" altLang="en-US" sz="1400">
+              <a:latin typeface="Times New Roman" panose="02020603050405020304" charset="0"/>
+              <a:cs typeface="Times New Roman" panose="02020603050405020304" charset="0"/>
+            </a:endParaRPr>
+          </a:p>
+          <a:p>
+            <a:pPr algn="l">
+              <a:lnSpc>
+                <a:spcPct val="130000"/>
+              </a:lnSpc>
+            </a:pPr>
+            <a:r>
+              <a:rPr lang="en-US" altLang="zh-CN" sz="1800" b="1">
+                <a:latin typeface="Times New Roman" panose="02020603050405020304" charset="0"/>
+                <a:cs typeface="Times New Roman" panose="02020603050405020304" charset="0"/>
+              </a:rPr>
+              <a:t>执行最佳拟合算法 (Best-Fit Algorithm)</a:t>
+            </a:r>
+            <a:endParaRPr lang="en-US" altLang="zh-CN" sz="1800" b="1">
+              <a:latin typeface="Times New Roman" panose="02020603050405020304" charset="0"/>
+              <a:cs typeface="Times New Roman" panose="02020603050405020304" charset="0"/>
+            </a:endParaRPr>
+          </a:p>
+        </p:txBody>
+      </p:sp>
+      <p:pic>
+        <p:nvPicPr>
+          <p:cNvPr id="5" name="图片 4"/>
+          <p:cNvPicPr>
+            <a:picLocks noChangeAspect="1"/>
+          </p:cNvPicPr>
+          <p:nvPr/>
+        </p:nvPicPr>
+        <p:blipFill>
+          <a:blip r:embed="rId1"/>
+          <a:stretch>
+            <a:fillRect/>
+          </a:stretch>
+        </p:blipFill>
+        <p:spPr>
+          <a:xfrm>
+            <a:off x="334645" y="1921510"/>
+            <a:ext cx="5207635" cy="4824095"/>
+          </a:xfrm>
+          <a:prstGeom prst="rect">
+            <a:avLst/>
+          </a:prstGeom>
+        </p:spPr>
+      </p:pic>
+      <p:sp>
+        <p:nvSpPr>
+          <p:cNvPr id="7" name="矩形 6"/>
+          <p:cNvSpPr/>
+          <p:nvPr/>
+        </p:nvSpPr>
+        <p:spPr>
+          <a:xfrm>
+            <a:off x="215900" y="3035300"/>
+            <a:ext cx="6024245" cy="264160"/>
+          </a:xfrm>
+          <a:prstGeom prst="rect">
+            <a:avLst/>
+          </a:prstGeom>
+          <a:noFill/>
+          <a:ln>
+            <a:solidFill>
+              <a:srgbClr val="FF0000"/>
+            </a:solidFill>
+          </a:ln>
+          <a:extLst>
+            <a:ext uri="{909E8E84-426E-40DD-AFC4-6F175D3DCCD1}">
+              <a14:hiddenFill xmlns:a14="http://schemas.microsoft.com/office/drawing/2010/main">
+                <a:solidFill>
+                  <a:schemeClr val="accent1"/>
+                </a:solidFill>
+              </a14:hiddenFill>
+            </a:ext>
+          </a:extLst>
+        </p:spPr>
+        <p:style>
+          <a:lnRef idx="2">
+            <a:schemeClr val="accent1">
+              <a:lumMod val="75000"/>
+            </a:schemeClr>
+          </a:lnRef>
+          <a:fillRef idx="1">
+            <a:schemeClr val="accent1"/>
+          </a:fillRef>
+          <a:effectRef idx="0">
+            <a:srgbClr val="FFFFFF"/>
+          </a:effectRef>
+          <a:fontRef idx="minor">
+            <a:schemeClr val="lt1"/>
+          </a:fontRef>
+        </p:style>
+        <p:txBody>
+          <a:bodyPr rtlCol="0" anchor="ctr"/>
+          <a:p>
+            <a:pPr algn="ctr"/>
+            <a:endParaRPr lang="zh-CN" altLang="en-US">
+              <a:latin typeface="Times New Roman" panose="02020603050405020304" charset="0"/>
+              <a:cs typeface="Times New Roman" panose="02020603050405020304" charset="0"/>
+            </a:endParaRPr>
+          </a:p>
+        </p:txBody>
+      </p:sp>
+      <p:sp>
+        <p:nvSpPr>
+          <p:cNvPr id="8" name="文本框 7"/>
+          <p:cNvSpPr txBox="1"/>
+          <p:nvPr/>
+        </p:nvSpPr>
+        <p:spPr>
+          <a:xfrm>
+            <a:off x="6537960" y="2983230"/>
+            <a:ext cx="4064000" cy="306705"/>
+          </a:xfrm>
+          <a:prstGeom prst="rect">
+            <a:avLst/>
+          </a:prstGeom>
+          <a:noFill/>
+        </p:spPr>
+        <p:txBody>
+          <a:bodyPr wrap="square" rtlCol="0">
+            <a:spAutoFit/>
+          </a:bodyPr>
+          <a:p>
+            <a:r>
+              <a:rPr lang="zh-CN" altLang="en-US" sz="1400">
+                <a:solidFill>
+                  <a:srgbClr val="FF0000"/>
+                </a:solidFill>
+                <a:latin typeface="Times New Roman" panose="02020603050405020304" charset="0"/>
+                <a:cs typeface="Times New Roman" panose="02020603050405020304" charset="0"/>
+              </a:rPr>
+              <a:t>长尾</a:t>
+            </a:r>
+            <a:r>
+              <a:rPr lang="zh-CN" altLang="en-US" sz="1400">
+                <a:solidFill>
+                  <a:srgbClr val="FF0000"/>
+                </a:solidFill>
+                <a:latin typeface="Times New Roman" panose="02020603050405020304" charset="0"/>
+                <a:cs typeface="Times New Roman" panose="02020603050405020304" charset="0"/>
+              </a:rPr>
+              <a:t>replicas</a:t>
+            </a:r>
+            <a:endParaRPr lang="zh-CN" altLang="en-US" sz="1400">
+              <a:solidFill>
+                <a:srgbClr val="FF0000"/>
+              </a:solidFill>
+              <a:latin typeface="Times New Roman" panose="02020603050405020304" charset="0"/>
+              <a:cs typeface="Times New Roman" panose="02020603050405020304" charset="0"/>
+            </a:endParaRPr>
+          </a:p>
+        </p:txBody>
+      </p:sp>
+      <p:sp>
+        <p:nvSpPr>
+          <p:cNvPr id="9" name="矩形 8"/>
+          <p:cNvSpPr/>
+          <p:nvPr/>
+        </p:nvSpPr>
+        <p:spPr>
+          <a:xfrm>
+            <a:off x="276860" y="3307715"/>
+            <a:ext cx="3652520" cy="189230"/>
+          </a:xfrm>
+          <a:prstGeom prst="rect">
+            <a:avLst/>
+          </a:prstGeom>
+          <a:noFill/>
+          <a:ln>
+            <a:solidFill>
+              <a:srgbClr val="FF0000"/>
+            </a:solidFill>
+          </a:ln>
+          <a:extLst>
+            <a:ext uri="{909E8E84-426E-40DD-AFC4-6F175D3DCCD1}">
+              <a14:hiddenFill xmlns:a14="http://schemas.microsoft.com/office/drawing/2010/main">
+                <a:solidFill>
+                  <a:schemeClr val="accent1"/>
+                </a:solidFill>
+              </a14:hiddenFill>
+            </a:ext>
+          </a:extLst>
+        </p:spPr>
+        <p:style>
+          <a:lnRef idx="2">
+            <a:schemeClr val="accent1">
+              <a:lumMod val="75000"/>
+            </a:schemeClr>
+          </a:lnRef>
+          <a:fillRef idx="1">
+            <a:schemeClr val="accent1"/>
+          </a:fillRef>
+          <a:effectRef idx="0">
+            <a:srgbClr val="FFFFFF"/>
+          </a:effectRef>
+          <a:fontRef idx="minor">
+            <a:schemeClr val="lt1"/>
+          </a:fontRef>
+        </p:style>
+        <p:txBody>
+          <a:bodyPr rtlCol="0" anchor="ctr"/>
+          <a:p>
+            <a:pPr algn="ctr"/>
+            <a:endParaRPr lang="zh-CN" altLang="en-US">
+              <a:latin typeface="Times New Roman" panose="02020603050405020304" charset="0"/>
+              <a:cs typeface="Times New Roman" panose="02020603050405020304" charset="0"/>
+            </a:endParaRPr>
+          </a:p>
+        </p:txBody>
+      </p:sp>
+      <p:sp>
+        <p:nvSpPr>
+          <p:cNvPr id="10" name="文本框 9"/>
+          <p:cNvSpPr txBox="1"/>
+          <p:nvPr/>
+        </p:nvSpPr>
+        <p:spPr>
+          <a:xfrm>
+            <a:off x="5299710" y="3307715"/>
+            <a:ext cx="6102985" cy="306705"/>
+          </a:xfrm>
+          <a:prstGeom prst="rect">
+            <a:avLst/>
+          </a:prstGeom>
+          <a:noFill/>
+        </p:spPr>
+        <p:txBody>
+          <a:bodyPr wrap="square" rtlCol="0">
+            <a:spAutoFit/>
+          </a:bodyPr>
+          <a:p>
+            <a:r>
+              <a:rPr lang="en-US" altLang="zh-CN" sz="1400">
+                <a:solidFill>
+                  <a:srgbClr val="FF0000"/>
+                </a:solidFill>
+                <a:latin typeface="Times New Roman" panose="02020603050405020304" charset="0"/>
+                <a:cs typeface="Times New Roman" panose="02020603050405020304" charset="0"/>
+              </a:rPr>
+              <a:t>KVcache</a:t>
+            </a:r>
+            <a:r>
+              <a:rPr lang="zh-CN" altLang="en-US" sz="1400">
+                <a:solidFill>
+                  <a:srgbClr val="FF0000"/>
+                </a:solidFill>
+                <a:latin typeface="Times New Roman" panose="02020603050405020304" charset="0"/>
+                <a:cs typeface="Times New Roman" panose="02020603050405020304" charset="0"/>
+              </a:rPr>
+              <a:t>越小的副本</a:t>
+            </a:r>
+            <a:r>
+              <a:rPr lang="en-US" altLang="zh-CN" sz="1400">
+                <a:solidFill>
+                  <a:srgbClr val="FF0000"/>
+                </a:solidFill>
+                <a:latin typeface="Times New Roman" panose="02020603050405020304" charset="0"/>
+                <a:cs typeface="Times New Roman" panose="02020603050405020304" charset="0"/>
+              </a:rPr>
+              <a:t> </a:t>
+            </a:r>
+            <a:r>
+              <a:rPr lang="zh-CN" altLang="en-US" sz="1400">
+                <a:solidFill>
+                  <a:srgbClr val="FF0000"/>
+                </a:solidFill>
+                <a:latin typeface="Times New Roman" panose="02020603050405020304" charset="0"/>
+                <a:cs typeface="Times New Roman" panose="02020603050405020304" charset="0"/>
+              </a:rPr>
+              <a:t>优先被移动</a:t>
+            </a:r>
+            <a:endParaRPr lang="zh-CN" altLang="en-US" sz="1400">
+              <a:solidFill>
+                <a:srgbClr val="FF0000"/>
+              </a:solidFill>
+              <a:latin typeface="Times New Roman" panose="02020603050405020304" charset="0"/>
+              <a:cs typeface="Times New Roman" panose="02020603050405020304" charset="0"/>
+            </a:endParaRPr>
+          </a:p>
+        </p:txBody>
+      </p:sp>
+      <p:sp>
+        <p:nvSpPr>
+          <p:cNvPr id="2" name="矩形 1"/>
+          <p:cNvSpPr/>
+          <p:nvPr/>
+        </p:nvSpPr>
+        <p:spPr>
+          <a:xfrm>
+            <a:off x="215900" y="4902200"/>
+            <a:ext cx="5138420" cy="340995"/>
+          </a:xfrm>
+          <a:prstGeom prst="rect">
+            <a:avLst/>
+          </a:prstGeom>
+          <a:noFill/>
+          <a:ln>
+            <a:solidFill>
+              <a:srgbClr val="FF0000"/>
+            </a:solidFill>
+          </a:ln>
+          <a:extLst>
+            <a:ext uri="{909E8E84-426E-40DD-AFC4-6F175D3DCCD1}">
+              <a14:hiddenFill xmlns:a14="http://schemas.microsoft.com/office/drawing/2010/main">
+                <a:solidFill>
+                  <a:schemeClr val="accent1"/>
+                </a:solidFill>
+              </a14:hiddenFill>
+            </a:ext>
+          </a:extLst>
+        </p:spPr>
+        <p:style>
+          <a:lnRef idx="2">
+            <a:schemeClr val="accent1">
+              <a:lumMod val="75000"/>
+            </a:schemeClr>
+          </a:lnRef>
+          <a:fillRef idx="1">
+            <a:schemeClr val="accent1"/>
+          </a:fillRef>
+          <a:effectRef idx="0">
+            <a:srgbClr val="FFFFFF"/>
+          </a:effectRef>
+          <a:fontRef idx="minor">
+            <a:schemeClr val="lt1"/>
+          </a:fontRef>
+        </p:style>
+        <p:txBody>
+          <a:bodyPr rtlCol="0" anchor="ctr"/>
+          <a:p>
+            <a:pPr algn="ctr"/>
+            <a:endParaRPr lang="zh-CN" altLang="en-US">
+              <a:latin typeface="Times New Roman" panose="02020603050405020304" charset="0"/>
+              <a:cs typeface="Times New Roman" panose="02020603050405020304" charset="0"/>
+            </a:endParaRPr>
+          </a:p>
+        </p:txBody>
+      </p:sp>
+      <p:sp>
+        <p:nvSpPr>
+          <p:cNvPr id="3" name="文本框 2"/>
+          <p:cNvSpPr txBox="1"/>
+          <p:nvPr/>
+        </p:nvSpPr>
+        <p:spPr>
+          <a:xfrm>
+            <a:off x="5443855" y="4902200"/>
+            <a:ext cx="6577330" cy="306705"/>
+          </a:xfrm>
+          <a:prstGeom prst="rect">
+            <a:avLst/>
+          </a:prstGeom>
+          <a:noFill/>
+        </p:spPr>
+        <p:txBody>
+          <a:bodyPr wrap="square" rtlCol="0">
+            <a:spAutoFit/>
+          </a:bodyPr>
+          <a:p>
+            <a:r>
+              <a:rPr lang="zh-CN" altLang="en-US" sz="1400">
+                <a:solidFill>
+                  <a:srgbClr val="FF0000"/>
+                </a:solidFill>
+                <a:latin typeface="Times New Roman" panose="02020603050405020304" charset="0"/>
+                <a:cs typeface="Times New Roman" panose="02020603050405020304" charset="0"/>
+              </a:rPr>
+              <a:t>如果对当前</a:t>
+            </a:r>
+            <a:r>
+              <a:rPr lang="en-US" altLang="zh-CN" sz="1400">
+                <a:solidFill>
+                  <a:srgbClr val="FF0000"/>
+                </a:solidFill>
+                <a:latin typeface="Times New Roman" panose="02020603050405020304" charset="0"/>
+                <a:cs typeface="Times New Roman" panose="02020603050405020304" charset="0"/>
+              </a:rPr>
+              <a:t>s</a:t>
+            </a:r>
+            <a:r>
+              <a:rPr lang="zh-CN" altLang="en-US" sz="1400">
+                <a:solidFill>
+                  <a:srgbClr val="FF0000"/>
+                </a:solidFill>
+                <a:latin typeface="Times New Roman" panose="02020603050405020304" charset="0"/>
+                <a:cs typeface="Times New Roman" panose="02020603050405020304" charset="0"/>
+              </a:rPr>
+              <a:t>，有多个满足</a:t>
+            </a:r>
+            <a:r>
+              <a:rPr lang="en-US" altLang="zh-CN" sz="1400">
+                <a:solidFill>
+                  <a:srgbClr val="FF0000"/>
+                </a:solidFill>
+                <a:latin typeface="Times New Roman" panose="02020603050405020304" charset="0"/>
+                <a:cs typeface="Times New Roman" panose="02020603050405020304" charset="0"/>
+              </a:rPr>
+              <a:t>CanFit() </a:t>
+            </a:r>
+            <a:r>
+              <a:rPr lang="zh-CN" altLang="en-US" sz="1400">
+                <a:solidFill>
+                  <a:srgbClr val="FF0000"/>
+                </a:solidFill>
+                <a:latin typeface="Times New Roman" panose="02020603050405020304" charset="0"/>
+                <a:cs typeface="Times New Roman" panose="02020603050405020304" charset="0"/>
+              </a:rPr>
+              <a:t>条件的副本，则采用移动后</a:t>
+            </a:r>
+            <a:r>
+              <a:rPr lang="en-US" altLang="zh-CN" sz="1400">
+                <a:solidFill>
+                  <a:srgbClr val="FF0000"/>
+                </a:solidFill>
+                <a:latin typeface="Times New Roman" panose="02020603050405020304" charset="0"/>
+                <a:cs typeface="Times New Roman" panose="02020603050405020304" charset="0"/>
+              </a:rPr>
+              <a:t>KVcache</a:t>
+            </a:r>
+            <a:r>
+              <a:rPr lang="zh-CN" altLang="en-US" sz="1400">
+                <a:solidFill>
+                  <a:srgbClr val="FF0000"/>
+                </a:solidFill>
+                <a:latin typeface="Times New Roman" panose="02020603050405020304" charset="0"/>
+                <a:cs typeface="Times New Roman" panose="02020603050405020304" charset="0"/>
+              </a:rPr>
+              <a:t>最大的</a:t>
+            </a:r>
+            <a:endParaRPr lang="zh-CN" altLang="en-US" sz="1400">
+              <a:solidFill>
+                <a:srgbClr val="FF0000"/>
+              </a:solidFill>
+              <a:latin typeface="Times New Roman" panose="02020603050405020304" charset="0"/>
+              <a:cs typeface="Times New Roman" panose="02020603050405020304" charset="0"/>
+            </a:endParaRPr>
+          </a:p>
+        </p:txBody>
+      </p:sp>
+      <p:sp>
+        <p:nvSpPr>
+          <p:cNvPr id="6" name="文本框 5"/>
+          <p:cNvSpPr txBox="1"/>
+          <p:nvPr/>
+        </p:nvSpPr>
+        <p:spPr>
+          <a:xfrm>
+            <a:off x="41275" y="51435"/>
+            <a:ext cx="10831830" cy="460375"/>
+          </a:xfrm>
+          <a:prstGeom prst="rect">
+            <a:avLst/>
+          </a:prstGeom>
+          <a:noFill/>
+        </p:spPr>
+        <p:txBody>
+          <a:bodyPr wrap="square" rtlCol="0">
+            <a:spAutoFit/>
+          </a:bodyPr>
+          <a:p>
+            <a:r>
+              <a:rPr lang="en-US" altLang="zh-CN" sz="2400" b="1">
+                <a:solidFill>
+                  <a:srgbClr val="C00000"/>
+                </a:solidFill>
+                <a:latin typeface="Times New Roman" panose="02020603050405020304" charset="0"/>
+                <a:cs typeface="Times New Roman" panose="02020603050405020304" charset="0"/>
+              </a:rPr>
+              <a:t>Laminar: A Scalable Asynchronous RL Post-Training Framework</a:t>
+            </a:r>
+            <a:endParaRPr lang="en-US" altLang="zh-CN" sz="2400" b="1">
+              <a:solidFill>
+                <a:srgbClr val="C00000"/>
+              </a:solidFill>
+              <a:latin typeface="Times New Roman" panose="02020603050405020304" charset="0"/>
+              <a:cs typeface="Times New Roman" panose="02020603050405020304" charset="0"/>
+            </a:endParaRPr>
+          </a:p>
+        </p:txBody>
+      </p:sp>
+    </p:spTree>
+    <p:custDataLst>
+      <p:tags r:id="rId2"/>
+    </p:custDataLst>
+  </p:cSld>
+  <p:clrMapOvr>
+    <a:masterClrMapping/>
+  </p:clrMapOvr>
+</p:sld>
+</file>
+
+<file path=ppt/slides/slide6.xml><?xml version="1.0" encoding="utf-8"?>
+<p:sld xmlns:a="http://schemas.openxmlformats.org/drawingml/2006/main" xmlns:r="http://schemas.openxmlformats.org/officeDocument/2006/relationships" xmlns:p="http://schemas.openxmlformats.org/presentationml/2006/main">
+  <p:cSld>
+    <p:spTree>
+      <p:nvGrpSpPr>
+        <p:cNvPr id="1" name=""/>
+        <p:cNvGrpSpPr/>
+        <p:nvPr/>
+      </p:nvGrpSpPr>
+      <p:grpSpPr>
+        <a:xfrm>
+          <a:off x="0" y="0"/>
+          <a:ext cx="0" cy="0"/>
+          <a:chOff x="0" y="0"/>
+          <a:chExt cx="0" cy="0"/>
+        </a:xfrm>
+      </p:grpSpPr>
+      <p:sp>
+        <p:nvSpPr>
+          <p:cNvPr id="4" name="文本框 3"/>
+          <p:cNvSpPr txBox="1"/>
+          <p:nvPr/>
+        </p:nvSpPr>
+        <p:spPr>
+          <a:xfrm>
+            <a:off x="174625" y="917575"/>
+            <a:ext cx="11846560" cy="633730"/>
+          </a:xfrm>
+          <a:prstGeom prst="rect">
+            <a:avLst/>
+          </a:prstGeom>
+          <a:noFill/>
+        </p:spPr>
+        <p:txBody>
+          <a:bodyPr wrap="square" rtlCol="0">
+            <a:noAutofit/>
+          </a:bodyPr>
+          <a:p>
+            <a:pPr algn="l">
+              <a:lnSpc>
+                <a:spcPct val="130000"/>
+              </a:lnSpc>
+              <a:buClrTx/>
+              <a:buSzTx/>
+              <a:buFontTx/>
+            </a:pPr>
+            <a:r>
+              <a:rPr lang="zh-CN" altLang="en-US" sz="1800" b="1">
+                <a:latin typeface="Times New Roman" panose="02020603050405020304" charset="0"/>
+                <a:cs typeface="Times New Roman" panose="02020603050405020304" charset="0"/>
+              </a:rPr>
+              <a:t>二、处理长尾问题</a:t>
+            </a:r>
+            <a:r>
+              <a:rPr lang="en-US" altLang="zh-CN" sz="1800" b="1">
+                <a:latin typeface="Times New Roman" panose="02020603050405020304" charset="0"/>
+                <a:cs typeface="Times New Roman" panose="02020603050405020304" charset="0"/>
+              </a:rPr>
+              <a:t>——Repack Mechanism</a:t>
+            </a:r>
+            <a:endParaRPr lang="en-US" altLang="zh-CN" sz="1800" b="1">
+              <a:latin typeface="Times New Roman" panose="02020603050405020304" charset="0"/>
+              <a:cs typeface="Times New Roman" panose="02020603050405020304" charset="0"/>
+            </a:endParaRPr>
+          </a:p>
+        </p:txBody>
+      </p:sp>
+      <p:pic>
+        <p:nvPicPr>
+          <p:cNvPr id="6" name="图片 5"/>
+          <p:cNvPicPr>
+            <a:picLocks noChangeAspect="1"/>
+          </p:cNvPicPr>
+          <p:nvPr/>
+        </p:nvPicPr>
+        <p:blipFill>
+          <a:blip r:embed="rId1"/>
+          <a:stretch>
+            <a:fillRect/>
+          </a:stretch>
+        </p:blipFill>
+        <p:spPr>
+          <a:xfrm>
+            <a:off x="1540510" y="1699260"/>
+            <a:ext cx="8547735" cy="4151630"/>
+          </a:xfrm>
+          <a:prstGeom prst="rect">
+            <a:avLst/>
+          </a:prstGeom>
+        </p:spPr>
+      </p:pic>
+      <p:sp>
+        <p:nvSpPr>
+          <p:cNvPr id="11" name="文本框 10"/>
+          <p:cNvSpPr txBox="1"/>
+          <p:nvPr/>
+        </p:nvSpPr>
+        <p:spPr>
+          <a:xfrm>
+            <a:off x="237490" y="6257290"/>
+            <a:ext cx="11286490" cy="370840"/>
+          </a:xfrm>
+          <a:prstGeom prst="rect">
+            <a:avLst/>
+          </a:prstGeom>
+          <a:noFill/>
+        </p:spPr>
+        <p:txBody>
+          <a:bodyPr wrap="square" rtlCol="0">
+            <a:spAutoFit/>
+          </a:bodyPr>
+          <a:p>
+            <a:pPr>
+              <a:lnSpc>
+                <a:spcPct val="130000"/>
+              </a:lnSpc>
+            </a:pPr>
+            <a:r>
+              <a:rPr lang="zh-CN" altLang="en-US" sz="1400">
+                <a:latin typeface="Times New Roman" panose="02020603050405020304" charset="0"/>
+                <a:cs typeface="Times New Roman" panose="02020603050405020304" charset="0"/>
+              </a:rPr>
+              <a:t>把Unfinished Trajectories的计算状态（Context）和数据（KV Cache）从一个进程（Source Rollout）迁移到另一个进程（Destination Rollout）</a:t>
+            </a:r>
+            <a:endParaRPr lang="zh-CN" altLang="en-US" sz="1400">
+              <a:latin typeface="Times New Roman" panose="02020603050405020304" charset="0"/>
+              <a:cs typeface="Times New Roman" panose="02020603050405020304" charset="0"/>
+            </a:endParaRPr>
+          </a:p>
+        </p:txBody>
+      </p:sp>
+      <p:sp>
+        <p:nvSpPr>
+          <p:cNvPr id="12" name="文本框 11"/>
+          <p:cNvSpPr txBox="1"/>
+          <p:nvPr/>
+        </p:nvSpPr>
+        <p:spPr>
+          <a:xfrm>
+            <a:off x="41275" y="51435"/>
+            <a:ext cx="10831830" cy="460375"/>
+          </a:xfrm>
+          <a:prstGeom prst="rect">
+            <a:avLst/>
+          </a:prstGeom>
+          <a:noFill/>
+        </p:spPr>
+        <p:txBody>
+          <a:bodyPr wrap="square" rtlCol="0">
+            <a:spAutoFit/>
+          </a:bodyPr>
+          <a:p>
+            <a:r>
+              <a:rPr lang="en-US" altLang="zh-CN" sz="2400" b="1">
+                <a:solidFill>
+                  <a:srgbClr val="C00000"/>
+                </a:solidFill>
+                <a:latin typeface="Times New Roman" panose="02020603050405020304" charset="0"/>
+                <a:cs typeface="Times New Roman" panose="02020603050405020304" charset="0"/>
+              </a:rPr>
+              <a:t>Laminar: A Scalable Asynchronous RL Post-Training Framework</a:t>
+            </a:r>
+            <a:endParaRPr lang="en-US" altLang="zh-CN" sz="2400" b="1">
+              <a:solidFill>
+                <a:srgbClr val="C00000"/>
+              </a:solidFill>
+              <a:latin typeface="Times New Roman" panose="02020603050405020304" charset="0"/>
+              <a:cs typeface="Times New Roman" panose="02020603050405020304" charset="0"/>
+            </a:endParaRPr>
+          </a:p>
+        </p:txBody>
+      </p:sp>
+    </p:spTree>
+    <p:custDataLst>
+      <p:tags r:id="rId2"/>
+    </p:custDataLst>
+  </p:cSld>
+  <p:clrMapOvr>
+    <a:masterClrMapping/>
+  </p:clrMapOvr>
+</p:sld>
+</file>
+
+<file path=ppt/slides/slide7.xml><?xml version="1.0" encoding="utf-8"?>
+<p:sld xmlns:a="http://schemas.openxmlformats.org/drawingml/2006/main" xmlns:r="http://schemas.openxmlformats.org/officeDocument/2006/relationships" xmlns:p="http://schemas.openxmlformats.org/presentationml/2006/main">
+  <p:cSld>
+    <p:spTree>
+      <p:nvGrpSpPr>
+        <p:cNvPr id="1" name=""/>
+        <p:cNvGrpSpPr/>
+        <p:nvPr/>
+      </p:nvGrpSpPr>
+      <p:grpSpPr>
+        <a:xfrm>
+          <a:off x="0" y="0"/>
+          <a:ext cx="0" cy="0"/>
+          <a:chOff x="0" y="0"/>
+          <a:chExt cx="0" cy="0"/>
+        </a:xfrm>
+      </p:grpSpPr>
+      <p:sp>
+        <p:nvSpPr>
+          <p:cNvPr id="2" name="文本框 1"/>
+          <p:cNvSpPr txBox="1"/>
+          <p:nvPr/>
+        </p:nvSpPr>
+        <p:spPr>
+          <a:xfrm>
+            <a:off x="60960" y="65405"/>
+            <a:ext cx="11892280" cy="460375"/>
+          </a:xfrm>
+          <a:prstGeom prst="rect">
+            <a:avLst/>
+          </a:prstGeom>
+          <a:noFill/>
+        </p:spPr>
+        <p:txBody>
+          <a:bodyPr wrap="square" rtlCol="0">
+            <a:spAutoFit/>
+          </a:bodyPr>
+          <a:p>
+            <a:r>
+              <a:rPr lang="en-US" altLang="zh-CN" sz="2400" b="1">
+                <a:solidFill>
+                  <a:srgbClr val="C00000"/>
+                </a:solidFill>
+                <a:latin typeface="Times New Roman" panose="02020603050405020304" charset="0"/>
+                <a:cs typeface="Times New Roman" panose="02020603050405020304" charset="0"/>
+              </a:rPr>
+              <a:t>Taming the Long-Tail: Efficient Reasoning RL Training with Adaptive Drafter</a:t>
+            </a:r>
+            <a:r>
+              <a:rPr lang="zh-CN" altLang="en-US" sz="1600" b="1">
+                <a:solidFill>
+                  <a:srgbClr val="C00000"/>
+                </a:solidFill>
+                <a:latin typeface="Times New Roman" panose="02020603050405020304" charset="0"/>
+                <a:cs typeface="Times New Roman" panose="02020603050405020304" charset="0"/>
+              </a:rPr>
+              <a:t>（</a:t>
+            </a:r>
+            <a:r>
+              <a:rPr lang="en-US" altLang="zh-CN" sz="1600" b="1">
+                <a:solidFill>
+                  <a:srgbClr val="C00000"/>
+                </a:solidFill>
+                <a:latin typeface="Times New Roman" panose="02020603050405020304" charset="0"/>
+                <a:cs typeface="Times New Roman" panose="02020603050405020304" charset="0"/>
+              </a:rPr>
+              <a:t>ASPLOS 2026</a:t>
+            </a:r>
+            <a:r>
+              <a:rPr lang="zh-CN" altLang="en-US" sz="1600" b="1">
+                <a:solidFill>
+                  <a:srgbClr val="C00000"/>
+                </a:solidFill>
+                <a:latin typeface="Times New Roman" panose="02020603050405020304" charset="0"/>
+                <a:cs typeface="Times New Roman" panose="02020603050405020304" charset="0"/>
+              </a:rPr>
+              <a:t>）</a:t>
+            </a:r>
+            <a:endParaRPr lang="zh-CN" altLang="en-US" sz="1600" b="1">
+              <a:solidFill>
+                <a:srgbClr val="C00000"/>
+              </a:solidFill>
+              <a:latin typeface="Times New Roman" panose="02020603050405020304" charset="0"/>
+              <a:cs typeface="Times New Roman" panose="02020603050405020304" charset="0"/>
+            </a:endParaRPr>
+          </a:p>
+        </p:txBody>
+      </p:sp>
+      <p:sp>
+        <p:nvSpPr>
+          <p:cNvPr id="3" name="文本框 2"/>
+          <p:cNvSpPr txBox="1"/>
+          <p:nvPr/>
+        </p:nvSpPr>
+        <p:spPr>
+          <a:xfrm>
+            <a:off x="329565" y="838200"/>
+            <a:ext cx="11416030" cy="810260"/>
+          </a:xfrm>
+          <a:prstGeom prst="rect">
+            <a:avLst/>
+          </a:prstGeom>
+          <a:noFill/>
+        </p:spPr>
+        <p:txBody>
+          <a:bodyPr wrap="square" rtlCol="0">
+            <a:spAutoFit/>
+          </a:bodyPr>
+          <a:p>
+            <a:pPr>
+              <a:lnSpc>
+                <a:spcPct val="130000"/>
+              </a:lnSpc>
+            </a:pPr>
+            <a:r>
+              <a:rPr lang="zh-CN" altLang="en-US" b="1">
+                <a:latin typeface="Times New Roman" panose="02020603050405020304" charset="0"/>
+                <a:cs typeface="Times New Roman" panose="02020603050405020304" charset="0"/>
+              </a:rPr>
+              <a:t>推测解码：</a:t>
+            </a:r>
+            <a:r>
+              <a:rPr lang="zh-CN" altLang="en-US">
+                <a:latin typeface="Times New Roman" panose="02020603050405020304" charset="0"/>
+                <a:cs typeface="Times New Roman" panose="02020603050405020304" charset="0"/>
+              </a:rPr>
+              <a:t>不是消除长尾问题，而是利用处理长尾问题时空余的</a:t>
+            </a:r>
+            <a:r>
+              <a:rPr lang="en-US" altLang="zh-CN">
+                <a:latin typeface="Times New Roman" panose="02020603050405020304" charset="0"/>
+                <a:cs typeface="Times New Roman" panose="02020603050405020304" charset="0"/>
+              </a:rPr>
+              <a:t>GPU</a:t>
+            </a:r>
+            <a:r>
+              <a:rPr lang="zh-CN" altLang="en-US">
+                <a:latin typeface="Times New Roman" panose="02020603050405020304" charset="0"/>
+                <a:cs typeface="Times New Roman" panose="02020603050405020304" charset="0"/>
+              </a:rPr>
+              <a:t>算力，训练一个</a:t>
+            </a:r>
+            <a:r>
+              <a:rPr lang="en-US" altLang="zh-CN">
+                <a:latin typeface="Times New Roman" panose="02020603050405020304" charset="0"/>
+                <a:cs typeface="Times New Roman" panose="02020603050405020304" charset="0"/>
+              </a:rPr>
+              <a:t>draft model</a:t>
+            </a:r>
+            <a:endParaRPr lang="en-US" altLang="zh-CN">
+              <a:latin typeface="Times New Roman" panose="02020603050405020304" charset="0"/>
+              <a:cs typeface="Times New Roman" panose="02020603050405020304" charset="0"/>
+            </a:endParaRPr>
+          </a:p>
+          <a:p>
+            <a:pPr>
+              <a:lnSpc>
+                <a:spcPct val="130000"/>
+              </a:lnSpc>
+            </a:pPr>
+            <a:r>
+              <a:rPr lang="zh-CN" altLang="en-US">
+                <a:latin typeface="Times New Roman" panose="02020603050405020304" charset="0"/>
+                <a:cs typeface="Times New Roman" panose="02020603050405020304" charset="0"/>
+              </a:rPr>
+              <a:t>论文要求</a:t>
+            </a:r>
+            <a:r>
+              <a:rPr lang="en-US" altLang="zh-CN">
+                <a:latin typeface="Times New Roman" panose="02020603050405020304" charset="0"/>
+                <a:cs typeface="Times New Roman" panose="02020603050405020304" charset="0"/>
+              </a:rPr>
+              <a:t>rollout</a:t>
+            </a:r>
+            <a:r>
+              <a:rPr lang="zh-CN" altLang="en-US">
+                <a:latin typeface="Times New Roman" panose="02020603050405020304" charset="0"/>
+                <a:cs typeface="Times New Roman" panose="02020603050405020304" charset="0"/>
+              </a:rPr>
+              <a:t>和</a:t>
+            </a:r>
+            <a:r>
+              <a:rPr lang="en-US" altLang="zh-CN">
+                <a:latin typeface="Times New Roman" panose="02020603050405020304" charset="0"/>
+                <a:cs typeface="Times New Roman" panose="02020603050405020304" charset="0"/>
+              </a:rPr>
+              <a:t>train</a:t>
+            </a:r>
+            <a:r>
+              <a:rPr lang="zh-CN" altLang="en-US">
+                <a:latin typeface="Times New Roman" panose="02020603050405020304" charset="0"/>
+                <a:cs typeface="Times New Roman" panose="02020603050405020304" charset="0"/>
+              </a:rPr>
+              <a:t>必须是同步</a:t>
+            </a:r>
+            <a:r>
+              <a:rPr lang="zh-CN" altLang="en-US">
+                <a:latin typeface="Times New Roman" panose="02020603050405020304" charset="0"/>
+                <a:cs typeface="Times New Roman" panose="02020603050405020304" charset="0"/>
+              </a:rPr>
+              <a:t>的。</a:t>
+            </a:r>
+            <a:endParaRPr lang="zh-CN" altLang="en-US">
+              <a:latin typeface="Times New Roman" panose="02020603050405020304" charset="0"/>
+              <a:cs typeface="Times New Roman" panose="02020603050405020304" charset="0"/>
+            </a:endParaRPr>
+          </a:p>
+        </p:txBody>
+      </p:sp>
+      <p:pic>
+        <p:nvPicPr>
+          <p:cNvPr id="8" name="图片 7"/>
+          <p:cNvPicPr>
+            <a:picLocks noChangeAspect="1"/>
+          </p:cNvPicPr>
+          <p:nvPr/>
+        </p:nvPicPr>
+        <p:blipFill>
+          <a:blip r:embed="rId1"/>
+          <a:stretch>
+            <a:fillRect/>
+          </a:stretch>
+        </p:blipFill>
+        <p:spPr>
+          <a:xfrm>
+            <a:off x="514985" y="2359025"/>
+            <a:ext cx="10854690" cy="4064635"/>
+          </a:xfrm>
+          <a:prstGeom prst="rect">
+            <a:avLst/>
+          </a:prstGeom>
+        </p:spPr>
+      </p:pic>
+      <p:sp>
+        <p:nvSpPr>
+          <p:cNvPr id="9" name="文本框 8"/>
+          <p:cNvSpPr txBox="1"/>
+          <p:nvPr/>
+        </p:nvSpPr>
+        <p:spPr>
+          <a:xfrm>
+            <a:off x="2058035" y="1773555"/>
+            <a:ext cx="3342640" cy="460375"/>
+          </a:xfrm>
+          <a:prstGeom prst="rect">
+            <a:avLst/>
+          </a:prstGeom>
+          <a:noFill/>
+        </p:spPr>
+        <p:txBody>
+          <a:bodyPr wrap="square" rtlCol="0">
+            <a:spAutoFit/>
+          </a:bodyPr>
+          <a:p>
+            <a:r>
+              <a:rPr lang="zh-CN" altLang="en-US" sz="1200" b="1">
+                <a:solidFill>
+                  <a:srgbClr val="C00000"/>
+                </a:solidFill>
+                <a:latin typeface="Times New Roman" panose="02020603050405020304" charset="0"/>
+                <a:cs typeface="Times New Roman" panose="02020603050405020304" charset="0"/>
+              </a:rPr>
+              <a:t>为了减少</a:t>
+            </a:r>
+            <a:r>
+              <a:rPr lang="en-US" altLang="zh-CN" sz="1200" b="1">
+                <a:solidFill>
+                  <a:srgbClr val="C00000"/>
+                </a:solidFill>
+                <a:latin typeface="Times New Roman" panose="02020603050405020304" charset="0"/>
+                <a:cs typeface="Times New Roman" panose="02020603050405020304" charset="0"/>
+              </a:rPr>
+              <a:t> CPU </a:t>
+            </a:r>
+            <a:r>
+              <a:rPr lang="zh-CN" altLang="en-US" sz="1200" b="1">
+                <a:solidFill>
+                  <a:srgbClr val="C00000"/>
+                </a:solidFill>
+                <a:latin typeface="Times New Roman" panose="02020603050405020304" charset="0"/>
+                <a:cs typeface="Times New Roman" panose="02020603050405020304" charset="0"/>
+              </a:rPr>
+              <a:t>启动内核的开销，系统预先捕获了针对不同推测</a:t>
+            </a:r>
+            <a:r>
+              <a:rPr lang="zh-CN" altLang="en-US" sz="1200" b="1">
+                <a:solidFill>
+                  <a:srgbClr val="C00000"/>
+                </a:solidFill>
+                <a:latin typeface="Times New Roman" panose="02020603050405020304" charset="0"/>
+                <a:cs typeface="Times New Roman" panose="02020603050405020304" charset="0"/>
+              </a:rPr>
+              <a:t>解码配置的</a:t>
+            </a:r>
+            <a:r>
+              <a:rPr lang="en-US" altLang="zh-CN" sz="1200" b="1">
+                <a:solidFill>
+                  <a:srgbClr val="C00000"/>
+                </a:solidFill>
+                <a:latin typeface="Times New Roman" panose="02020603050405020304" charset="0"/>
+                <a:cs typeface="Times New Roman" panose="02020603050405020304" charset="0"/>
+              </a:rPr>
+              <a:t> CUDA Graphs</a:t>
+            </a:r>
+            <a:endParaRPr lang="en-US" altLang="zh-CN" sz="1200" b="1">
+              <a:solidFill>
+                <a:srgbClr val="C00000"/>
+              </a:solidFill>
+              <a:latin typeface="Times New Roman" panose="02020603050405020304" charset="0"/>
+              <a:cs typeface="Times New Roman" panose="02020603050405020304" charset="0"/>
+            </a:endParaRPr>
+          </a:p>
+        </p:txBody>
+      </p:sp>
+      <p:sp>
+        <p:nvSpPr>
+          <p:cNvPr id="10" name="文本框 9"/>
+          <p:cNvSpPr txBox="1"/>
+          <p:nvPr/>
+        </p:nvSpPr>
+        <p:spPr>
+          <a:xfrm>
+            <a:off x="8617585" y="1835150"/>
+            <a:ext cx="2456180" cy="460375"/>
+          </a:xfrm>
+          <a:prstGeom prst="rect">
+            <a:avLst/>
+          </a:prstGeom>
+          <a:noFill/>
+        </p:spPr>
+        <p:txBody>
+          <a:bodyPr wrap="square" rtlCol="0">
+            <a:spAutoFit/>
+          </a:bodyPr>
+          <a:p>
+            <a:pPr indent="0" algn="just">
+              <a:buFont typeface="Arial" panose="020B0604020202020204" pitchFamily="34" charset="0"/>
+              <a:buNone/>
+            </a:pPr>
+            <a:r>
+              <a:rPr lang="zh-CN" altLang="en-US" sz="1200" b="1">
+                <a:solidFill>
+                  <a:srgbClr val="C00000"/>
+                </a:solidFill>
+                <a:latin typeface="Times New Roman" panose="02020603050405020304" charset="0"/>
+                <a:cs typeface="Times New Roman" panose="02020603050405020304" charset="0"/>
+              </a:rPr>
+              <a:t>需要</a:t>
+            </a:r>
+            <a:r>
+              <a:rPr lang="en-US" altLang="zh-CN" sz="1200" b="1">
+                <a:solidFill>
+                  <a:srgbClr val="C00000"/>
+                </a:solidFill>
+                <a:latin typeface="Times New Roman" panose="02020603050405020304" charset="0"/>
+                <a:cs typeface="Times New Roman" panose="02020603050405020304" charset="0"/>
+              </a:rPr>
+              <a:t>draft model</a:t>
+            </a:r>
+            <a:r>
+              <a:rPr lang="zh-CN" altLang="en-US" sz="1200" b="1">
+                <a:solidFill>
+                  <a:srgbClr val="C00000"/>
+                </a:solidFill>
+                <a:latin typeface="Times New Roman" panose="02020603050405020304" charset="0"/>
+                <a:cs typeface="Times New Roman" panose="02020603050405020304" charset="0"/>
+              </a:rPr>
+              <a:t>的推测解码</a:t>
+            </a:r>
+            <a:r>
+              <a:rPr lang="zh-CN" altLang="en-US" sz="1200" b="1">
+                <a:solidFill>
+                  <a:srgbClr val="C00000"/>
+                </a:solidFill>
+                <a:latin typeface="Times New Roman" panose="02020603050405020304" charset="0"/>
+                <a:cs typeface="Times New Roman" panose="02020603050405020304" charset="0"/>
+              </a:rPr>
+              <a:t>策略</a:t>
+            </a:r>
+            <a:endParaRPr lang="zh-CN" altLang="en-US" sz="1200" b="1">
+              <a:solidFill>
+                <a:srgbClr val="C00000"/>
+              </a:solidFill>
+              <a:latin typeface="Times New Roman" panose="02020603050405020304" charset="0"/>
+              <a:cs typeface="Times New Roman" panose="02020603050405020304" charset="0"/>
+            </a:endParaRPr>
+          </a:p>
+          <a:p>
+            <a:pPr indent="0" algn="just">
+              <a:buFont typeface="Arial" panose="020B0604020202020204" pitchFamily="34" charset="0"/>
+              <a:buNone/>
+            </a:pPr>
+            <a:r>
+              <a:rPr lang="zh-CN" altLang="en-US" sz="1200" b="1">
+                <a:solidFill>
+                  <a:srgbClr val="C00000"/>
+                </a:solidFill>
+                <a:latin typeface="Times New Roman" panose="02020603050405020304" charset="0"/>
+                <a:cs typeface="Times New Roman" panose="02020603050405020304" charset="0"/>
+              </a:rPr>
+              <a:t>基于规则的推测</a:t>
+            </a:r>
+            <a:r>
+              <a:rPr lang="zh-CN" altLang="en-US" sz="1200" b="1">
+                <a:solidFill>
+                  <a:srgbClr val="C00000"/>
+                </a:solidFill>
+                <a:latin typeface="Times New Roman" panose="02020603050405020304" charset="0"/>
+                <a:cs typeface="Times New Roman" panose="02020603050405020304" charset="0"/>
+              </a:rPr>
+              <a:t>解码策略</a:t>
+            </a:r>
+            <a:endParaRPr lang="zh-CN" altLang="en-US" sz="1200" b="1">
+              <a:solidFill>
+                <a:srgbClr val="C00000"/>
+              </a:solidFill>
+              <a:latin typeface="Times New Roman" panose="02020603050405020304" charset="0"/>
+              <a:cs typeface="Times New Roman" panose="02020603050405020304" charset="0"/>
+            </a:endParaRPr>
+          </a:p>
+        </p:txBody>
+      </p:sp>
+      <p:sp>
+        <p:nvSpPr>
+          <p:cNvPr id="12" name="文本框 11"/>
+          <p:cNvSpPr txBox="1"/>
+          <p:nvPr/>
+        </p:nvSpPr>
+        <p:spPr>
+          <a:xfrm>
+            <a:off x="5828030" y="2295525"/>
+            <a:ext cx="1834515" cy="275590"/>
+          </a:xfrm>
+          <a:prstGeom prst="rect">
+            <a:avLst/>
+          </a:prstGeom>
+          <a:noFill/>
+        </p:spPr>
+        <p:txBody>
+          <a:bodyPr wrap="square" rtlCol="0">
+            <a:spAutoFit/>
+          </a:bodyPr>
+          <a:p>
+            <a:r>
+              <a:rPr lang="zh-CN" altLang="en-US" sz="1200" b="1">
+                <a:solidFill>
+                  <a:srgbClr val="C00000"/>
+                </a:solidFill>
+                <a:latin typeface="Times New Roman" panose="02020603050405020304" charset="0"/>
+                <a:cs typeface="Times New Roman" panose="02020603050405020304" charset="0"/>
+              </a:rPr>
+              <a:t>只有小batch时才开启SD</a:t>
+            </a:r>
+            <a:endParaRPr lang="zh-CN" altLang="en-US" sz="1200" b="1">
+              <a:solidFill>
+                <a:srgbClr val="C00000"/>
+              </a:solidFill>
+              <a:latin typeface="Times New Roman" panose="02020603050405020304" charset="0"/>
+              <a:cs typeface="Times New Roman" panose="02020603050405020304" charset="0"/>
+            </a:endParaRPr>
+          </a:p>
+        </p:txBody>
+      </p:sp>
+    </p:spTree>
+    <p:custDataLst>
+      <p:tags r:id="rId2"/>
+    </p:custDataLst>
+  </p:cSld>
+  <p:clrMapOvr>
+    <a:masterClrMapping/>
+  </p:clrMapOvr>
+</p:sld>
+</file>
+
+<file path=ppt/slides/slide8.xml><?xml version="1.0" encoding="utf-8"?>
+<p:sld xmlns:a="http://schemas.openxmlformats.org/drawingml/2006/main" xmlns:r="http://schemas.openxmlformats.org/officeDocument/2006/relationships" xmlns:p="http://schemas.openxmlformats.org/presentationml/2006/main">
+  <p:cSld>
+    <p:spTree>
+      <p:nvGrpSpPr>
+        <p:cNvPr id="1" name=""/>
+        <p:cNvGrpSpPr/>
+        <p:nvPr/>
+      </p:nvGrpSpPr>
+      <p:grpSpPr>
+        <a:xfrm>
+          <a:off x="0" y="0"/>
+          <a:ext cx="0" cy="0"/>
+          <a:chOff x="0" y="0"/>
+          <a:chExt cx="0" cy="0"/>
+        </a:xfrm>
+      </p:grpSpPr>
+      <p:sp>
+        <p:nvSpPr>
+          <p:cNvPr id="2" name="文本框 1"/>
+          <p:cNvSpPr txBox="1"/>
+          <p:nvPr/>
+        </p:nvSpPr>
+        <p:spPr>
+          <a:xfrm>
+            <a:off x="60960" y="65405"/>
+            <a:ext cx="11892280" cy="460375"/>
+          </a:xfrm>
+          <a:prstGeom prst="rect">
+            <a:avLst/>
+          </a:prstGeom>
+          <a:noFill/>
+        </p:spPr>
+        <p:txBody>
+          <a:bodyPr wrap="square" rtlCol="0">
+            <a:spAutoFit/>
+          </a:bodyPr>
+          <a:p>
+            <a:r>
+              <a:rPr lang="en-US" altLang="zh-CN" sz="2400" b="1">
+                <a:solidFill>
+                  <a:srgbClr val="C00000"/>
+                </a:solidFill>
+                <a:latin typeface="Times New Roman" panose="02020603050405020304" charset="0"/>
+                <a:cs typeface="Times New Roman" panose="02020603050405020304" charset="0"/>
+              </a:rPr>
+              <a:t>Taming the Long-Tail: Efficient Reasoning RL Training with Adaptive Drafter</a:t>
+            </a:r>
+            <a:r>
+              <a:rPr lang="zh-CN" altLang="en-US" sz="1600" b="1">
+                <a:solidFill>
+                  <a:srgbClr val="C00000"/>
+                </a:solidFill>
+                <a:latin typeface="Times New Roman" panose="02020603050405020304" charset="0"/>
+                <a:cs typeface="Times New Roman" panose="02020603050405020304" charset="0"/>
+              </a:rPr>
+              <a:t>（</a:t>
+            </a:r>
+            <a:r>
+              <a:rPr lang="en-US" altLang="zh-CN" sz="1600" b="1">
+                <a:solidFill>
+                  <a:srgbClr val="C00000"/>
+                </a:solidFill>
+                <a:latin typeface="Times New Roman" panose="02020603050405020304" charset="0"/>
+                <a:cs typeface="Times New Roman" panose="02020603050405020304" charset="0"/>
+              </a:rPr>
+              <a:t>ASPLOS 2026</a:t>
+            </a:r>
+            <a:r>
+              <a:rPr lang="zh-CN" altLang="en-US" sz="1600" b="1">
+                <a:solidFill>
+                  <a:srgbClr val="C00000"/>
+                </a:solidFill>
+                <a:latin typeface="Times New Roman" panose="02020603050405020304" charset="0"/>
+                <a:cs typeface="Times New Roman" panose="02020603050405020304" charset="0"/>
+              </a:rPr>
+              <a:t>）</a:t>
+            </a:r>
+            <a:endParaRPr lang="zh-CN" altLang="en-US" sz="1600" b="1">
+              <a:solidFill>
+                <a:srgbClr val="C00000"/>
+              </a:solidFill>
+              <a:latin typeface="Times New Roman" panose="02020603050405020304" charset="0"/>
+              <a:cs typeface="Times New Roman" panose="02020603050405020304" charset="0"/>
+            </a:endParaRPr>
+          </a:p>
+        </p:txBody>
+      </p:sp>
+      <p:sp>
+        <p:nvSpPr>
+          <p:cNvPr id="4" name="文本框 3"/>
+          <p:cNvSpPr txBox="1"/>
+          <p:nvPr/>
+        </p:nvSpPr>
+        <p:spPr>
+          <a:xfrm>
+            <a:off x="282575" y="802640"/>
+            <a:ext cx="11603990" cy="5405755"/>
+          </a:xfrm>
+          <a:prstGeom prst="rect">
+            <a:avLst/>
+          </a:prstGeom>
+          <a:noFill/>
+        </p:spPr>
+        <p:txBody>
+          <a:bodyPr wrap="square" rtlCol="0">
+            <a:spAutoFit/>
+          </a:bodyPr>
+          <a:p>
+            <a:pPr>
+              <a:lnSpc>
+                <a:spcPct val="120000"/>
+              </a:lnSpc>
+            </a:pPr>
+            <a:r>
+              <a:rPr lang="en-US" altLang="zh-CN" b="1">
+                <a:latin typeface="Times New Roman" panose="02020603050405020304" charset="0"/>
+                <a:cs typeface="Times New Roman" panose="02020603050405020304" charset="0"/>
+              </a:rPr>
+              <a:t>BEG-MAB </a:t>
+            </a:r>
+            <a:r>
+              <a:rPr lang="zh-CN" altLang="en-US" b="1">
+                <a:latin typeface="Times New Roman" panose="02020603050405020304" charset="0"/>
+                <a:cs typeface="Times New Roman" panose="02020603050405020304" charset="0"/>
+              </a:rPr>
+              <a:t>自动调优算法</a:t>
+            </a:r>
+            <a:endParaRPr lang="zh-CN" altLang="en-US" b="1">
+              <a:latin typeface="Times New Roman" panose="02020603050405020304" charset="0"/>
+              <a:cs typeface="Times New Roman" panose="02020603050405020304" charset="0"/>
+            </a:endParaRPr>
+          </a:p>
+          <a:p>
+            <a:pPr>
+              <a:lnSpc>
+                <a:spcPct val="120000"/>
+              </a:lnSpc>
+            </a:pPr>
+            <a:r>
+              <a:rPr lang="zh-CN" altLang="en-US" b="1">
+                <a:latin typeface="Times New Roman" panose="02020603050405020304" charset="0"/>
+                <a:cs typeface="Times New Roman" panose="02020603050405020304" charset="0"/>
+              </a:rPr>
+              <a:t>分桶</a:t>
+            </a:r>
+            <a:r>
+              <a:rPr lang="en-US" altLang="zh-CN" b="1">
+                <a:latin typeface="Times New Roman" panose="02020603050405020304" charset="0"/>
+                <a:cs typeface="Times New Roman" panose="02020603050405020304" charset="0"/>
+              </a:rPr>
+              <a:t> Epsilon-Greedy </a:t>
+            </a:r>
+            <a:r>
+              <a:rPr lang="zh-CN" altLang="en-US" b="1">
+                <a:latin typeface="Times New Roman" panose="02020603050405020304" charset="0"/>
+                <a:cs typeface="Times New Roman" panose="02020603050405020304" charset="0"/>
+              </a:rPr>
+              <a:t>多臂老虎机</a:t>
+            </a:r>
+            <a:r>
+              <a:rPr lang="en-US" altLang="zh-CN" b="1">
+                <a:latin typeface="Times New Roman" panose="02020603050405020304" charset="0"/>
+                <a:cs typeface="Times New Roman" panose="02020603050405020304" charset="0"/>
+              </a:rPr>
+              <a:t> (Bucketed $\epsilon$-Greedy MAB)</a:t>
+            </a:r>
+            <a:endParaRPr lang="en-US" altLang="zh-CN" b="1">
+              <a:latin typeface="Times New Roman" panose="02020603050405020304" charset="0"/>
+              <a:cs typeface="Times New Roman" panose="02020603050405020304" charset="0"/>
+            </a:endParaRPr>
+          </a:p>
+          <a:p>
+            <a:pPr>
+              <a:lnSpc>
+                <a:spcPct val="120000"/>
+              </a:lnSpc>
+            </a:pPr>
+            <a:r>
+              <a:rPr lang="zh-CN" altLang="en-US" b="1">
+                <a:latin typeface="Times New Roman" panose="02020603050405020304" charset="0"/>
+                <a:cs typeface="Times New Roman" panose="02020603050405020304" charset="0"/>
+              </a:rPr>
+              <a:t>维护了多个推测解码策略</a:t>
+            </a:r>
+            <a:endParaRPr lang="zh-CN" altLang="en-US" b="1">
+              <a:latin typeface="Times New Roman" panose="02020603050405020304" charset="0"/>
+              <a:cs typeface="Times New Roman" panose="02020603050405020304" charset="0"/>
+            </a:endParaRPr>
+          </a:p>
+          <a:p>
+            <a:pPr>
+              <a:lnSpc>
+                <a:spcPct val="120000"/>
+              </a:lnSpc>
+            </a:pPr>
+            <a:r>
+              <a:rPr lang="zh-CN" altLang="en-US" b="1">
+                <a:latin typeface="Times New Roman" panose="02020603050405020304" charset="0"/>
+                <a:cs typeface="Times New Roman" panose="02020603050405020304" charset="0"/>
+              </a:rPr>
+              <a:t>无</a:t>
+            </a:r>
+            <a:r>
+              <a:rPr lang="en-US" altLang="zh-CN" b="1">
+                <a:latin typeface="Times New Roman" panose="02020603050405020304" charset="0"/>
+                <a:cs typeface="Times New Roman" panose="02020603050405020304" charset="0"/>
+              </a:rPr>
+              <a:t>draft model</a:t>
+            </a:r>
+            <a:r>
+              <a:rPr lang="zh-CN" altLang="en-US" b="1">
+                <a:latin typeface="Times New Roman" panose="02020603050405020304" charset="0"/>
+                <a:cs typeface="Times New Roman" panose="02020603050405020304" charset="0"/>
+              </a:rPr>
+              <a:t>的：</a:t>
+            </a:r>
+            <a:endParaRPr lang="zh-CN" altLang="en-US" b="1">
+              <a:latin typeface="Times New Roman" panose="02020603050405020304" charset="0"/>
+              <a:cs typeface="Times New Roman" panose="02020603050405020304" charset="0"/>
+            </a:endParaRPr>
+          </a:p>
+          <a:p>
+            <a:pPr>
+              <a:lnSpc>
+                <a:spcPct val="120000"/>
+              </a:lnSpc>
+            </a:pPr>
+            <a:r>
+              <a:rPr lang="zh-CN" altLang="en-US">
+                <a:latin typeface="Times New Roman" panose="02020603050405020304" charset="0"/>
+                <a:cs typeface="Times New Roman" panose="02020603050405020304" charset="0"/>
+              </a:rPr>
+              <a:t>论文观察到：同一个</a:t>
+            </a:r>
+            <a:r>
+              <a:rPr lang="en-US" altLang="zh-CN">
+                <a:latin typeface="Times New Roman" panose="02020603050405020304" charset="0"/>
+                <a:cs typeface="Times New Roman" panose="02020603050405020304" charset="0"/>
+              </a:rPr>
+              <a:t> Prompt </a:t>
+            </a:r>
+            <a:r>
+              <a:rPr lang="zh-CN" altLang="en-US">
+                <a:latin typeface="Times New Roman" panose="02020603050405020304" charset="0"/>
+                <a:cs typeface="Times New Roman" panose="02020603050405020304" charset="0"/>
+              </a:rPr>
+              <a:t>生成的这些回答，往往具有高度的相似性。</a:t>
+            </a:r>
+            <a:endParaRPr lang="en-US" altLang="zh-CN">
+              <a:latin typeface="Times New Roman" panose="02020603050405020304" charset="0"/>
+              <a:cs typeface="Times New Roman" panose="02020603050405020304" charset="0"/>
+            </a:endParaRPr>
+          </a:p>
+          <a:p>
+            <a:pPr>
+              <a:lnSpc>
+                <a:spcPct val="120000"/>
+              </a:lnSpc>
+            </a:pPr>
+            <a:r>
+              <a:rPr lang="zh-CN" altLang="en-US">
+                <a:latin typeface="Times New Roman" panose="02020603050405020304" charset="0"/>
+                <a:cs typeface="Times New Roman" panose="02020603050405020304" charset="0"/>
+              </a:rPr>
+              <a:t>维护一个</a:t>
+            </a:r>
+            <a:r>
+              <a:rPr lang="en-US" altLang="zh-CN">
+                <a:latin typeface="Times New Roman" panose="02020603050405020304" charset="0"/>
+                <a:cs typeface="Times New Roman" panose="02020603050405020304" charset="0"/>
+              </a:rPr>
+              <a:t>n-gram</a:t>
+            </a:r>
+            <a:r>
+              <a:rPr lang="zh-CN" altLang="en-US">
+                <a:latin typeface="Times New Roman" panose="02020603050405020304" charset="0"/>
+                <a:cs typeface="Times New Roman" panose="02020603050405020304" charset="0"/>
+              </a:rPr>
+              <a:t>数据库，在当前这一轮</a:t>
+            </a:r>
+            <a:r>
+              <a:rPr lang="en-US" altLang="zh-CN">
+                <a:latin typeface="Times New Roman" panose="02020603050405020304" charset="0"/>
+                <a:cs typeface="Times New Roman" panose="02020603050405020304" charset="0"/>
+              </a:rPr>
+              <a:t> Rollout </a:t>
+            </a:r>
+            <a:r>
+              <a:rPr lang="zh-CN" altLang="en-US">
+                <a:latin typeface="Times New Roman" panose="02020603050405020304" charset="0"/>
+                <a:cs typeface="Times New Roman" panose="02020603050405020304" charset="0"/>
+              </a:rPr>
+              <a:t>中，针对特定</a:t>
+            </a:r>
+            <a:r>
+              <a:rPr lang="en-US" altLang="zh-CN">
+                <a:latin typeface="Times New Roman" panose="02020603050405020304" charset="0"/>
+                <a:cs typeface="Times New Roman" panose="02020603050405020304" charset="0"/>
+              </a:rPr>
+              <a:t> Prompt</a:t>
+            </a:r>
+            <a:r>
+              <a:rPr lang="zh-CN" altLang="en-US">
+                <a:latin typeface="Times New Roman" panose="02020603050405020304" charset="0"/>
+                <a:cs typeface="Times New Roman" panose="02020603050405020304" charset="0"/>
+              </a:rPr>
+              <a:t>，所有跑得快的</a:t>
+            </a:r>
+            <a:r>
+              <a:rPr lang="en-US" altLang="zh-CN">
+                <a:latin typeface="Times New Roman" panose="02020603050405020304" charset="0"/>
+                <a:cs typeface="Times New Roman" panose="02020603050405020304" charset="0"/>
+              </a:rPr>
+              <a:t> Worker </a:t>
+            </a:r>
+            <a:r>
+              <a:rPr lang="zh-CN" altLang="en-US">
+                <a:latin typeface="Times New Roman" panose="02020603050405020304" charset="0"/>
+                <a:cs typeface="Times New Roman" panose="02020603050405020304" charset="0"/>
+              </a:rPr>
+              <a:t>已经生成的文本里，每一个</a:t>
+            </a:r>
+            <a:r>
+              <a:rPr lang="en-US" altLang="zh-CN">
+                <a:latin typeface="Times New Roman" panose="02020603050405020304" charset="0"/>
+                <a:cs typeface="Times New Roman" panose="02020603050405020304" charset="0"/>
+              </a:rPr>
+              <a:t>“n-gram </a:t>
+            </a:r>
+            <a:r>
+              <a:rPr lang="zh-CN" altLang="en-US">
+                <a:latin typeface="Times New Roman" panose="02020603050405020304" charset="0"/>
+                <a:cs typeface="Times New Roman" panose="02020603050405020304" charset="0"/>
+              </a:rPr>
+              <a:t>窗口（</a:t>
+            </a:r>
+            <a:r>
+              <a:rPr lang="en-US" altLang="zh-CN">
+                <a:latin typeface="Times New Roman" panose="02020603050405020304" charset="0"/>
+                <a:cs typeface="Times New Roman" panose="02020603050405020304" charset="0"/>
+              </a:rPr>
+              <a:t>Key</a:t>
+            </a:r>
+            <a:r>
+              <a:rPr lang="zh-CN" altLang="en-US">
+                <a:latin typeface="Times New Roman" panose="02020603050405020304" charset="0"/>
+                <a:cs typeface="Times New Roman" panose="02020603050405020304" charset="0"/>
+              </a:rPr>
+              <a:t>）</a:t>
+            </a:r>
+            <a:r>
+              <a:rPr lang="en-US" altLang="zh-CN">
+                <a:latin typeface="Times New Roman" panose="02020603050405020304" charset="0"/>
+                <a:cs typeface="Times New Roman" panose="02020603050405020304" charset="0"/>
+              </a:rPr>
+              <a:t>”</a:t>
+            </a:r>
+            <a:r>
+              <a:rPr lang="zh-CN" altLang="en-US">
+                <a:latin typeface="Times New Roman" panose="02020603050405020304" charset="0"/>
+                <a:cs typeface="Times New Roman" panose="02020603050405020304" charset="0"/>
+              </a:rPr>
+              <a:t>和它</a:t>
+            </a:r>
+            <a:r>
+              <a:rPr lang="en-US" altLang="zh-CN">
+                <a:latin typeface="Times New Roman" panose="02020603050405020304" charset="0"/>
+                <a:cs typeface="Times New Roman" panose="02020603050405020304" charset="0"/>
+              </a:rPr>
+              <a:t>“</a:t>
+            </a:r>
+            <a:r>
+              <a:rPr lang="zh-CN" altLang="en-US">
+                <a:latin typeface="Times New Roman" panose="02020603050405020304" charset="0"/>
+                <a:cs typeface="Times New Roman" panose="02020603050405020304" charset="0"/>
+              </a:rPr>
+              <a:t>紧接着的后续内容（</a:t>
+            </a:r>
+            <a:r>
+              <a:rPr lang="en-US" altLang="zh-CN">
+                <a:latin typeface="Times New Roman" panose="02020603050405020304" charset="0"/>
+                <a:cs typeface="Times New Roman" panose="02020603050405020304" charset="0"/>
+              </a:rPr>
+              <a:t>Value</a:t>
+            </a:r>
+            <a:r>
+              <a:rPr lang="zh-CN" altLang="en-US">
+                <a:latin typeface="Times New Roman" panose="02020603050405020304" charset="0"/>
+                <a:cs typeface="Times New Roman" panose="02020603050405020304" charset="0"/>
+              </a:rPr>
+              <a:t>）</a:t>
+            </a:r>
+            <a:r>
+              <a:rPr lang="en-US" altLang="zh-CN">
+                <a:latin typeface="Times New Roman" panose="02020603050405020304" charset="0"/>
+                <a:cs typeface="Times New Roman" panose="02020603050405020304" charset="0"/>
+              </a:rPr>
+              <a:t>”</a:t>
+            </a:r>
+            <a:r>
+              <a:rPr lang="zh-CN" altLang="en-US">
+                <a:latin typeface="Times New Roman" panose="02020603050405020304" charset="0"/>
+                <a:cs typeface="Times New Roman" panose="02020603050405020304" charset="0"/>
+              </a:rPr>
+              <a:t>的映射对。</a:t>
+            </a:r>
+            <a:endParaRPr lang="zh-CN" altLang="en-US" b="1">
+              <a:latin typeface="Times New Roman" panose="02020603050405020304" charset="0"/>
+              <a:cs typeface="Times New Roman" panose="02020603050405020304" charset="0"/>
+            </a:endParaRPr>
+          </a:p>
+          <a:p>
+            <a:pPr>
+              <a:lnSpc>
+                <a:spcPct val="120000"/>
+              </a:lnSpc>
+            </a:pPr>
+            <a:r>
+              <a:rPr lang="zh-CN" altLang="en-US" b="1">
+                <a:latin typeface="Times New Roman" panose="02020603050405020304" charset="0"/>
+                <a:cs typeface="Times New Roman" panose="02020603050405020304" charset="0"/>
+              </a:rPr>
+              <a:t>基于</a:t>
+            </a:r>
+            <a:r>
+              <a:rPr lang="en-US" altLang="zh-CN" b="1">
+                <a:latin typeface="Times New Roman" panose="02020603050405020304" charset="0"/>
+                <a:cs typeface="Times New Roman" panose="02020603050405020304" charset="0"/>
+              </a:rPr>
+              <a:t>draft model</a:t>
+            </a:r>
+            <a:r>
+              <a:rPr lang="zh-CN" altLang="en-US" b="1">
+                <a:latin typeface="Times New Roman" panose="02020603050405020304" charset="0"/>
+                <a:cs typeface="Times New Roman" panose="02020603050405020304" charset="0"/>
+              </a:rPr>
+              <a:t>的：</a:t>
+            </a:r>
+            <a:endParaRPr lang="zh-CN" altLang="en-US" b="1">
+              <a:latin typeface="Times New Roman" panose="02020603050405020304" charset="0"/>
+              <a:cs typeface="Times New Roman" panose="02020603050405020304" charset="0"/>
+            </a:endParaRPr>
+          </a:p>
+          <a:p>
+            <a:pPr>
+              <a:lnSpc>
+                <a:spcPct val="120000"/>
+              </a:lnSpc>
+            </a:pPr>
+            <a:r>
+              <a:rPr lang="zh-CN" altLang="en-US">
+                <a:latin typeface="Times New Roman" panose="02020603050405020304" charset="0"/>
+                <a:cs typeface="Times New Roman" panose="02020603050405020304" charset="0"/>
+              </a:rPr>
+              <a:t>当目标模型生成了一个</a:t>
+            </a:r>
+            <a:r>
+              <a:rPr lang="en-US" altLang="zh-CN">
+                <a:latin typeface="Times New Roman" panose="02020603050405020304" charset="0"/>
+                <a:cs typeface="Times New Roman" panose="02020603050405020304" charset="0"/>
+              </a:rPr>
+              <a:t> Token </a:t>
+            </a:r>
+            <a:r>
+              <a:rPr lang="zh-CN" altLang="en-US">
+                <a:latin typeface="Times New Roman" panose="02020603050405020304" charset="0"/>
+                <a:cs typeface="Times New Roman" panose="02020603050405020304" charset="0"/>
+              </a:rPr>
+              <a:t>后，草稿模型接管控制权。</a:t>
+            </a:r>
+            <a:endParaRPr lang="zh-CN" altLang="en-US">
+              <a:latin typeface="Times New Roman" panose="02020603050405020304" charset="0"/>
+              <a:cs typeface="Times New Roman" panose="02020603050405020304" charset="0"/>
+            </a:endParaRPr>
+          </a:p>
+          <a:p>
+            <a:pPr>
+              <a:lnSpc>
+                <a:spcPct val="120000"/>
+              </a:lnSpc>
+            </a:pPr>
+            <a:r>
+              <a:rPr lang="zh-CN" altLang="en-US" b="1">
+                <a:latin typeface="Times New Roman" panose="02020603050405020304" charset="0"/>
+                <a:cs typeface="Times New Roman" panose="02020603050405020304" charset="0"/>
+              </a:rPr>
+              <a:t>树状预测</a:t>
+            </a:r>
+            <a:r>
+              <a:rPr lang="en-US" altLang="zh-CN" b="1">
+                <a:latin typeface="Times New Roman" panose="02020603050405020304" charset="0"/>
+                <a:cs typeface="Times New Roman" panose="02020603050405020304" charset="0"/>
+              </a:rPr>
+              <a:t> (Tree-based Prediction)</a:t>
+            </a:r>
+            <a:r>
+              <a:rPr lang="zh-CN" altLang="en-US" b="1">
+                <a:latin typeface="Times New Roman" panose="02020603050405020304" charset="0"/>
+                <a:cs typeface="Times New Roman" panose="02020603050405020304" charset="0"/>
+              </a:rPr>
+              <a:t>：</a:t>
+            </a:r>
+            <a:endParaRPr lang="en-US" altLang="zh-CN" b="1">
+              <a:latin typeface="Times New Roman" panose="02020603050405020304" charset="0"/>
+              <a:cs typeface="Times New Roman" panose="02020603050405020304" charset="0"/>
+            </a:endParaRPr>
+          </a:p>
+          <a:p>
+            <a:pPr marL="285750" indent="-285750">
+              <a:lnSpc>
+                <a:spcPct val="120000"/>
+              </a:lnSpc>
+              <a:buFont typeface="Arial" panose="020B0604020202020204" pitchFamily="34" charset="0"/>
+              <a:buChar char="•"/>
+            </a:pPr>
+            <a:r>
+              <a:rPr lang="zh-CN" altLang="en-US">
+                <a:latin typeface="Times New Roman" panose="02020603050405020304" charset="0"/>
+                <a:cs typeface="Times New Roman" panose="02020603050405020304" charset="0"/>
+              </a:rPr>
+              <a:t>它不是只猜一条路，而是基于当前的</a:t>
+            </a:r>
+            <a:r>
+              <a:rPr lang="en-US" altLang="zh-CN">
+                <a:latin typeface="Times New Roman" panose="02020603050405020304" charset="0"/>
+                <a:cs typeface="Times New Roman" panose="02020603050405020304" charset="0"/>
+              </a:rPr>
+              <a:t> Embedding</a:t>
+            </a:r>
+            <a:r>
+              <a:rPr lang="zh-CN" altLang="en-US">
+                <a:latin typeface="Times New Roman" panose="02020603050405020304" charset="0"/>
+                <a:cs typeface="Times New Roman" panose="02020603050405020304" charset="0"/>
+              </a:rPr>
+              <a:t>，快速向未来预测</a:t>
+            </a:r>
+            <a:r>
+              <a:rPr lang="en-US" altLang="zh-CN">
+                <a:latin typeface="Times New Roman" panose="02020603050405020304" charset="0"/>
+                <a:cs typeface="Times New Roman" panose="02020603050405020304" charset="0"/>
+              </a:rPr>
+              <a:t> Draft_Depth </a:t>
+            </a:r>
+            <a:r>
+              <a:rPr lang="zh-CN" altLang="en-US">
+                <a:latin typeface="Times New Roman" panose="02020603050405020304" charset="0"/>
+                <a:cs typeface="Times New Roman" panose="02020603050405020304" charset="0"/>
+              </a:rPr>
+              <a:t>步（比如</a:t>
+            </a:r>
+            <a:r>
+              <a:rPr lang="en-US" altLang="zh-CN">
+                <a:latin typeface="Times New Roman" panose="02020603050405020304" charset="0"/>
+                <a:cs typeface="Times New Roman" panose="02020603050405020304" charset="0"/>
+              </a:rPr>
+              <a:t> 4 </a:t>
+            </a:r>
+            <a:r>
+              <a:rPr lang="zh-CN" altLang="en-US">
+                <a:latin typeface="Times New Roman" panose="02020603050405020304" charset="0"/>
+                <a:cs typeface="Times New Roman" panose="02020603050405020304" charset="0"/>
+              </a:rPr>
+              <a:t>步）。</a:t>
+            </a:r>
+            <a:endParaRPr lang="en-US" altLang="zh-CN">
+              <a:latin typeface="Times New Roman" panose="02020603050405020304" charset="0"/>
+              <a:cs typeface="Times New Roman" panose="02020603050405020304" charset="0"/>
+            </a:endParaRPr>
+          </a:p>
+          <a:p>
+            <a:pPr marL="285750" indent="-285750">
+              <a:lnSpc>
+                <a:spcPct val="120000"/>
+              </a:lnSpc>
+              <a:buFont typeface="Arial" panose="020B0604020202020204" pitchFamily="34" charset="0"/>
+              <a:buChar char="•"/>
+            </a:pPr>
+            <a:r>
+              <a:rPr lang="zh-CN" altLang="en-US">
+                <a:latin typeface="Times New Roman" panose="02020603050405020304" charset="0"/>
+                <a:cs typeface="Times New Roman" panose="02020603050405020304" charset="0"/>
+              </a:rPr>
+              <a:t>基于什么分叉：在每一步，它基于自己的置信度分数</a:t>
+            </a:r>
+            <a:r>
+              <a:rPr lang="en-US" altLang="zh-CN">
+                <a:latin typeface="Times New Roman" panose="02020603050405020304" charset="0"/>
+                <a:cs typeface="Times New Roman" panose="02020603050405020304" charset="0"/>
+              </a:rPr>
+              <a:t> (Token Probability)</a:t>
+            </a:r>
+            <a:r>
+              <a:rPr lang="zh-CN" altLang="en-US">
+                <a:latin typeface="Times New Roman" panose="02020603050405020304" charset="0"/>
+                <a:cs typeface="Times New Roman" panose="02020603050405020304" charset="0"/>
+              </a:rPr>
+              <a:t>，保留前</a:t>
+            </a:r>
+            <a:r>
+              <a:rPr lang="en-US" altLang="zh-CN">
+                <a:latin typeface="Times New Roman" panose="02020603050405020304" charset="0"/>
+                <a:cs typeface="Times New Roman" panose="02020603050405020304" charset="0"/>
+              </a:rPr>
+              <a:t> topK </a:t>
+            </a:r>
+            <a:r>
+              <a:rPr lang="zh-CN" altLang="en-US">
+                <a:latin typeface="Times New Roman" panose="02020603050405020304" charset="0"/>
+                <a:cs typeface="Times New Roman" panose="02020603050405020304" charset="0"/>
+              </a:rPr>
+              <a:t>个最可能的词</a:t>
+            </a:r>
+            <a:endParaRPr lang="zh-CN" altLang="en-US">
+              <a:latin typeface="Times New Roman" panose="02020603050405020304" charset="0"/>
+              <a:cs typeface="Times New Roman" panose="02020603050405020304" charset="0"/>
+            </a:endParaRPr>
+          </a:p>
+          <a:p>
+            <a:pPr marL="285750" indent="-285750">
+              <a:lnSpc>
+                <a:spcPct val="120000"/>
+              </a:lnSpc>
+              <a:buFont typeface="Arial" panose="020B0604020202020204" pitchFamily="34" charset="0"/>
+              <a:buChar char="•"/>
+            </a:pPr>
+            <a:r>
+              <a:rPr lang="zh-CN" altLang="en-US">
+                <a:latin typeface="Times New Roman" panose="02020603050405020304" charset="0"/>
+                <a:cs typeface="Times New Roman" panose="02020603050405020304" charset="0"/>
+              </a:rPr>
+              <a:t>产出：它生成一棵包含多条路径的</a:t>
+            </a:r>
+            <a:r>
+              <a:rPr lang="en-US" altLang="zh-CN">
+                <a:latin typeface="Times New Roman" panose="02020603050405020304" charset="0"/>
+                <a:cs typeface="Times New Roman" panose="02020603050405020304" charset="0"/>
+              </a:rPr>
+              <a:t> Token </a:t>
+            </a:r>
+            <a:r>
+              <a:rPr lang="zh-CN" altLang="en-US">
+                <a:latin typeface="Times New Roman" panose="02020603050405020304" charset="0"/>
+                <a:cs typeface="Times New Roman" panose="02020603050405020304" charset="0"/>
+              </a:rPr>
+              <a:t>树（</a:t>
+            </a:r>
+            <a:r>
+              <a:rPr lang="en-US" altLang="zh-CN">
+                <a:latin typeface="Times New Roman" panose="02020603050405020304" charset="0"/>
+                <a:cs typeface="Times New Roman" panose="02020603050405020304" charset="0"/>
+              </a:rPr>
+              <a:t>Candidate Tree</a:t>
+            </a:r>
+            <a:r>
+              <a:rPr lang="zh-CN" altLang="en-US">
+                <a:latin typeface="Times New Roman" panose="02020603050405020304" charset="0"/>
+                <a:cs typeface="Times New Roman" panose="02020603050405020304" charset="0"/>
+              </a:rPr>
+              <a:t>），而不是一句话。</a:t>
+            </a:r>
+            <a:endParaRPr lang="zh-CN" altLang="en-US">
+              <a:latin typeface="Times New Roman" panose="02020603050405020304" charset="0"/>
+              <a:cs typeface="Times New Roman" panose="02020603050405020304" charset="0"/>
+            </a:endParaRPr>
+          </a:p>
+          <a:p>
+            <a:pPr>
+              <a:lnSpc>
+                <a:spcPct val="120000"/>
+              </a:lnSpc>
+            </a:pPr>
+            <a:r>
+              <a:rPr lang="zh-CN" altLang="en-US">
+                <a:latin typeface="Times New Roman" panose="02020603050405020304" charset="0"/>
+                <a:cs typeface="Times New Roman" panose="02020603050405020304" charset="0"/>
+              </a:rPr>
+              <a:t>提交验证：它把这棵树打包（</a:t>
+            </a:r>
+            <a:r>
+              <a:rPr lang="en-US" altLang="zh-CN">
+                <a:latin typeface="Times New Roman" panose="02020603050405020304" charset="0"/>
+                <a:cs typeface="Times New Roman" panose="02020603050405020304" charset="0"/>
+              </a:rPr>
+              <a:t>TreeVerify</a:t>
+            </a:r>
+            <a:r>
+              <a:rPr lang="zh-CN" altLang="en-US">
+                <a:latin typeface="Times New Roman" panose="02020603050405020304" charset="0"/>
+                <a:cs typeface="Times New Roman" panose="02020603050405020304" charset="0"/>
+              </a:rPr>
+              <a:t>），交还给目标模型。</a:t>
+            </a:r>
+            <a:endParaRPr lang="en-US" altLang="zh-CN">
+              <a:latin typeface="Times New Roman" panose="02020603050405020304" charset="0"/>
+              <a:cs typeface="Times New Roman" panose="02020603050405020304" charset="0"/>
+            </a:endParaRPr>
+          </a:p>
+          <a:p>
+            <a:pPr>
+              <a:lnSpc>
+                <a:spcPct val="120000"/>
+              </a:lnSpc>
+            </a:pPr>
+            <a:r>
+              <a:rPr lang="zh-CN" altLang="en-US">
+                <a:latin typeface="Times New Roman" panose="02020603050405020304" charset="0"/>
+                <a:cs typeface="Times New Roman" panose="02020603050405020304" charset="0"/>
+              </a:rPr>
+              <a:t>并行验证：目标模型看一眼这棵树，并行计算所有节点的概率，告诉草稿模型：</a:t>
+            </a:r>
+            <a:r>
+              <a:rPr lang="en-US" altLang="zh-CN">
+                <a:latin typeface="Times New Roman" panose="02020603050405020304" charset="0"/>
+                <a:cs typeface="Times New Roman" panose="02020603050405020304" charset="0"/>
+              </a:rPr>
+              <a:t>“</a:t>
+            </a:r>
+            <a:r>
+              <a:rPr lang="zh-CN" altLang="en-US">
+                <a:latin typeface="Times New Roman" panose="02020603050405020304" charset="0"/>
+                <a:cs typeface="Times New Roman" panose="02020603050405020304" charset="0"/>
+              </a:rPr>
+              <a:t>这几个是对的，那几个是错的。</a:t>
+            </a:r>
+            <a:r>
+              <a:rPr lang="en-US" altLang="zh-CN">
+                <a:latin typeface="Times New Roman" panose="02020603050405020304" charset="0"/>
+                <a:cs typeface="Times New Roman" panose="02020603050405020304" charset="0"/>
+              </a:rPr>
+              <a:t>”</a:t>
+            </a:r>
+            <a:endParaRPr lang="en-US" altLang="zh-CN">
+              <a:latin typeface="Times New Roman" panose="02020603050405020304" charset="0"/>
+              <a:cs typeface="Times New Roman" panose="02020603050405020304" charset="0"/>
+            </a:endParaRPr>
+          </a:p>
+          <a:p>
+            <a:pPr>
+              <a:lnSpc>
+                <a:spcPct val="120000"/>
+              </a:lnSpc>
+            </a:pPr>
+            <a:r>
+              <a:rPr lang="zh-CN" altLang="en-US">
+                <a:latin typeface="Times New Roman" panose="02020603050405020304" charset="0"/>
+                <a:cs typeface="Times New Roman" panose="02020603050405020304" charset="0"/>
+              </a:rPr>
+              <a:t>结果：被接受的</a:t>
+            </a:r>
+            <a:r>
+              <a:rPr lang="en-US" altLang="zh-CN">
+                <a:latin typeface="Times New Roman" panose="02020603050405020304" charset="0"/>
+                <a:cs typeface="Times New Roman" panose="02020603050405020304" charset="0"/>
+              </a:rPr>
+              <a:t> Token </a:t>
+            </a:r>
+            <a:r>
+              <a:rPr lang="zh-CN" altLang="en-US">
+                <a:latin typeface="Times New Roman" panose="02020603050405020304" charset="0"/>
+                <a:cs typeface="Times New Roman" panose="02020603050405020304" charset="0"/>
+              </a:rPr>
+              <a:t>直接成为最终结果。如果只接受了一部分，草稿模型就从断掉的地方继续下一轮预测。</a:t>
+            </a:r>
+            <a:r>
+              <a:rPr lang="en-US" altLang="zh-CN" b="1">
+                <a:latin typeface="Times New Roman" panose="02020603050405020304" charset="0"/>
+                <a:cs typeface="Times New Roman" panose="02020603050405020304" charset="0"/>
+              </a:rPr>
+              <a:t> </a:t>
+            </a:r>
+            <a:endParaRPr lang="en-US" altLang="zh-CN" b="1">
+              <a:latin typeface="Times New Roman" panose="02020603050405020304" charset="0"/>
+              <a:cs typeface="Times New Roman" panose="02020603050405020304" charset="0"/>
+            </a:endParaRPr>
+          </a:p>
+        </p:txBody>
+      </p:sp>
+    </p:spTree>
+    <p:custDataLst>
+      <p:tags r:id="rId1"/>
+    </p:custDataLst>
+  </p:cSld>
+  <p:clrMapOvr>
+    <a:masterClrMapping/>
+  </p:clrMapOvr>
+</p:sld>
+</file>
+
+<file path=ppt/slides/slide9.xml><?xml version="1.0" encoding="utf-8"?>
+<p:sld xmlns:a="http://schemas.openxmlformats.org/drawingml/2006/main" xmlns:r="http://schemas.openxmlformats.org/officeDocument/2006/relationships" xmlns:p="http://schemas.openxmlformats.org/presentationml/2006/main">
+  <p:cSld>
+    <p:spTree>
+      <p:nvGrpSpPr>
+        <p:cNvPr id="1" name=""/>
+        <p:cNvGrpSpPr/>
+        <p:nvPr/>
+      </p:nvGrpSpPr>
+      <p:grpSpPr>
+        <a:xfrm>
+          <a:off x="0" y="0"/>
+          <a:ext cx="0" cy="0"/>
+          <a:chOff x="0" y="0"/>
+          <a:chExt cx="0" cy="0"/>
+        </a:xfrm>
+      </p:grpSpPr>
+      <p:sp>
+        <p:nvSpPr>
+          <p:cNvPr id="2" name="文本框 1"/>
+          <p:cNvSpPr txBox="1"/>
+          <p:nvPr/>
+        </p:nvSpPr>
+        <p:spPr>
+          <a:xfrm>
+            <a:off x="60960" y="65405"/>
+            <a:ext cx="11892280" cy="460375"/>
+          </a:xfrm>
+          <a:prstGeom prst="rect">
+            <a:avLst/>
+          </a:prstGeom>
+          <a:noFill/>
+        </p:spPr>
+        <p:txBody>
+          <a:bodyPr wrap="square" rtlCol="0">
+            <a:spAutoFit/>
+          </a:bodyPr>
+          <a:p>
+            <a:r>
+              <a:rPr lang="en-US" altLang="zh-CN" sz="2400" b="1">
+                <a:solidFill>
+                  <a:srgbClr val="C00000"/>
+                </a:solidFill>
+                <a:latin typeface="Times New Roman" panose="02020603050405020304" charset="0"/>
+                <a:cs typeface="Times New Roman" panose="02020603050405020304" charset="0"/>
+              </a:rPr>
+              <a:t>Taming the Long-Tail: Efficient Reasoning RL Training with Adaptive Drafter</a:t>
+            </a:r>
+            <a:r>
+              <a:rPr lang="zh-CN" altLang="en-US" sz="1600" b="1">
+                <a:solidFill>
+                  <a:srgbClr val="C00000"/>
+                </a:solidFill>
+                <a:latin typeface="Times New Roman" panose="02020603050405020304" charset="0"/>
+                <a:cs typeface="Times New Roman" panose="02020603050405020304" charset="0"/>
+              </a:rPr>
+              <a:t>（</a:t>
+            </a:r>
+            <a:r>
+              <a:rPr lang="en-US" altLang="zh-CN" sz="1600" b="1">
+                <a:solidFill>
+                  <a:srgbClr val="C00000"/>
+                </a:solidFill>
+                <a:latin typeface="Times New Roman" panose="02020603050405020304" charset="0"/>
+                <a:cs typeface="Times New Roman" panose="02020603050405020304" charset="0"/>
+              </a:rPr>
+              <a:t>ASPLOS 2026</a:t>
+            </a:r>
+            <a:r>
+              <a:rPr lang="zh-CN" altLang="en-US" sz="1600" b="1">
+                <a:solidFill>
+                  <a:srgbClr val="C00000"/>
+                </a:solidFill>
+                <a:latin typeface="Times New Roman" panose="02020603050405020304" charset="0"/>
+                <a:cs typeface="Times New Roman" panose="02020603050405020304" charset="0"/>
+              </a:rPr>
+              <a:t>）</a:t>
+            </a:r>
+            <a:endParaRPr lang="zh-CN" altLang="en-US" sz="1600" b="1">
+              <a:solidFill>
+                <a:srgbClr val="C00000"/>
+              </a:solidFill>
+              <a:latin typeface="Times New Roman" panose="02020603050405020304" charset="0"/>
+              <a:cs typeface="Times New Roman" panose="02020603050405020304" charset="0"/>
+            </a:endParaRPr>
+          </a:p>
+        </p:txBody>
+      </p:sp>
+      <p:sp>
+        <p:nvSpPr>
+          <p:cNvPr id="4" name="文本框 3"/>
+          <p:cNvSpPr txBox="1"/>
+          <p:nvPr/>
+        </p:nvSpPr>
+        <p:spPr>
+          <a:xfrm>
+            <a:off x="282575" y="802640"/>
+            <a:ext cx="11556365" cy="4996180"/>
+          </a:xfrm>
+          <a:prstGeom prst="rect">
+            <a:avLst/>
+          </a:prstGeom>
+          <a:noFill/>
+        </p:spPr>
+        <p:txBody>
+          <a:bodyPr wrap="square" rtlCol="0">
+            <a:spAutoFit/>
+          </a:bodyPr>
+          <a:p>
+            <a:pPr>
+              <a:lnSpc>
+                <a:spcPct val="120000"/>
+              </a:lnSpc>
+            </a:pPr>
+            <a:r>
+              <a:rPr lang="en-US" altLang="zh-CN" b="1">
+                <a:latin typeface="Times New Roman" panose="02020603050405020304" charset="0"/>
+                <a:cs typeface="Times New Roman" panose="02020603050405020304" charset="0"/>
+              </a:rPr>
+              <a:t>BEG-MAB </a:t>
+            </a:r>
+            <a:r>
+              <a:rPr lang="zh-CN" altLang="en-US" b="1">
+                <a:latin typeface="Times New Roman" panose="02020603050405020304" charset="0"/>
+                <a:cs typeface="Times New Roman" panose="02020603050405020304" charset="0"/>
+              </a:rPr>
+              <a:t>自动调优算法</a:t>
+            </a:r>
+            <a:endParaRPr lang="zh-CN" altLang="en-US" b="1">
+              <a:latin typeface="Times New Roman" panose="02020603050405020304" charset="0"/>
+              <a:cs typeface="Times New Roman" panose="02020603050405020304" charset="0"/>
+            </a:endParaRPr>
+          </a:p>
+          <a:p>
+            <a:pPr>
+              <a:lnSpc>
+                <a:spcPct val="120000"/>
+              </a:lnSpc>
+            </a:pPr>
+            <a:r>
+              <a:rPr lang="zh-CN" altLang="en-US" b="1">
+                <a:latin typeface="Times New Roman" panose="02020603050405020304" charset="0"/>
+                <a:cs typeface="Times New Roman" panose="02020603050405020304" charset="0"/>
+              </a:rPr>
+              <a:t>分桶</a:t>
+            </a:r>
+            <a:r>
+              <a:rPr lang="en-US" altLang="zh-CN" b="1">
+                <a:latin typeface="Times New Roman" panose="02020603050405020304" charset="0"/>
+                <a:cs typeface="Times New Roman" panose="02020603050405020304" charset="0"/>
+              </a:rPr>
+              <a:t> Epsilon-Greedy </a:t>
+            </a:r>
+            <a:r>
+              <a:rPr lang="zh-CN" altLang="en-US" b="1">
+                <a:latin typeface="Times New Roman" panose="02020603050405020304" charset="0"/>
+                <a:cs typeface="Times New Roman" panose="02020603050405020304" charset="0"/>
+              </a:rPr>
+              <a:t>多臂老虎机</a:t>
+            </a:r>
+            <a:r>
+              <a:rPr lang="en-US" altLang="zh-CN" b="1">
+                <a:latin typeface="Times New Roman" panose="02020603050405020304" charset="0"/>
+                <a:cs typeface="Times New Roman" panose="02020603050405020304" charset="0"/>
+              </a:rPr>
+              <a:t> (Bucketed $\epsilon$-Greedy MAB)</a:t>
+            </a:r>
+            <a:endParaRPr lang="en-US" altLang="zh-CN" b="1">
+              <a:latin typeface="Times New Roman" panose="02020603050405020304" charset="0"/>
+              <a:cs typeface="Times New Roman" panose="02020603050405020304" charset="0"/>
+            </a:endParaRPr>
+          </a:p>
+          <a:p>
+            <a:pPr>
+              <a:lnSpc>
+                <a:spcPct val="120000"/>
+              </a:lnSpc>
+            </a:pPr>
+            <a:r>
+              <a:rPr lang="zh-CN" altLang="en-US" b="1">
+                <a:latin typeface="Times New Roman" panose="02020603050405020304" charset="0"/>
+                <a:cs typeface="Times New Roman" panose="02020603050405020304" charset="0"/>
+              </a:rPr>
+              <a:t>维护了多个推测解码策略</a:t>
+            </a:r>
+            <a:endParaRPr lang="zh-CN" altLang="en-US" b="1">
+              <a:latin typeface="Times New Roman" panose="02020603050405020304" charset="0"/>
+              <a:cs typeface="Times New Roman" panose="02020603050405020304" charset="0"/>
+            </a:endParaRPr>
+          </a:p>
+          <a:p>
+            <a:pPr>
+              <a:lnSpc>
+                <a:spcPct val="120000"/>
+              </a:lnSpc>
+            </a:pPr>
+            <a:r>
+              <a:rPr lang="zh-CN" altLang="en-US" b="1">
+                <a:latin typeface="Times New Roman" panose="02020603050405020304" charset="0"/>
+                <a:cs typeface="Times New Roman" panose="02020603050405020304" charset="0"/>
+              </a:rPr>
+              <a:t>无</a:t>
+            </a:r>
+            <a:r>
+              <a:rPr lang="en-US" altLang="zh-CN" b="1">
+                <a:latin typeface="Times New Roman" panose="02020603050405020304" charset="0"/>
+                <a:cs typeface="Times New Roman" panose="02020603050405020304" charset="0"/>
+              </a:rPr>
+              <a:t>draft model</a:t>
+            </a:r>
+            <a:r>
+              <a:rPr lang="zh-CN" altLang="en-US" b="1">
+                <a:latin typeface="Times New Roman" panose="02020603050405020304" charset="0"/>
+                <a:cs typeface="Times New Roman" panose="02020603050405020304" charset="0"/>
+              </a:rPr>
+              <a:t>的：</a:t>
+            </a:r>
+            <a:endParaRPr lang="zh-CN" altLang="en-US" b="1">
+              <a:latin typeface="Times New Roman" panose="02020603050405020304" charset="0"/>
+              <a:cs typeface="Times New Roman" panose="02020603050405020304" charset="0"/>
+            </a:endParaRPr>
+          </a:p>
+          <a:p>
+            <a:pPr>
+              <a:lnSpc>
+                <a:spcPct val="120000"/>
+              </a:lnSpc>
+            </a:pPr>
+            <a:r>
+              <a:rPr lang="zh-CN" altLang="en-US" sz="1600">
+                <a:latin typeface="Times New Roman" panose="02020603050405020304" charset="0"/>
+                <a:cs typeface="Times New Roman" panose="02020603050405020304" charset="0"/>
+              </a:rPr>
+              <a:t>论文观察到：同一个</a:t>
+            </a:r>
+            <a:r>
+              <a:rPr lang="en-US" altLang="zh-CN" sz="1600">
+                <a:latin typeface="Times New Roman" panose="02020603050405020304" charset="0"/>
+                <a:cs typeface="Times New Roman" panose="02020603050405020304" charset="0"/>
+              </a:rPr>
+              <a:t> Prompt </a:t>
+            </a:r>
+            <a:r>
+              <a:rPr lang="zh-CN" altLang="en-US" sz="1600">
+                <a:latin typeface="Times New Roman" panose="02020603050405020304" charset="0"/>
+                <a:cs typeface="Times New Roman" panose="02020603050405020304" charset="0"/>
+              </a:rPr>
+              <a:t>生成的这些回答，往往具有高度的相似性。</a:t>
+            </a:r>
+            <a:endParaRPr lang="en-US" altLang="zh-CN" sz="1600">
+              <a:latin typeface="Times New Roman" panose="02020603050405020304" charset="0"/>
+              <a:cs typeface="Times New Roman" panose="02020603050405020304" charset="0"/>
+            </a:endParaRPr>
+          </a:p>
+          <a:p>
+            <a:pPr>
+              <a:lnSpc>
+                <a:spcPct val="120000"/>
+              </a:lnSpc>
+            </a:pPr>
+            <a:r>
+              <a:rPr lang="zh-CN" altLang="en-US" sz="1600">
+                <a:latin typeface="Times New Roman" panose="02020603050405020304" charset="0"/>
+                <a:cs typeface="Times New Roman" panose="02020603050405020304" charset="0"/>
+              </a:rPr>
+              <a:t>维护一个</a:t>
+            </a:r>
+            <a:r>
+              <a:rPr lang="en-US" altLang="zh-CN" sz="1600">
+                <a:latin typeface="Times New Roman" panose="02020603050405020304" charset="0"/>
+                <a:cs typeface="Times New Roman" panose="02020603050405020304" charset="0"/>
+              </a:rPr>
+              <a:t>n-gram</a:t>
+            </a:r>
+            <a:r>
+              <a:rPr lang="zh-CN" altLang="en-US" sz="1600">
+                <a:latin typeface="Times New Roman" panose="02020603050405020304" charset="0"/>
+                <a:cs typeface="Times New Roman" panose="02020603050405020304" charset="0"/>
+              </a:rPr>
+              <a:t>数据库，在当前这一轮</a:t>
+            </a:r>
+            <a:r>
+              <a:rPr lang="en-US" altLang="zh-CN" sz="1600">
+                <a:latin typeface="Times New Roman" panose="02020603050405020304" charset="0"/>
+                <a:cs typeface="Times New Roman" panose="02020603050405020304" charset="0"/>
+              </a:rPr>
+              <a:t> Rollout </a:t>
+            </a:r>
+            <a:r>
+              <a:rPr lang="zh-CN" altLang="en-US" sz="1600">
+                <a:latin typeface="Times New Roman" panose="02020603050405020304" charset="0"/>
+                <a:cs typeface="Times New Roman" panose="02020603050405020304" charset="0"/>
+              </a:rPr>
+              <a:t>中，针对特定</a:t>
+            </a:r>
+            <a:r>
+              <a:rPr lang="en-US" altLang="zh-CN" sz="1600">
+                <a:latin typeface="Times New Roman" panose="02020603050405020304" charset="0"/>
+                <a:cs typeface="Times New Roman" panose="02020603050405020304" charset="0"/>
+              </a:rPr>
+              <a:t> Prompt</a:t>
+            </a:r>
+            <a:r>
+              <a:rPr lang="zh-CN" altLang="en-US" sz="1600">
+                <a:latin typeface="Times New Roman" panose="02020603050405020304" charset="0"/>
+                <a:cs typeface="Times New Roman" panose="02020603050405020304" charset="0"/>
+              </a:rPr>
+              <a:t>，所有跑得快的</a:t>
+            </a:r>
+            <a:r>
+              <a:rPr lang="en-US" altLang="zh-CN" sz="1600">
+                <a:latin typeface="Times New Roman" panose="02020603050405020304" charset="0"/>
+                <a:cs typeface="Times New Roman" panose="02020603050405020304" charset="0"/>
+              </a:rPr>
+              <a:t> Worker </a:t>
+            </a:r>
+            <a:r>
+              <a:rPr lang="zh-CN" altLang="en-US" sz="1600">
+                <a:latin typeface="Times New Roman" panose="02020603050405020304" charset="0"/>
+                <a:cs typeface="Times New Roman" panose="02020603050405020304" charset="0"/>
+              </a:rPr>
+              <a:t>已经生成的文本里，每一个</a:t>
+            </a:r>
+            <a:r>
+              <a:rPr lang="en-US" altLang="zh-CN" sz="1600">
+                <a:latin typeface="Times New Roman" panose="02020603050405020304" charset="0"/>
+                <a:cs typeface="Times New Roman" panose="02020603050405020304" charset="0"/>
+              </a:rPr>
+              <a:t>“n-gram </a:t>
+            </a:r>
+            <a:r>
+              <a:rPr lang="zh-CN" altLang="en-US" sz="1600">
+                <a:latin typeface="Times New Roman" panose="02020603050405020304" charset="0"/>
+                <a:cs typeface="Times New Roman" panose="02020603050405020304" charset="0"/>
+              </a:rPr>
+              <a:t>窗口（</a:t>
+            </a:r>
+            <a:r>
+              <a:rPr lang="en-US" altLang="zh-CN" sz="1600">
+                <a:latin typeface="Times New Roman" panose="02020603050405020304" charset="0"/>
+                <a:cs typeface="Times New Roman" panose="02020603050405020304" charset="0"/>
+              </a:rPr>
+              <a:t>Key</a:t>
+            </a:r>
+            <a:r>
+              <a:rPr lang="zh-CN" altLang="en-US" sz="1600">
+                <a:latin typeface="Times New Roman" panose="02020603050405020304" charset="0"/>
+                <a:cs typeface="Times New Roman" panose="02020603050405020304" charset="0"/>
+              </a:rPr>
+              <a:t>）</a:t>
+            </a:r>
+            <a:r>
+              <a:rPr lang="en-US" altLang="zh-CN" sz="1600">
+                <a:latin typeface="Times New Roman" panose="02020603050405020304" charset="0"/>
+                <a:cs typeface="Times New Roman" panose="02020603050405020304" charset="0"/>
+              </a:rPr>
+              <a:t>”</a:t>
+            </a:r>
+            <a:r>
+              <a:rPr lang="zh-CN" altLang="en-US" sz="1600">
+                <a:latin typeface="Times New Roman" panose="02020603050405020304" charset="0"/>
+                <a:cs typeface="Times New Roman" panose="02020603050405020304" charset="0"/>
+              </a:rPr>
+              <a:t>和它</a:t>
+            </a:r>
+            <a:r>
+              <a:rPr lang="en-US" altLang="zh-CN" sz="1600">
+                <a:latin typeface="Times New Roman" panose="02020603050405020304" charset="0"/>
+                <a:cs typeface="Times New Roman" panose="02020603050405020304" charset="0"/>
+              </a:rPr>
+              <a:t>“</a:t>
+            </a:r>
+            <a:r>
+              <a:rPr lang="zh-CN" altLang="en-US" sz="1600">
+                <a:latin typeface="Times New Roman" panose="02020603050405020304" charset="0"/>
+                <a:cs typeface="Times New Roman" panose="02020603050405020304" charset="0"/>
+              </a:rPr>
+              <a:t>紧接着的后续内容（</a:t>
+            </a:r>
+            <a:r>
+              <a:rPr lang="en-US" altLang="zh-CN" sz="1600">
+                <a:latin typeface="Times New Roman" panose="02020603050405020304" charset="0"/>
+                <a:cs typeface="Times New Roman" panose="02020603050405020304" charset="0"/>
+              </a:rPr>
+              <a:t>Value</a:t>
+            </a:r>
+            <a:r>
+              <a:rPr lang="zh-CN" altLang="en-US" sz="1600">
+                <a:latin typeface="Times New Roman" panose="02020603050405020304" charset="0"/>
+                <a:cs typeface="Times New Roman" panose="02020603050405020304" charset="0"/>
+              </a:rPr>
+              <a:t>）</a:t>
+            </a:r>
+            <a:r>
+              <a:rPr lang="en-US" altLang="zh-CN" sz="1600">
+                <a:latin typeface="Times New Roman" panose="02020603050405020304" charset="0"/>
+                <a:cs typeface="Times New Roman" panose="02020603050405020304" charset="0"/>
+              </a:rPr>
+              <a:t>”</a:t>
+            </a:r>
+            <a:r>
+              <a:rPr lang="zh-CN" altLang="en-US" sz="1600">
+                <a:latin typeface="Times New Roman" panose="02020603050405020304" charset="0"/>
+                <a:cs typeface="Times New Roman" panose="02020603050405020304" charset="0"/>
+              </a:rPr>
+              <a:t>的映射对。</a:t>
+            </a:r>
+            <a:endParaRPr lang="zh-CN" altLang="en-US" sz="1600" b="1">
+              <a:latin typeface="Times New Roman" panose="02020603050405020304" charset="0"/>
+              <a:cs typeface="Times New Roman" panose="02020603050405020304" charset="0"/>
+            </a:endParaRPr>
+          </a:p>
+          <a:p>
+            <a:pPr>
+              <a:lnSpc>
+                <a:spcPct val="120000"/>
+              </a:lnSpc>
+            </a:pPr>
+            <a:r>
+              <a:rPr lang="zh-CN" altLang="en-US" b="1">
+                <a:latin typeface="Times New Roman" panose="02020603050405020304" charset="0"/>
+                <a:cs typeface="Times New Roman" panose="02020603050405020304" charset="0"/>
+              </a:rPr>
+              <a:t>基于</a:t>
+            </a:r>
+            <a:r>
+              <a:rPr lang="en-US" altLang="zh-CN" b="1">
+                <a:latin typeface="Times New Roman" panose="02020603050405020304" charset="0"/>
+                <a:cs typeface="Times New Roman" panose="02020603050405020304" charset="0"/>
+              </a:rPr>
+              <a:t>draft model</a:t>
+            </a:r>
+            <a:r>
+              <a:rPr lang="zh-CN" altLang="en-US" b="1">
+                <a:latin typeface="Times New Roman" panose="02020603050405020304" charset="0"/>
+                <a:cs typeface="Times New Roman" panose="02020603050405020304" charset="0"/>
+              </a:rPr>
+              <a:t>的：</a:t>
+            </a:r>
+            <a:endParaRPr lang="zh-CN" altLang="en-US" b="1">
+              <a:latin typeface="Times New Roman" panose="02020603050405020304" charset="0"/>
+              <a:cs typeface="Times New Roman" panose="02020603050405020304" charset="0"/>
+            </a:endParaRPr>
+          </a:p>
+          <a:p>
+            <a:pPr>
+              <a:lnSpc>
+                <a:spcPct val="120000"/>
+              </a:lnSpc>
+            </a:pPr>
+            <a:r>
+              <a:rPr lang="zh-CN" altLang="en-US" sz="1600">
+                <a:latin typeface="Times New Roman" panose="02020603050405020304" charset="0"/>
+                <a:cs typeface="Times New Roman" panose="02020603050405020304" charset="0"/>
+              </a:rPr>
+              <a:t>当目标模型生成了一个</a:t>
+            </a:r>
+            <a:r>
+              <a:rPr lang="en-US" altLang="zh-CN" sz="1600">
+                <a:latin typeface="Times New Roman" panose="02020603050405020304" charset="0"/>
+                <a:cs typeface="Times New Roman" panose="02020603050405020304" charset="0"/>
+              </a:rPr>
+              <a:t> Token </a:t>
+            </a:r>
+            <a:r>
+              <a:rPr lang="zh-CN" altLang="en-US" sz="1600">
+                <a:latin typeface="Times New Roman" panose="02020603050405020304" charset="0"/>
+                <a:cs typeface="Times New Roman" panose="02020603050405020304" charset="0"/>
+              </a:rPr>
+              <a:t>后，草稿模型接管控制权。</a:t>
+            </a:r>
+            <a:endParaRPr lang="zh-CN" altLang="en-US" sz="1600">
+              <a:latin typeface="Times New Roman" panose="02020603050405020304" charset="0"/>
+              <a:cs typeface="Times New Roman" panose="02020603050405020304" charset="0"/>
+            </a:endParaRPr>
+          </a:p>
+          <a:p>
+            <a:pPr>
+              <a:lnSpc>
+                <a:spcPct val="120000"/>
+              </a:lnSpc>
+            </a:pPr>
+            <a:r>
+              <a:rPr lang="zh-CN" altLang="en-US" sz="1600" b="1">
+                <a:latin typeface="Times New Roman" panose="02020603050405020304" charset="0"/>
+                <a:cs typeface="Times New Roman" panose="02020603050405020304" charset="0"/>
+              </a:rPr>
+              <a:t>树状预测</a:t>
+            </a:r>
+            <a:r>
+              <a:rPr lang="en-US" altLang="zh-CN" sz="1600" b="1">
+                <a:latin typeface="Times New Roman" panose="02020603050405020304" charset="0"/>
+                <a:cs typeface="Times New Roman" panose="02020603050405020304" charset="0"/>
+              </a:rPr>
+              <a:t> (Tree-based Prediction)</a:t>
+            </a:r>
+            <a:r>
+              <a:rPr lang="zh-CN" altLang="en-US" sz="1600" b="1">
+                <a:latin typeface="Times New Roman" panose="02020603050405020304" charset="0"/>
+                <a:cs typeface="Times New Roman" panose="02020603050405020304" charset="0"/>
+              </a:rPr>
+              <a:t>：</a:t>
+            </a:r>
+            <a:endParaRPr lang="en-US" altLang="zh-CN" sz="1600" b="1">
+              <a:latin typeface="Times New Roman" panose="02020603050405020304" charset="0"/>
+              <a:cs typeface="Times New Roman" panose="02020603050405020304" charset="0"/>
+            </a:endParaRPr>
+          </a:p>
+          <a:p>
+            <a:pPr marL="285750" indent="-285750">
+              <a:lnSpc>
+                <a:spcPct val="120000"/>
+              </a:lnSpc>
+              <a:buFont typeface="Arial" panose="020B0604020202020204" pitchFamily="34" charset="0"/>
+              <a:buChar char="•"/>
+            </a:pPr>
+            <a:r>
+              <a:rPr lang="zh-CN" altLang="en-US" sz="1600">
+                <a:latin typeface="Times New Roman" panose="02020603050405020304" charset="0"/>
+                <a:cs typeface="Times New Roman" panose="02020603050405020304" charset="0"/>
+              </a:rPr>
+              <a:t>它不是只猜一条路，而是基于当前的</a:t>
+            </a:r>
+            <a:r>
+              <a:rPr lang="en-US" altLang="zh-CN" sz="1600">
+                <a:latin typeface="Times New Roman" panose="02020603050405020304" charset="0"/>
+                <a:cs typeface="Times New Roman" panose="02020603050405020304" charset="0"/>
+              </a:rPr>
+              <a:t> Embedding</a:t>
+            </a:r>
+            <a:r>
+              <a:rPr lang="zh-CN" altLang="en-US" sz="1600">
+                <a:latin typeface="Times New Roman" panose="02020603050405020304" charset="0"/>
+                <a:cs typeface="Times New Roman" panose="02020603050405020304" charset="0"/>
+              </a:rPr>
+              <a:t>，快速向未来预测</a:t>
+            </a:r>
+            <a:r>
+              <a:rPr lang="en-US" altLang="zh-CN" sz="1600">
+                <a:latin typeface="Times New Roman" panose="02020603050405020304" charset="0"/>
+                <a:cs typeface="Times New Roman" panose="02020603050405020304" charset="0"/>
+              </a:rPr>
+              <a:t> Draft_Depth </a:t>
+            </a:r>
+            <a:r>
+              <a:rPr lang="zh-CN" altLang="en-US" sz="1600">
+                <a:latin typeface="Times New Roman" panose="02020603050405020304" charset="0"/>
+                <a:cs typeface="Times New Roman" panose="02020603050405020304" charset="0"/>
+              </a:rPr>
+              <a:t>步（比如</a:t>
+            </a:r>
+            <a:r>
+              <a:rPr lang="en-US" altLang="zh-CN" sz="1600">
+                <a:latin typeface="Times New Roman" panose="02020603050405020304" charset="0"/>
+                <a:cs typeface="Times New Roman" panose="02020603050405020304" charset="0"/>
+              </a:rPr>
+              <a:t> 4 </a:t>
+            </a:r>
+            <a:r>
+              <a:rPr lang="zh-CN" altLang="en-US" sz="1600">
+                <a:latin typeface="Times New Roman" panose="02020603050405020304" charset="0"/>
+                <a:cs typeface="Times New Roman" panose="02020603050405020304" charset="0"/>
+              </a:rPr>
+              <a:t>步）。</a:t>
+            </a:r>
+            <a:endParaRPr lang="en-US" altLang="zh-CN" sz="1600">
+              <a:latin typeface="Times New Roman" panose="02020603050405020304" charset="0"/>
+              <a:cs typeface="Times New Roman" panose="02020603050405020304" charset="0"/>
+            </a:endParaRPr>
+          </a:p>
+          <a:p>
+            <a:pPr marL="285750" indent="-285750">
+              <a:lnSpc>
+                <a:spcPct val="120000"/>
+              </a:lnSpc>
+              <a:buFont typeface="Arial" panose="020B0604020202020204" pitchFamily="34" charset="0"/>
+              <a:buChar char="•"/>
+            </a:pPr>
+            <a:r>
+              <a:rPr lang="zh-CN" altLang="en-US" sz="1600">
+                <a:latin typeface="Times New Roman" panose="02020603050405020304" charset="0"/>
+                <a:cs typeface="Times New Roman" panose="02020603050405020304" charset="0"/>
+              </a:rPr>
+              <a:t>基于什么分叉：在每一步，它基于自己的置信度分数</a:t>
+            </a:r>
+            <a:r>
+              <a:rPr lang="en-US" altLang="zh-CN" sz="1600">
+                <a:latin typeface="Times New Roman" panose="02020603050405020304" charset="0"/>
+                <a:cs typeface="Times New Roman" panose="02020603050405020304" charset="0"/>
+              </a:rPr>
+              <a:t> (Token Probability)</a:t>
+            </a:r>
+            <a:r>
+              <a:rPr lang="zh-CN" altLang="en-US" sz="1600">
+                <a:latin typeface="Times New Roman" panose="02020603050405020304" charset="0"/>
+                <a:cs typeface="Times New Roman" panose="02020603050405020304" charset="0"/>
+              </a:rPr>
+              <a:t>，保留前</a:t>
+            </a:r>
+            <a:r>
+              <a:rPr lang="en-US" altLang="zh-CN" sz="1600">
+                <a:latin typeface="Times New Roman" panose="02020603050405020304" charset="0"/>
+                <a:cs typeface="Times New Roman" panose="02020603050405020304" charset="0"/>
+              </a:rPr>
+              <a:t> topK </a:t>
+            </a:r>
+            <a:r>
+              <a:rPr lang="zh-CN" altLang="en-US" sz="1600">
+                <a:latin typeface="Times New Roman" panose="02020603050405020304" charset="0"/>
+                <a:cs typeface="Times New Roman" panose="02020603050405020304" charset="0"/>
+              </a:rPr>
+              <a:t>个最可能的词</a:t>
+            </a:r>
+            <a:endParaRPr lang="zh-CN" altLang="en-US" sz="1600">
+              <a:latin typeface="Times New Roman" panose="02020603050405020304" charset="0"/>
+              <a:cs typeface="Times New Roman" panose="02020603050405020304" charset="0"/>
+            </a:endParaRPr>
+          </a:p>
+          <a:p>
+            <a:pPr marL="285750" indent="-285750">
+              <a:lnSpc>
+                <a:spcPct val="120000"/>
+              </a:lnSpc>
+              <a:buFont typeface="Arial" panose="020B0604020202020204" pitchFamily="34" charset="0"/>
+              <a:buChar char="•"/>
+            </a:pPr>
+            <a:r>
+              <a:rPr lang="zh-CN" altLang="en-US" sz="1600">
+                <a:latin typeface="Times New Roman" panose="02020603050405020304" charset="0"/>
+                <a:cs typeface="Times New Roman" panose="02020603050405020304" charset="0"/>
+              </a:rPr>
+              <a:t>产出：它生成一棵包含多条路径的</a:t>
+            </a:r>
+            <a:r>
+              <a:rPr lang="en-US" altLang="zh-CN" sz="1600">
+                <a:latin typeface="Times New Roman" panose="02020603050405020304" charset="0"/>
+                <a:cs typeface="Times New Roman" panose="02020603050405020304" charset="0"/>
+              </a:rPr>
+              <a:t> Token </a:t>
+            </a:r>
+            <a:r>
+              <a:rPr lang="zh-CN" altLang="en-US" sz="1600">
+                <a:latin typeface="Times New Roman" panose="02020603050405020304" charset="0"/>
+                <a:cs typeface="Times New Roman" panose="02020603050405020304" charset="0"/>
+              </a:rPr>
+              <a:t>树（</a:t>
+            </a:r>
+            <a:r>
+              <a:rPr lang="en-US" altLang="zh-CN" sz="1600">
+                <a:latin typeface="Times New Roman" panose="02020603050405020304" charset="0"/>
+                <a:cs typeface="Times New Roman" panose="02020603050405020304" charset="0"/>
+              </a:rPr>
+              <a:t>Candidate Tree</a:t>
+            </a:r>
+            <a:r>
+              <a:rPr lang="zh-CN" altLang="en-US" sz="1600">
+                <a:latin typeface="Times New Roman" panose="02020603050405020304" charset="0"/>
+                <a:cs typeface="Times New Roman" panose="02020603050405020304" charset="0"/>
+              </a:rPr>
+              <a:t>），而不是一句话。</a:t>
+            </a:r>
+            <a:endParaRPr lang="zh-CN" altLang="en-US" sz="1600">
+              <a:latin typeface="Times New Roman" panose="02020603050405020304" charset="0"/>
+              <a:cs typeface="Times New Roman" panose="02020603050405020304" charset="0"/>
+            </a:endParaRPr>
+          </a:p>
+          <a:p>
+            <a:pPr>
+              <a:lnSpc>
+                <a:spcPct val="120000"/>
+              </a:lnSpc>
+            </a:pPr>
+            <a:r>
+              <a:rPr lang="zh-CN" altLang="en-US" sz="1600">
+                <a:latin typeface="Times New Roman" panose="02020603050405020304" charset="0"/>
+                <a:cs typeface="Times New Roman" panose="02020603050405020304" charset="0"/>
+              </a:rPr>
+              <a:t>提交验证：它把这棵树打包（</a:t>
+            </a:r>
+            <a:r>
+              <a:rPr lang="en-US" altLang="zh-CN" sz="1600">
+                <a:latin typeface="Times New Roman" panose="02020603050405020304" charset="0"/>
+                <a:cs typeface="Times New Roman" panose="02020603050405020304" charset="0"/>
+              </a:rPr>
+              <a:t>TreeVerify</a:t>
+            </a:r>
+            <a:r>
+              <a:rPr lang="zh-CN" altLang="en-US" sz="1600">
+                <a:latin typeface="Times New Roman" panose="02020603050405020304" charset="0"/>
+                <a:cs typeface="Times New Roman" panose="02020603050405020304" charset="0"/>
+              </a:rPr>
+              <a:t>），交还给目标模型。</a:t>
+            </a:r>
+            <a:endParaRPr lang="en-US" altLang="zh-CN" sz="1600">
+              <a:latin typeface="Times New Roman" panose="02020603050405020304" charset="0"/>
+              <a:cs typeface="Times New Roman" panose="02020603050405020304" charset="0"/>
+            </a:endParaRPr>
+          </a:p>
+          <a:p>
+            <a:pPr>
+              <a:lnSpc>
+                <a:spcPct val="120000"/>
+              </a:lnSpc>
+            </a:pPr>
+            <a:r>
+              <a:rPr lang="zh-CN" altLang="en-US" sz="1600">
+                <a:latin typeface="Times New Roman" panose="02020603050405020304" charset="0"/>
+                <a:cs typeface="Times New Roman" panose="02020603050405020304" charset="0"/>
+              </a:rPr>
+              <a:t>并行验证：目标模型看一眼这棵树，并行计算所有节点的概率，告诉草稿模型：</a:t>
+            </a:r>
+            <a:r>
+              <a:rPr lang="en-US" altLang="zh-CN" sz="1600">
+                <a:latin typeface="Times New Roman" panose="02020603050405020304" charset="0"/>
+                <a:cs typeface="Times New Roman" panose="02020603050405020304" charset="0"/>
+              </a:rPr>
+              <a:t>“</a:t>
+            </a:r>
+            <a:r>
+              <a:rPr lang="zh-CN" altLang="en-US" sz="1600">
+                <a:latin typeface="Times New Roman" panose="02020603050405020304" charset="0"/>
+                <a:cs typeface="Times New Roman" panose="02020603050405020304" charset="0"/>
+              </a:rPr>
+              <a:t>这几个是对的，那几个是错的。</a:t>
+            </a:r>
+            <a:r>
+              <a:rPr lang="en-US" altLang="zh-CN" sz="1600">
+                <a:latin typeface="Times New Roman" panose="02020603050405020304" charset="0"/>
+                <a:cs typeface="Times New Roman" panose="02020603050405020304" charset="0"/>
+              </a:rPr>
+              <a:t>”</a:t>
+            </a:r>
+            <a:endParaRPr lang="en-US" altLang="zh-CN" sz="1600">
+              <a:latin typeface="Times New Roman" panose="02020603050405020304" charset="0"/>
+              <a:cs typeface="Times New Roman" panose="02020603050405020304" charset="0"/>
+            </a:endParaRPr>
+          </a:p>
+          <a:p>
+            <a:pPr>
+              <a:lnSpc>
+                <a:spcPct val="120000"/>
+              </a:lnSpc>
+            </a:pPr>
+            <a:r>
+              <a:rPr lang="zh-CN" altLang="en-US" sz="1600">
+                <a:latin typeface="Times New Roman" panose="02020603050405020304" charset="0"/>
+                <a:cs typeface="Times New Roman" panose="02020603050405020304" charset="0"/>
+              </a:rPr>
+              <a:t>结果：被接受的</a:t>
+            </a:r>
+            <a:r>
+              <a:rPr lang="en-US" altLang="zh-CN" sz="1600">
+                <a:latin typeface="Times New Roman" panose="02020603050405020304" charset="0"/>
+                <a:cs typeface="Times New Roman" panose="02020603050405020304" charset="0"/>
+              </a:rPr>
+              <a:t> Token </a:t>
+            </a:r>
+            <a:r>
+              <a:rPr lang="zh-CN" altLang="en-US" sz="1600">
+                <a:latin typeface="Times New Roman" panose="02020603050405020304" charset="0"/>
+                <a:cs typeface="Times New Roman" panose="02020603050405020304" charset="0"/>
+              </a:rPr>
+              <a:t>直接成为最终结果。如果只接受了一部分，草稿模型就从断掉的地方继续下一轮预测。</a:t>
+            </a:r>
+            <a:r>
+              <a:rPr lang="en-US" altLang="zh-CN" sz="1600" b="1">
+                <a:latin typeface="Times New Roman" panose="02020603050405020304" charset="0"/>
+                <a:cs typeface="Times New Roman" panose="02020603050405020304" charset="0"/>
+              </a:rPr>
+              <a:t> </a:t>
+            </a:r>
+            <a:endParaRPr lang="en-US" altLang="zh-CN" sz="1600" b="1">
+              <a:latin typeface="Times New Roman" panose="02020603050405020304" charset="0"/>
+              <a:cs typeface="Times New Roman" panose="02020603050405020304" charset="0"/>
+            </a:endParaRPr>
+          </a:p>
+        </p:txBody>
+      </p:sp>
     </p:spTree>
     <p:custDataLst>
       <p:tags r:id="rId1"/>
@@ -5883,6 +11240,111 @@
 </p:tagLst>
 </file>
 
+<file path=ppt/tags/tag65.xml><?xml version="1.0" encoding="utf-8"?>
+<p:tagLst xmlns:p="http://schemas.openxmlformats.org/presentationml/2006/main">
+  <p:tag name="KSO_WM_SLIDE_ID" val="custom20205081_1"/>
+  <p:tag name="KSO_WM_TEMPLATE_SUBCATEGORY" val="19"/>
+  <p:tag name="KSO_WM_TEMPLATE_MASTER_TYPE" val="0"/>
+  <p:tag name="KSO_WM_TEMPLATE_COLOR_TYPE" val="1"/>
+  <p:tag name="KSO_WM_SLIDE_TYPE" val="title"/>
+  <p:tag name="KSO_WM_SLIDE_SUBTYPE" val="defaultBlank"/>
+  <p:tag name="KSO_WM_SLIDE_ITEM_CNT" val="0"/>
+  <p:tag name="KSO_WM_SLIDE_INDEX" val="1"/>
+  <p:tag name="KSO_WM_TAG_VERSION" val="1.0"/>
+  <p:tag name="KSO_WM_BEAUTIFY_FLAG" val="#wm#"/>
+  <p:tag name="KSO_WM_TEMPLATE_CATEGORY" val="custom"/>
+  <p:tag name="KSO_WM_TEMPLATE_INDEX" val="20205081"/>
+  <p:tag name="KSO_WM_SLIDE_LAYOUT" val="a_b"/>
+  <p:tag name="KSO_WM_SLIDE_LAYOUT_CNT" val="1_1"/>
+  <p:tag name="KSO_WM_UNIT_SHOW_EDIT_AREA_INDICATION" val="1"/>
+  <p:tag name="KSO_WM_TEMPLATE_THUMBS_INDEX" val="1、4、7、12、13、14、15、16、17、18、20、24、25、28、33、36、40、43、44"/>
+</p:tagLst>
+</file>
+
+<file path=ppt/tags/tag66.xml><?xml version="1.0" encoding="utf-8"?>
+<p:tagLst xmlns:p="http://schemas.openxmlformats.org/presentationml/2006/main">
+  <p:tag name="KSO_WM_SLIDE_ID" val="custom20205081_1"/>
+  <p:tag name="KSO_WM_TEMPLATE_SUBCATEGORY" val="19"/>
+  <p:tag name="KSO_WM_TEMPLATE_MASTER_TYPE" val="0"/>
+  <p:tag name="KSO_WM_TEMPLATE_COLOR_TYPE" val="1"/>
+  <p:tag name="KSO_WM_SLIDE_TYPE" val="title"/>
+  <p:tag name="KSO_WM_SLIDE_SUBTYPE" val="defaultBlank"/>
+  <p:tag name="KSO_WM_SLIDE_ITEM_CNT" val="0"/>
+  <p:tag name="KSO_WM_SLIDE_INDEX" val="1"/>
+  <p:tag name="KSO_WM_TAG_VERSION" val="1.0"/>
+  <p:tag name="KSO_WM_BEAUTIFY_FLAG" val="#wm#"/>
+  <p:tag name="KSO_WM_TEMPLATE_CATEGORY" val="custom"/>
+  <p:tag name="KSO_WM_TEMPLATE_INDEX" val="20205081"/>
+  <p:tag name="KSO_WM_SLIDE_LAYOUT" val="a_b"/>
+  <p:tag name="KSO_WM_SLIDE_LAYOUT_CNT" val="1_1"/>
+  <p:tag name="KSO_WM_UNIT_SHOW_EDIT_AREA_INDICATION" val="1"/>
+  <p:tag name="KSO_WM_TEMPLATE_THUMBS_INDEX" val="1、4、7、12、13、14、15、16、17、18、20、24、25、28、33、36、40、43、44"/>
+</p:tagLst>
+</file>
+
+<file path=ppt/tags/tag67.xml><?xml version="1.0" encoding="utf-8"?>
+<p:tagLst xmlns:p="http://schemas.openxmlformats.org/presentationml/2006/main">
+  <p:tag name="KSO_WM_SLIDE_ID" val="custom20205081_1"/>
+  <p:tag name="KSO_WM_TEMPLATE_SUBCATEGORY" val="19"/>
+  <p:tag name="KSO_WM_TEMPLATE_MASTER_TYPE" val="0"/>
+  <p:tag name="KSO_WM_TEMPLATE_COLOR_TYPE" val="1"/>
+  <p:tag name="KSO_WM_SLIDE_TYPE" val="title"/>
+  <p:tag name="KSO_WM_SLIDE_SUBTYPE" val="defaultBlank"/>
+  <p:tag name="KSO_WM_SLIDE_ITEM_CNT" val="0"/>
+  <p:tag name="KSO_WM_SLIDE_INDEX" val="1"/>
+  <p:tag name="KSO_WM_TAG_VERSION" val="1.0"/>
+  <p:tag name="KSO_WM_BEAUTIFY_FLAG" val="#wm#"/>
+  <p:tag name="KSO_WM_TEMPLATE_CATEGORY" val="custom"/>
+  <p:tag name="KSO_WM_TEMPLATE_INDEX" val="20205081"/>
+  <p:tag name="KSO_WM_SLIDE_LAYOUT" val="a_b"/>
+  <p:tag name="KSO_WM_SLIDE_LAYOUT_CNT" val="1_1"/>
+  <p:tag name="KSO_WM_UNIT_SHOW_EDIT_AREA_INDICATION" val="1"/>
+  <p:tag name="KSO_WM_TEMPLATE_THUMBS_INDEX" val="1、4、7、12、13、14、15、16、17、18、20、24、25、28、33、36、40、43、44"/>
+</p:tagLst>
+</file>
+
+<file path=ppt/tags/tag68.xml><?xml version="1.0" encoding="utf-8"?>
+<p:tagLst xmlns:p="http://schemas.openxmlformats.org/presentationml/2006/main">
+  <p:tag name="KSO_WM_SLIDE_ID" val="custom20205081_1"/>
+  <p:tag name="KSO_WM_TEMPLATE_SUBCATEGORY" val="19"/>
+  <p:tag name="KSO_WM_TEMPLATE_MASTER_TYPE" val="0"/>
+  <p:tag name="KSO_WM_TEMPLATE_COLOR_TYPE" val="1"/>
+  <p:tag name="KSO_WM_SLIDE_TYPE" val="title"/>
+  <p:tag name="KSO_WM_SLIDE_SUBTYPE" val="defaultBlank"/>
+  <p:tag name="KSO_WM_SLIDE_ITEM_CNT" val="0"/>
+  <p:tag name="KSO_WM_SLIDE_INDEX" val="1"/>
+  <p:tag name="KSO_WM_TAG_VERSION" val="1.0"/>
+  <p:tag name="KSO_WM_BEAUTIFY_FLAG" val="#wm#"/>
+  <p:tag name="KSO_WM_TEMPLATE_CATEGORY" val="custom"/>
+  <p:tag name="KSO_WM_TEMPLATE_INDEX" val="20205081"/>
+  <p:tag name="KSO_WM_SLIDE_LAYOUT" val="a_b"/>
+  <p:tag name="KSO_WM_SLIDE_LAYOUT_CNT" val="1_1"/>
+  <p:tag name="KSO_WM_UNIT_SHOW_EDIT_AREA_INDICATION" val="1"/>
+  <p:tag name="KSO_WM_TEMPLATE_THUMBS_INDEX" val="1、4、7、12、13、14、15、16、17、18、20、24、25、28、33、36、40、43、44"/>
+</p:tagLst>
+</file>
+
+<file path=ppt/tags/tag69.xml><?xml version="1.0" encoding="utf-8"?>
+<p:tagLst xmlns:p="http://schemas.openxmlformats.org/presentationml/2006/main">
+  <p:tag name="KSO_WM_SLIDE_ID" val="custom20205081_1"/>
+  <p:tag name="KSO_WM_TEMPLATE_SUBCATEGORY" val="19"/>
+  <p:tag name="KSO_WM_TEMPLATE_MASTER_TYPE" val="0"/>
+  <p:tag name="KSO_WM_TEMPLATE_COLOR_TYPE" val="1"/>
+  <p:tag name="KSO_WM_SLIDE_TYPE" val="title"/>
+  <p:tag name="KSO_WM_SLIDE_SUBTYPE" val="defaultBlank"/>
+  <p:tag name="KSO_WM_SLIDE_ITEM_CNT" val="0"/>
+  <p:tag name="KSO_WM_SLIDE_INDEX" val="1"/>
+  <p:tag name="KSO_WM_TAG_VERSION" val="1.0"/>
+  <p:tag name="KSO_WM_BEAUTIFY_FLAG" val="#wm#"/>
+  <p:tag name="KSO_WM_TEMPLATE_CATEGORY" val="custom"/>
+  <p:tag name="KSO_WM_TEMPLATE_INDEX" val="20205081"/>
+  <p:tag name="KSO_WM_SLIDE_LAYOUT" val="a_b"/>
+  <p:tag name="KSO_WM_SLIDE_LAYOUT_CNT" val="1_1"/>
+  <p:tag name="KSO_WM_UNIT_SHOW_EDIT_AREA_INDICATION" val="1"/>
+  <p:tag name="KSO_WM_TEMPLATE_THUMBS_INDEX" val="1、4、7、12、13、14、15、16、17、18、20、24、25、28、33、36、40、43、44"/>
+</p:tagLst>
+</file>
+
 <file path=ppt/tags/tag7.xml><?xml version="1.0" encoding="utf-8"?>
 <p:tagLst xmlns:p="http://schemas.openxmlformats.org/presentationml/2006/main">
   <p:tag name="KSO_WM_UNIT_HIGHLIGHT" val="0"/>
@@ -5893,6 +11355,153 @@
   <p:tag name="KSO_WM_UNIT_LAYERLEVEL" val="1"/>
   <p:tag name="KSO_WM_TAG_VERSION" val="1.0"/>
   <p:tag name="KSO_WM_BEAUTIFY_FLAG" val="#wm#"/>
+</p:tagLst>
+</file>
+
+<file path=ppt/tags/tag70.xml><?xml version="1.0" encoding="utf-8"?>
+<p:tagLst xmlns:p="http://schemas.openxmlformats.org/presentationml/2006/main">
+  <p:tag name="KSO_WM_SLIDE_ID" val="custom20205081_1"/>
+  <p:tag name="KSO_WM_TEMPLATE_SUBCATEGORY" val="19"/>
+  <p:tag name="KSO_WM_TEMPLATE_MASTER_TYPE" val="0"/>
+  <p:tag name="KSO_WM_TEMPLATE_COLOR_TYPE" val="1"/>
+  <p:tag name="KSO_WM_SLIDE_TYPE" val="title"/>
+  <p:tag name="KSO_WM_SLIDE_SUBTYPE" val="defaultBlank"/>
+  <p:tag name="KSO_WM_SLIDE_ITEM_CNT" val="0"/>
+  <p:tag name="KSO_WM_SLIDE_INDEX" val="1"/>
+  <p:tag name="KSO_WM_TAG_VERSION" val="1.0"/>
+  <p:tag name="KSO_WM_BEAUTIFY_FLAG" val="#wm#"/>
+  <p:tag name="KSO_WM_TEMPLATE_CATEGORY" val="custom"/>
+  <p:tag name="KSO_WM_TEMPLATE_INDEX" val="20205081"/>
+  <p:tag name="KSO_WM_SLIDE_LAYOUT" val="a_b"/>
+  <p:tag name="KSO_WM_SLIDE_LAYOUT_CNT" val="1_1"/>
+  <p:tag name="KSO_WM_UNIT_SHOW_EDIT_AREA_INDICATION" val="1"/>
+  <p:tag name="KSO_WM_TEMPLATE_THUMBS_INDEX" val="1、4、7、12、13、14、15、16、17、18、20、24、25、28、33、36、40、43、44"/>
+</p:tagLst>
+</file>
+
+<file path=ppt/tags/tag71.xml><?xml version="1.0" encoding="utf-8"?>
+<p:tagLst xmlns:p="http://schemas.openxmlformats.org/presentationml/2006/main">
+  <p:tag name="KSO_WM_SLIDE_ID" val="custom20205081_1"/>
+  <p:tag name="KSO_WM_TEMPLATE_SUBCATEGORY" val="19"/>
+  <p:tag name="KSO_WM_TEMPLATE_MASTER_TYPE" val="0"/>
+  <p:tag name="KSO_WM_TEMPLATE_COLOR_TYPE" val="1"/>
+  <p:tag name="KSO_WM_SLIDE_TYPE" val="title"/>
+  <p:tag name="KSO_WM_SLIDE_SUBTYPE" val="defaultBlank"/>
+  <p:tag name="KSO_WM_SLIDE_ITEM_CNT" val="0"/>
+  <p:tag name="KSO_WM_SLIDE_INDEX" val="1"/>
+  <p:tag name="KSO_WM_TAG_VERSION" val="1.0"/>
+  <p:tag name="KSO_WM_BEAUTIFY_FLAG" val="#wm#"/>
+  <p:tag name="KSO_WM_TEMPLATE_CATEGORY" val="custom"/>
+  <p:tag name="KSO_WM_TEMPLATE_INDEX" val="20205081"/>
+  <p:tag name="KSO_WM_SLIDE_LAYOUT" val="a_b"/>
+  <p:tag name="KSO_WM_SLIDE_LAYOUT_CNT" val="1_1"/>
+  <p:tag name="KSO_WM_UNIT_SHOW_EDIT_AREA_INDICATION" val="1"/>
+  <p:tag name="KSO_WM_TEMPLATE_THUMBS_INDEX" val="1、4、7、12、13、14、15、16、17、18、20、24、25、28、33、36、40、43、44"/>
+</p:tagLst>
+</file>
+
+<file path=ppt/tags/tag72.xml><?xml version="1.0" encoding="utf-8"?>
+<p:tagLst xmlns:p="http://schemas.openxmlformats.org/presentationml/2006/main">
+  <p:tag name="KSO_WM_SLIDE_ID" val="custom20205081_1"/>
+  <p:tag name="KSO_WM_TEMPLATE_SUBCATEGORY" val="19"/>
+  <p:tag name="KSO_WM_TEMPLATE_MASTER_TYPE" val="0"/>
+  <p:tag name="KSO_WM_TEMPLATE_COLOR_TYPE" val="1"/>
+  <p:tag name="KSO_WM_SLIDE_TYPE" val="title"/>
+  <p:tag name="KSO_WM_SLIDE_SUBTYPE" val="defaultBlank"/>
+  <p:tag name="KSO_WM_SLIDE_ITEM_CNT" val="0"/>
+  <p:tag name="KSO_WM_SLIDE_INDEX" val="1"/>
+  <p:tag name="KSO_WM_TAG_VERSION" val="1.0"/>
+  <p:tag name="KSO_WM_BEAUTIFY_FLAG" val="#wm#"/>
+  <p:tag name="KSO_WM_TEMPLATE_CATEGORY" val="custom"/>
+  <p:tag name="KSO_WM_TEMPLATE_INDEX" val="20205081"/>
+  <p:tag name="KSO_WM_SLIDE_LAYOUT" val="a_b"/>
+  <p:tag name="KSO_WM_SLIDE_LAYOUT_CNT" val="1_1"/>
+  <p:tag name="KSO_WM_UNIT_SHOW_EDIT_AREA_INDICATION" val="1"/>
+  <p:tag name="KSO_WM_TEMPLATE_THUMBS_INDEX" val="1、4、7、12、13、14、15、16、17、18、20、24、25、28、33、36、40、43、44"/>
+</p:tagLst>
+</file>
+
+<file path=ppt/tags/tag73.xml><?xml version="1.0" encoding="utf-8"?>
+<p:tagLst xmlns:p="http://schemas.openxmlformats.org/presentationml/2006/main">
+  <p:tag name="KSO_WM_SLIDE_ID" val="custom20205081_1"/>
+  <p:tag name="KSO_WM_TEMPLATE_SUBCATEGORY" val="19"/>
+  <p:tag name="KSO_WM_TEMPLATE_MASTER_TYPE" val="0"/>
+  <p:tag name="KSO_WM_TEMPLATE_COLOR_TYPE" val="1"/>
+  <p:tag name="KSO_WM_SLIDE_TYPE" val="title"/>
+  <p:tag name="KSO_WM_SLIDE_SUBTYPE" val="defaultBlank"/>
+  <p:tag name="KSO_WM_SLIDE_ITEM_CNT" val="0"/>
+  <p:tag name="KSO_WM_SLIDE_INDEX" val="1"/>
+  <p:tag name="KSO_WM_TAG_VERSION" val="1.0"/>
+  <p:tag name="KSO_WM_BEAUTIFY_FLAG" val="#wm#"/>
+  <p:tag name="KSO_WM_TEMPLATE_CATEGORY" val="custom"/>
+  <p:tag name="KSO_WM_TEMPLATE_INDEX" val="20205081"/>
+  <p:tag name="KSO_WM_SLIDE_LAYOUT" val="a_b"/>
+  <p:tag name="KSO_WM_SLIDE_LAYOUT_CNT" val="1_1"/>
+  <p:tag name="KSO_WM_UNIT_SHOW_EDIT_AREA_INDICATION" val="1"/>
+  <p:tag name="KSO_WM_TEMPLATE_THUMBS_INDEX" val="1、4、7、12、13、14、15、16、17、18、20、24、25、28、33、36、40、43、44"/>
+</p:tagLst>
+</file>
+
+<file path=ppt/tags/tag74.xml><?xml version="1.0" encoding="utf-8"?>
+<p:tagLst xmlns:p="http://schemas.openxmlformats.org/presentationml/2006/main">
+  <p:tag name="KSO_WM_SLIDE_ID" val="custom20205081_1"/>
+  <p:tag name="KSO_WM_TEMPLATE_SUBCATEGORY" val="19"/>
+  <p:tag name="KSO_WM_TEMPLATE_MASTER_TYPE" val="0"/>
+  <p:tag name="KSO_WM_TEMPLATE_COLOR_TYPE" val="1"/>
+  <p:tag name="KSO_WM_SLIDE_TYPE" val="title"/>
+  <p:tag name="KSO_WM_SLIDE_SUBTYPE" val="defaultBlank"/>
+  <p:tag name="KSO_WM_SLIDE_ITEM_CNT" val="0"/>
+  <p:tag name="KSO_WM_SLIDE_INDEX" val="1"/>
+  <p:tag name="KSO_WM_TAG_VERSION" val="1.0"/>
+  <p:tag name="KSO_WM_BEAUTIFY_FLAG" val="#wm#"/>
+  <p:tag name="KSO_WM_TEMPLATE_CATEGORY" val="custom"/>
+  <p:tag name="KSO_WM_TEMPLATE_INDEX" val="20205081"/>
+  <p:tag name="KSO_WM_SLIDE_LAYOUT" val="a_b"/>
+  <p:tag name="KSO_WM_SLIDE_LAYOUT_CNT" val="1_1"/>
+  <p:tag name="KSO_WM_UNIT_SHOW_EDIT_AREA_INDICATION" val="1"/>
+  <p:tag name="KSO_WM_TEMPLATE_THUMBS_INDEX" val="1、4、7、12、13、14、15、16、17、18、20、24、25、28、33、36、40、43、44"/>
+</p:tagLst>
+</file>
+
+<file path=ppt/tags/tag75.xml><?xml version="1.0" encoding="utf-8"?>
+<p:tagLst xmlns:p="http://schemas.openxmlformats.org/presentationml/2006/main">
+  <p:tag name="KSO_WM_SLIDE_ID" val="custom20205081_1"/>
+  <p:tag name="KSO_WM_TEMPLATE_SUBCATEGORY" val="19"/>
+  <p:tag name="KSO_WM_TEMPLATE_MASTER_TYPE" val="0"/>
+  <p:tag name="KSO_WM_TEMPLATE_COLOR_TYPE" val="1"/>
+  <p:tag name="KSO_WM_SLIDE_TYPE" val="title"/>
+  <p:tag name="KSO_WM_SLIDE_SUBTYPE" val="defaultBlank"/>
+  <p:tag name="KSO_WM_SLIDE_ITEM_CNT" val="0"/>
+  <p:tag name="KSO_WM_SLIDE_INDEX" val="1"/>
+  <p:tag name="KSO_WM_TAG_VERSION" val="1.0"/>
+  <p:tag name="KSO_WM_BEAUTIFY_FLAG" val="#wm#"/>
+  <p:tag name="KSO_WM_TEMPLATE_CATEGORY" val="custom"/>
+  <p:tag name="KSO_WM_TEMPLATE_INDEX" val="20205081"/>
+  <p:tag name="KSO_WM_SLIDE_LAYOUT" val="a_b"/>
+  <p:tag name="KSO_WM_SLIDE_LAYOUT_CNT" val="1_1"/>
+  <p:tag name="KSO_WM_UNIT_SHOW_EDIT_AREA_INDICATION" val="1"/>
+  <p:tag name="KSO_WM_TEMPLATE_THUMBS_INDEX" val="1、4、7、12、13、14、15、16、17、18、20、24、25、28、33、36、40、43、44"/>
+</p:tagLst>
+</file>
+
+<file path=ppt/tags/tag76.xml><?xml version="1.0" encoding="utf-8"?>
+<p:tagLst xmlns:p="http://schemas.openxmlformats.org/presentationml/2006/main">
+  <p:tag name="KSO_WM_SLIDE_ID" val="custom20205081_1"/>
+  <p:tag name="KSO_WM_TEMPLATE_SUBCATEGORY" val="19"/>
+  <p:tag name="KSO_WM_TEMPLATE_MASTER_TYPE" val="0"/>
+  <p:tag name="KSO_WM_TEMPLATE_COLOR_TYPE" val="1"/>
+  <p:tag name="KSO_WM_SLIDE_TYPE" val="title"/>
+  <p:tag name="KSO_WM_SLIDE_SUBTYPE" val="defaultBlank"/>
+  <p:tag name="KSO_WM_SLIDE_ITEM_CNT" val="0"/>
+  <p:tag name="KSO_WM_SLIDE_INDEX" val="1"/>
+  <p:tag name="KSO_WM_TAG_VERSION" val="1.0"/>
+  <p:tag name="KSO_WM_BEAUTIFY_FLAG" val="#wm#"/>
+  <p:tag name="KSO_WM_TEMPLATE_CATEGORY" val="custom"/>
+  <p:tag name="KSO_WM_TEMPLATE_INDEX" val="20205081"/>
+  <p:tag name="KSO_WM_SLIDE_LAYOUT" val="a_b"/>
+  <p:tag name="KSO_WM_SLIDE_LAYOUT_CNT" val="1_1"/>
+  <p:tag name="KSO_WM_UNIT_SHOW_EDIT_AREA_INDICATION" val="1"/>
+  <p:tag name="KSO_WM_TEMPLATE_THUMBS_INDEX" val="1、4、7、12、13、14、15、16、17、18、20、24、25、28、33、36、40、43、44"/>
 </p:tagLst>
 </file>
 
